--- a/src/main/resources/content/ppt-templates/design6.pptx
+++ b/src/main/resources/content/ppt-templates/design6.pptx
@@ -2,34 +2,34 @@
 <file path=ppt/presentation.xml><?xml version="1.0" encoding="utf-8"?>
 <p:presentation xmlns:a="http://schemas.openxmlformats.org/drawingml/2006/main" xmlns:r="http://schemas.openxmlformats.org/officeDocument/2006/relationships" xmlns:p="http://schemas.openxmlformats.org/presentationml/2006/main" showSpecialPlsOnTitleSld="0" removePersonalInfoOnSave="1" saveSubsetFonts="1" autoCompressPictures="0">
   <p:sldMasterIdLst>
-    <p:sldMasterId id="2147483666" r:id="rId1"/>
+    <p:sldMasterId id="2147483666" r:id="rId4"/>
   </p:sldMasterIdLst>
   <p:notesMasterIdLst>
-    <p:notesMasterId r:id="rId21"/>
+    <p:notesMasterId r:id="rId24"/>
   </p:notesMasterIdLst>
   <p:handoutMasterIdLst>
-    <p:handoutMasterId r:id="rId22"/>
+    <p:handoutMasterId r:id="rId25"/>
   </p:handoutMasterIdLst>
   <p:sldIdLst>
-    <p:sldId id="256" r:id="rId2"/>
-    <p:sldId id="277" r:id="rId3"/>
-    <p:sldId id="261" r:id="rId4"/>
-    <p:sldId id="262" r:id="rId5"/>
-    <p:sldId id="289" r:id="rId6"/>
-    <p:sldId id="264" r:id="rId7"/>
-    <p:sldId id="258" r:id="rId8"/>
-    <p:sldId id="278" r:id="rId9"/>
-    <p:sldId id="266" r:id="rId10"/>
-    <p:sldId id="292" r:id="rId11"/>
-    <p:sldId id="268" r:id="rId12"/>
-    <p:sldId id="280" r:id="rId13"/>
-    <p:sldId id="270" r:id="rId14"/>
-    <p:sldId id="294" r:id="rId15"/>
-    <p:sldId id="260" r:id="rId16"/>
-    <p:sldId id="282" r:id="rId17"/>
-    <p:sldId id="283" r:id="rId18"/>
-    <p:sldId id="275" r:id="rId19"/>
-    <p:sldId id="276" r:id="rId20"/>
+    <p:sldId id="256" r:id="rId5"/>
+    <p:sldId id="277" r:id="rId6"/>
+    <p:sldId id="261" r:id="rId7"/>
+    <p:sldId id="262" r:id="rId8"/>
+    <p:sldId id="289" r:id="rId9"/>
+    <p:sldId id="264" r:id="rId10"/>
+    <p:sldId id="258" r:id="rId11"/>
+    <p:sldId id="278" r:id="rId12"/>
+    <p:sldId id="266" r:id="rId13"/>
+    <p:sldId id="292" r:id="rId14"/>
+    <p:sldId id="268" r:id="rId15"/>
+    <p:sldId id="280" r:id="rId16"/>
+    <p:sldId id="270" r:id="rId17"/>
+    <p:sldId id="294" r:id="rId18"/>
+    <p:sldId id="260" r:id="rId19"/>
+    <p:sldId id="282" r:id="rId20"/>
+    <p:sldId id="283" r:id="rId21"/>
+    <p:sldId id="275" r:id="rId22"/>
+    <p:sldId id="276" r:id="rId23"/>
   </p:sldIdLst>
   <p:sldSz cx="12192000" cy="6858000"/>
   <p:notesSz cx="6858000" cy="9144000"/>
@@ -162,7 +162,7 @@
 </p:cmAuthorLst>
 </file>
 
-<file path=ppt/handoutMasters/handoutMaster11.xml><?xml version="1.0" encoding="utf-8"?>
+<file path=ppt/handoutMasters/handoutMaster1.xml><?xml version="1.0" encoding="utf-8"?>
 <p:handoutMaster xmlns:a="http://schemas.openxmlformats.org/drawingml/2006/main" xmlns:r="http://schemas.openxmlformats.org/officeDocument/2006/relationships" xmlns:p="http://schemas.openxmlformats.org/presentationml/2006/main">
   <p:cSld>
     <p:bg>
@@ -256,7 +256,7 @@
           <a:p>
             <a:fld id="{F352A77B-D33C-49B3-A83C-450AA2ED72B3}" type="datetimeFigureOut">
               <a:rPr lang="en-US" smtClean="0"/>
-              <a:t>6/22/2021</a:t>
+              <a:t>7/31/23</a:t>
             </a:fld>
             <a:endParaRPr lang="en-US" dirty="0"/>
           </a:p>
@@ -351,7 +351,7 @@
 </p:handoutMaster>
 </file>
 
-<file path=ppt/notesMasters/notesMaster11.xml><?xml version="1.0" encoding="utf-8"?>
+<file path=ppt/notesMasters/notesMaster1.xml><?xml version="1.0" encoding="utf-8"?>
 <p:notesMaster xmlns:a="http://schemas.openxmlformats.org/drawingml/2006/main" xmlns:r="http://schemas.openxmlformats.org/officeDocument/2006/relationships" xmlns:p="http://schemas.openxmlformats.org/presentationml/2006/main">
   <p:cSld>
     <p:bg>
@@ -433,7 +433,7 @@
           <a:p>
             <a:fld id="{E38D8F9A-F5CB-4EF8-A859-ED5E107B9763}" type="datetimeFigureOut">
               <a:rPr lang="en-US" smtClean="0"/>
-              <a:t>6/22/2021</a:t>
+              <a:t>7/31/23</a:t>
             </a:fld>
             <a:endParaRPr lang="en-US" dirty="0"/>
           </a:p>
@@ -700,7 +700,208 @@
 </p:notesMaster>
 </file>
 
-<file path=ppt/slideLayouts/slideLayout1016.xml><?xml version="1.0" encoding="utf-8"?>
+<file path=ppt/slideLayouts/slideLayout1.xml><?xml version="1.0" encoding="utf-8"?>
+<p:sldLayout xmlns:a="http://schemas.openxmlformats.org/drawingml/2006/main" xmlns:r="http://schemas.openxmlformats.org/officeDocument/2006/relationships" xmlns:p="http://schemas.openxmlformats.org/presentationml/2006/main" type="title" preserve="1">
+  <p:cSld name="Title Slide">
+    <p:bg>
+      <p:bgPr>
+        <a:solidFill>
+          <a:schemeClr val="accent2"/>
+        </a:solidFill>
+        <a:effectLst/>
+      </p:bgPr>
+    </p:bg>
+    <p:spTree>
+      <p:nvGrpSpPr>
+        <p:cNvPr id="1" name=""/>
+        <p:cNvGrpSpPr/>
+        <p:nvPr/>
+      </p:nvGrpSpPr>
+      <p:grpSpPr>
+        <a:xfrm>
+          <a:off x="0" y="0"/>
+          <a:ext cx="0" cy="0"/>
+          <a:chOff x="0" y="0"/>
+          <a:chExt cx="0" cy="0"/>
+        </a:xfrm>
+      </p:grpSpPr>
+      <p:sp>
+        <p:nvSpPr>
+          <p:cNvPr id="2" name="Title 1">
+            <a:extLst>
+              <a:ext uri="{FF2B5EF4-FFF2-40B4-BE49-F238E27FC236}">
+                <a16:creationId xmlns:a16="http://schemas.microsoft.com/office/drawing/2014/main" id="{415B3628-62D7-4A6D-A79F-34DE91DBA31E}"/>
+              </a:ext>
+            </a:extLst>
+          </p:cNvPr>
+          <p:cNvSpPr>
+            <a:spLocks noGrp="1"/>
+          </p:cNvSpPr>
+          <p:nvPr>
+            <p:ph type="ctrTitle" hasCustomPrompt="1"/>
+          </p:nvPr>
+        </p:nvSpPr>
+        <p:spPr>
+          <a:xfrm>
+            <a:off x="6416040" y="4434840"/>
+            <a:ext cx="4941771" cy="1122202"/>
+          </a:xfrm>
+        </p:spPr>
+        <p:txBody>
+          <a:bodyPr anchor="b">
+            <a:noAutofit/>
+          </a:bodyPr>
+          <a:lstStyle>
+            <a:lvl1pPr algn="l">
+              <a:defRPr sz="3600" cap="all" spc="150" baseline="0">
+                <a:solidFill>
+                  <a:schemeClr val="tx1">
+                    <a:lumMod val="75000"/>
+                    <a:lumOff val="25000"/>
+                  </a:schemeClr>
+                </a:solidFill>
+              </a:defRPr>
+            </a:lvl1pPr>
+          </a:lstStyle>
+          <a:p>
+            <a:r>
+              <a:rPr lang="en-US"/>
+              <a:t>CLICK TO EDIT MASTER TITLE STYLE</a:t>
+            </a:r>
+          </a:p>
+        </p:txBody>
+      </p:sp>
+      <p:sp>
+        <p:nvSpPr>
+          <p:cNvPr id="3" name="Subtitle 2">
+            <a:extLst>
+              <a:ext uri="{FF2B5EF4-FFF2-40B4-BE49-F238E27FC236}">
+                <a16:creationId xmlns:a16="http://schemas.microsoft.com/office/drawing/2014/main" id="{55457758-A125-4CEA-A3D5-CBD010417BD2}"/>
+              </a:ext>
+            </a:extLst>
+          </p:cNvPr>
+          <p:cNvSpPr>
+            <a:spLocks noGrp="1"/>
+          </p:cNvSpPr>
+          <p:nvPr>
+            <p:ph type="subTitle" idx="1"/>
+          </p:nvPr>
+        </p:nvSpPr>
+        <p:spPr>
+          <a:xfrm>
+            <a:off x="6416041" y="5586890"/>
+            <a:ext cx="4941770" cy="396660"/>
+          </a:xfrm>
+        </p:spPr>
+        <p:txBody>
+          <a:bodyPr>
+            <a:normAutofit/>
+          </a:bodyPr>
+          <a:lstStyle>
+            <a:lvl1pPr marL="0" indent="0" algn="l">
+              <a:lnSpc>
+                <a:spcPct val="100000"/>
+              </a:lnSpc>
+              <a:buNone/>
+              <a:defRPr sz="1600">
+                <a:solidFill>
+                  <a:schemeClr val="tx1">
+                    <a:lumMod val="75000"/>
+                    <a:lumOff val="25000"/>
+                  </a:schemeClr>
+                </a:solidFill>
+              </a:defRPr>
+            </a:lvl1pPr>
+            <a:lvl2pPr marL="457200" indent="0" algn="ctr">
+              <a:buNone/>
+              <a:defRPr sz="2000"/>
+            </a:lvl2pPr>
+            <a:lvl3pPr marL="914400" indent="0" algn="ctr">
+              <a:buNone/>
+              <a:defRPr sz="1800"/>
+            </a:lvl3pPr>
+            <a:lvl4pPr marL="1371600" indent="0" algn="ctr">
+              <a:buNone/>
+              <a:defRPr sz="1600"/>
+            </a:lvl4pPr>
+            <a:lvl5pPr marL="1828800" indent="0" algn="ctr">
+              <a:buNone/>
+              <a:defRPr sz="1600"/>
+            </a:lvl5pPr>
+            <a:lvl6pPr marL="2286000" indent="0" algn="ctr">
+              <a:buNone/>
+              <a:defRPr sz="1600"/>
+            </a:lvl6pPr>
+            <a:lvl7pPr marL="2743200" indent="0" algn="ctr">
+              <a:buNone/>
+              <a:defRPr sz="1600"/>
+            </a:lvl7pPr>
+            <a:lvl8pPr marL="3200400" indent="0" algn="ctr">
+              <a:buNone/>
+              <a:defRPr sz="1600"/>
+            </a:lvl8pPr>
+            <a:lvl9pPr marL="3657600" indent="0" algn="ctr">
+              <a:buNone/>
+              <a:defRPr sz="1600"/>
+            </a:lvl9pPr>
+          </a:lstStyle>
+          <a:p>
+            <a:r>
+              <a:rPr lang="en-US"/>
+              <a:t>Click to edit Master subtitle style</a:t>
+            </a:r>
+          </a:p>
+        </p:txBody>
+      </p:sp>
+      <p:pic>
+        <p:nvPicPr>
+          <p:cNvPr id="8" name="Graphic 7">
+            <a:extLst>
+              <a:ext uri="{FF2B5EF4-FFF2-40B4-BE49-F238E27FC236}">
+                <a16:creationId xmlns:a16="http://schemas.microsoft.com/office/drawing/2014/main" id="{A04F1E16-9A84-4D0E-9706-79C396AF6AE6}"/>
+              </a:ext>
+            </a:extLst>
+          </p:cNvPr>
+          <p:cNvPicPr>
+            <a:picLocks noChangeAspect="1"/>
+          </p:cNvPicPr>
+          <p:nvPr/>
+        </p:nvPicPr>
+        <p:blipFill rotWithShape="1">
+          <a:blip r:embed="rId2">
+            <a:extLst>
+              <a:ext uri="{96DAC541-7B7A-43D3-8B79-37D633B846F1}">
+                <asvg:svgBlip xmlns:asvg="http://schemas.microsoft.com/office/drawing/2016/SVG/main" r:embed="rId3"/>
+              </a:ext>
+            </a:extLst>
+          </a:blip>
+          <a:srcRect l="9358" t="23650" b="-1"/>
+          <a:stretch/>
+        </p:blipFill>
+        <p:spPr>
+          <a:xfrm>
+            <a:off x="0" y="0"/>
+            <a:ext cx="9488312" cy="5054323"/>
+          </a:xfrm>
+          <a:prstGeom prst="rect">
+            <a:avLst/>
+          </a:prstGeom>
+        </p:spPr>
+      </p:pic>
+    </p:spTree>
+    <p:extLst>
+      <p:ext uri="{BB962C8B-B14F-4D97-AF65-F5344CB8AC3E}">
+        <p14:creationId xmlns:p14="http://schemas.microsoft.com/office/powerpoint/2010/main" val="913108640"/>
+      </p:ext>
+    </p:extLst>
+  </p:cSld>
+  <p:clrMapOvr>
+    <a:masterClrMapping/>
+  </p:clrMapOvr>
+</p:sldLayout>
+</file>
+
+<file path=ppt/slideLayouts/slideLayout10.xml><?xml version="1.0" encoding="utf-8"?>
 <p:sldLayout xmlns:a="http://schemas.openxmlformats.org/drawingml/2006/main" xmlns:r="http://schemas.openxmlformats.org/officeDocument/2006/relationships" xmlns:p="http://schemas.openxmlformats.org/presentationml/2006/main" preserve="1" userDrawn="1">
   <p:cSld name="Market comparison">
     <p:bg>
@@ -1828,208 +2029,7 @@
 </p:sldLayout>
 </file>
 
-<file path=ppt/slideLayouts/slideLayout111.xml><?xml version="1.0" encoding="utf-8"?>
-<p:sldLayout xmlns:a="http://schemas.openxmlformats.org/drawingml/2006/main" xmlns:r="http://schemas.openxmlformats.org/officeDocument/2006/relationships" xmlns:p="http://schemas.openxmlformats.org/presentationml/2006/main" type="title" preserve="1">
-  <p:cSld name="Title Slide">
-    <p:bg>
-      <p:bgPr>
-        <a:solidFill>
-          <a:schemeClr val="accent2"/>
-        </a:solidFill>
-        <a:effectLst/>
-      </p:bgPr>
-    </p:bg>
-    <p:spTree>
-      <p:nvGrpSpPr>
-        <p:cNvPr id="1" name=""/>
-        <p:cNvGrpSpPr/>
-        <p:nvPr/>
-      </p:nvGrpSpPr>
-      <p:grpSpPr>
-        <a:xfrm>
-          <a:off x="0" y="0"/>
-          <a:ext cx="0" cy="0"/>
-          <a:chOff x="0" y="0"/>
-          <a:chExt cx="0" cy="0"/>
-        </a:xfrm>
-      </p:grpSpPr>
-      <p:sp>
-        <p:nvSpPr>
-          <p:cNvPr id="2" name="Title 1">
-            <a:extLst>
-              <a:ext uri="{FF2B5EF4-FFF2-40B4-BE49-F238E27FC236}">
-                <a16:creationId xmlns:a16="http://schemas.microsoft.com/office/drawing/2014/main" id="{415B3628-62D7-4A6D-A79F-34DE91DBA31E}"/>
-              </a:ext>
-            </a:extLst>
-          </p:cNvPr>
-          <p:cNvSpPr>
-            <a:spLocks noGrp="1"/>
-          </p:cNvSpPr>
-          <p:nvPr>
-            <p:ph type="ctrTitle" hasCustomPrompt="1"/>
-          </p:nvPr>
-        </p:nvSpPr>
-        <p:spPr>
-          <a:xfrm>
-            <a:off x="6416040" y="4434840"/>
-            <a:ext cx="4941771" cy="1122202"/>
-          </a:xfrm>
-        </p:spPr>
-        <p:txBody>
-          <a:bodyPr anchor="b">
-            <a:noAutofit/>
-          </a:bodyPr>
-          <a:lstStyle>
-            <a:lvl1pPr algn="l">
-              <a:defRPr sz="3600" cap="all" spc="150" baseline="0">
-                <a:solidFill>
-                  <a:schemeClr val="tx1">
-                    <a:lumMod val="75000"/>
-                    <a:lumOff val="25000"/>
-                  </a:schemeClr>
-                </a:solidFill>
-              </a:defRPr>
-            </a:lvl1pPr>
-          </a:lstStyle>
-          <a:p>
-            <a:r>
-              <a:rPr lang="en-US"/>
-              <a:t>CLICK TO EDIT MASTER TITLE STYLE</a:t>
-            </a:r>
-          </a:p>
-        </p:txBody>
-      </p:sp>
-      <p:sp>
-        <p:nvSpPr>
-          <p:cNvPr id="3" name="Subtitle 2">
-            <a:extLst>
-              <a:ext uri="{FF2B5EF4-FFF2-40B4-BE49-F238E27FC236}">
-                <a16:creationId xmlns:a16="http://schemas.microsoft.com/office/drawing/2014/main" id="{55457758-A125-4CEA-A3D5-CBD010417BD2}"/>
-              </a:ext>
-            </a:extLst>
-          </p:cNvPr>
-          <p:cNvSpPr>
-            <a:spLocks noGrp="1"/>
-          </p:cNvSpPr>
-          <p:nvPr>
-            <p:ph type="subTitle" idx="1"/>
-          </p:nvPr>
-        </p:nvSpPr>
-        <p:spPr>
-          <a:xfrm>
-            <a:off x="6416041" y="5586890"/>
-            <a:ext cx="4941770" cy="396660"/>
-          </a:xfrm>
-        </p:spPr>
-        <p:txBody>
-          <a:bodyPr>
-            <a:normAutofit/>
-          </a:bodyPr>
-          <a:lstStyle>
-            <a:lvl1pPr marL="0" indent="0" algn="l">
-              <a:lnSpc>
-                <a:spcPct val="100000"/>
-              </a:lnSpc>
-              <a:buNone/>
-              <a:defRPr sz="1600">
-                <a:solidFill>
-                  <a:schemeClr val="tx1">
-                    <a:lumMod val="75000"/>
-                    <a:lumOff val="25000"/>
-                  </a:schemeClr>
-                </a:solidFill>
-              </a:defRPr>
-            </a:lvl1pPr>
-            <a:lvl2pPr marL="457200" indent="0" algn="ctr">
-              <a:buNone/>
-              <a:defRPr sz="2000"/>
-            </a:lvl2pPr>
-            <a:lvl3pPr marL="914400" indent="0" algn="ctr">
-              <a:buNone/>
-              <a:defRPr sz="1800"/>
-            </a:lvl3pPr>
-            <a:lvl4pPr marL="1371600" indent="0" algn="ctr">
-              <a:buNone/>
-              <a:defRPr sz="1600"/>
-            </a:lvl4pPr>
-            <a:lvl5pPr marL="1828800" indent="0" algn="ctr">
-              <a:buNone/>
-              <a:defRPr sz="1600"/>
-            </a:lvl5pPr>
-            <a:lvl6pPr marL="2286000" indent="0" algn="ctr">
-              <a:buNone/>
-              <a:defRPr sz="1600"/>
-            </a:lvl6pPr>
-            <a:lvl7pPr marL="2743200" indent="0" algn="ctr">
-              <a:buNone/>
-              <a:defRPr sz="1600"/>
-            </a:lvl7pPr>
-            <a:lvl8pPr marL="3200400" indent="0" algn="ctr">
-              <a:buNone/>
-              <a:defRPr sz="1600"/>
-            </a:lvl8pPr>
-            <a:lvl9pPr marL="3657600" indent="0" algn="ctr">
-              <a:buNone/>
-              <a:defRPr sz="1600"/>
-            </a:lvl9pPr>
-          </a:lstStyle>
-          <a:p>
-            <a:r>
-              <a:rPr lang="en-US"/>
-              <a:t>Click to edit Master subtitle style</a:t>
-            </a:r>
-          </a:p>
-        </p:txBody>
-      </p:sp>
-      <p:pic>
-        <p:nvPicPr>
-          <p:cNvPr id="8" name="Graphic 7">
-            <a:extLst>
-              <a:ext uri="{FF2B5EF4-FFF2-40B4-BE49-F238E27FC236}">
-                <a16:creationId xmlns:a16="http://schemas.microsoft.com/office/drawing/2014/main" id="{A04F1E16-9A84-4D0E-9706-79C396AF6AE6}"/>
-              </a:ext>
-            </a:extLst>
-          </p:cNvPr>
-          <p:cNvPicPr>
-            <a:picLocks noChangeAspect="1"/>
-          </p:cNvPicPr>
-          <p:nvPr/>
-        </p:nvPicPr>
-        <p:blipFill rotWithShape="1">
-          <a:blip r:embed="rId2">
-            <a:extLst>
-              <a:ext uri="{96DAC541-7B7A-43D3-8B79-37D633B846F1}">
-                <asvg:svgBlip xmlns:asvg="http://schemas.microsoft.com/office/drawing/2016/SVG/main" r:embed="rId3"/>
-              </a:ext>
-            </a:extLst>
-          </a:blip>
-          <a:srcRect l="9358" t="23650" b="-1"/>
-          <a:stretch/>
-        </p:blipFill>
-        <p:spPr>
-          <a:xfrm>
-            <a:off x="0" y="0"/>
-            <a:ext cx="9488312" cy="5054323"/>
-          </a:xfrm>
-          <a:prstGeom prst="rect">
-            <a:avLst/>
-          </a:prstGeom>
-        </p:spPr>
-      </p:pic>
-    </p:spTree>
-    <p:extLst>
-      <p:ext uri="{BB962C8B-B14F-4D97-AF65-F5344CB8AC3E}">
-        <p14:creationId xmlns:p14="http://schemas.microsoft.com/office/powerpoint/2010/main" val="913108640"/>
-      </p:ext>
-    </p:extLst>
-  </p:cSld>
-  <p:clrMapOvr>
-    <a:masterClrMapping/>
-  </p:clrMapOvr>
-</p:sldLayout>
-</file>
-
-<file path=ppt/slideLayouts/slideLayout1113.xml><?xml version="1.0" encoding="utf-8"?>
+<file path=ppt/slideLayouts/slideLayout11.xml><?xml version="1.0" encoding="utf-8"?>
 <p:sldLayout xmlns:a="http://schemas.openxmlformats.org/drawingml/2006/main" xmlns:r="http://schemas.openxmlformats.org/officeDocument/2006/relationships" xmlns:p="http://schemas.openxmlformats.org/presentationml/2006/main" type="twoTxTwoObj" preserve="1">
   <p:cSld name="Two Content">
     <p:bg>
@@ -2694,7 +2694,7 @@
 </p:sldLayout>
 </file>
 
-<file path=ppt/slideLayouts/slideLayout126.xml><?xml version="1.0" encoding="utf-8"?>
+<file path=ppt/slideLayouts/slideLayout12.xml><?xml version="1.0" encoding="utf-8"?>
 <p:sldLayout xmlns:a="http://schemas.openxmlformats.org/drawingml/2006/main" xmlns:r="http://schemas.openxmlformats.org/officeDocument/2006/relationships" xmlns:p="http://schemas.openxmlformats.org/presentationml/2006/main" userDrawn="1">
   <p:cSld name="Quadrant">
     <p:spTree>
@@ -3533,7 +3533,7 @@
 </p:sldLayout>
 </file>
 
-<file path=ppt/slideLayouts/slideLayout133.xml><?xml version="1.0" encoding="utf-8"?>
+<file path=ppt/slideLayouts/slideLayout13.xml><?xml version="1.0" encoding="utf-8"?>
 <p:sldLayout xmlns:a="http://schemas.openxmlformats.org/drawingml/2006/main" xmlns:r="http://schemas.openxmlformats.org/officeDocument/2006/relationships" xmlns:p="http://schemas.openxmlformats.org/presentationml/2006/main" preserve="1" userDrawn="1">
   <p:cSld name="Content">
     <p:spTree>
@@ -4126,7 +4126,7 @@
 </p:sldLayout>
 </file>
 
-<file path=ppt/slideLayouts/slideLayout1420.xml><?xml version="1.0" encoding="utf-8"?>
+<file path=ppt/slideLayouts/slideLayout14.xml><?xml version="1.0" encoding="utf-8"?>
 <p:sldLayout xmlns:a="http://schemas.openxmlformats.org/drawingml/2006/main" xmlns:r="http://schemas.openxmlformats.org/officeDocument/2006/relationships" xmlns:p="http://schemas.openxmlformats.org/presentationml/2006/main" preserve="1" userDrawn="1">
   <p:cSld name="Timeline 2">
     <p:spTree>
@@ -5702,7 +5702,7 @@
 </p:sldLayout>
 </file>
 
-<file path=ppt/slideLayouts/slideLayout1515.xml><?xml version="1.0" encoding="utf-8"?>
+<file path=ppt/slideLayouts/slideLayout15.xml><?xml version="1.0" encoding="utf-8"?>
 <p:sldLayout xmlns:a="http://schemas.openxmlformats.org/drawingml/2006/main" xmlns:r="http://schemas.openxmlformats.org/officeDocument/2006/relationships" xmlns:p="http://schemas.openxmlformats.org/presentationml/2006/main" preserve="1" userDrawn="1">
   <p:cSld name="Smart Art">
     <p:bg>
@@ -6013,7 +6013,7 @@
 </p:sldLayout>
 </file>
 
-<file path=ppt/slideLayouts/slideLayout169.xml><?xml version="1.0" encoding="utf-8"?>
+<file path=ppt/slideLayouts/slideLayout16.xml><?xml version="1.0" encoding="utf-8"?>
 <p:sldLayout xmlns:a="http://schemas.openxmlformats.org/drawingml/2006/main" xmlns:r="http://schemas.openxmlformats.org/officeDocument/2006/relationships" xmlns:p="http://schemas.openxmlformats.org/presentationml/2006/main" preserve="1">
   <p:cSld name="Team Slide 4 People">
     <p:bg>
@@ -7189,7 +7189,7 @@
 </p:sldLayout>
 </file>
 
-<file path=ppt/slideLayouts/slideLayout177.xml><?xml version="1.0" encoding="utf-8"?>
+<file path=ppt/slideLayouts/slideLayout17.xml><?xml version="1.0" encoding="utf-8"?>
 <p:sldLayout xmlns:a="http://schemas.openxmlformats.org/drawingml/2006/main" xmlns:r="http://schemas.openxmlformats.org/officeDocument/2006/relationships" xmlns:p="http://schemas.openxmlformats.org/presentationml/2006/main" preserve="1">
   <p:cSld name="Team Slide 8 People">
     <p:bg>
@@ -9240,7 +9240,7 @@
 </p:sldLayout>
 </file>
 
-<file path=ppt/slideLayouts/slideLayout184.xml><?xml version="1.0" encoding="utf-8"?>
+<file path=ppt/slideLayouts/slideLayout18.xml><?xml version="1.0" encoding="utf-8"?>
 <p:sldLayout xmlns:a="http://schemas.openxmlformats.org/drawingml/2006/main" xmlns:r="http://schemas.openxmlformats.org/officeDocument/2006/relationships" xmlns:p="http://schemas.openxmlformats.org/presentationml/2006/main" preserve="1" userDrawn="1">
   <p:cSld name="3  Content">
     <p:bg>
@@ -10738,7 +10738,7 @@
 </p:sldLayout>
 </file>
 
-<file path=ppt/slideLayouts/slideLayout1917.xml><?xml version="1.0" encoding="utf-8"?>
+<file path=ppt/slideLayouts/slideLayout19.xml><?xml version="1.0" encoding="utf-8"?>
 <p:sldLayout xmlns:a="http://schemas.openxmlformats.org/drawingml/2006/main" xmlns:r="http://schemas.openxmlformats.org/officeDocument/2006/relationships" xmlns:p="http://schemas.openxmlformats.org/presentationml/2006/main" type="secHead" preserve="1">
   <p:cSld name="Summary">
     <p:spTree>
@@ -11162,322 +11162,7 @@
 </p:sldLayout>
 </file>
 
-<file path=ppt/slideLayouts/slideLayout2010.xml><?xml version="1.0" encoding="utf-8"?>
-<p:sldLayout xmlns:a="http://schemas.openxmlformats.org/drawingml/2006/main" xmlns:r="http://schemas.openxmlformats.org/officeDocument/2006/relationships" xmlns:p="http://schemas.openxmlformats.org/presentationml/2006/main" type="title" preserve="1">
-  <p:cSld name="Closing">
-    <p:bg>
-      <p:bgPr>
-        <a:solidFill>
-          <a:schemeClr val="accent2"/>
-        </a:solidFill>
-        <a:effectLst/>
-      </p:bgPr>
-    </p:bg>
-    <p:spTree>
-      <p:nvGrpSpPr>
-        <p:cNvPr id="1" name=""/>
-        <p:cNvGrpSpPr/>
-        <p:nvPr/>
-      </p:nvGrpSpPr>
-      <p:grpSpPr>
-        <a:xfrm>
-          <a:off x="0" y="0"/>
-          <a:ext cx="0" cy="0"/>
-          <a:chOff x="0" y="0"/>
-          <a:chExt cx="0" cy="0"/>
-        </a:xfrm>
-      </p:grpSpPr>
-      <p:sp>
-        <p:nvSpPr>
-          <p:cNvPr id="2" name="Title 1">
-            <a:extLst>
-              <a:ext uri="{FF2B5EF4-FFF2-40B4-BE49-F238E27FC236}">
-                <a16:creationId xmlns:a16="http://schemas.microsoft.com/office/drawing/2014/main" id="{415B3628-62D7-4A6D-A79F-34DE91DBA31E}"/>
-              </a:ext>
-            </a:extLst>
-          </p:cNvPr>
-          <p:cNvSpPr>
-            <a:spLocks noGrp="1"/>
-          </p:cNvSpPr>
-          <p:nvPr>
-            <p:ph type="ctrTitle" hasCustomPrompt="1"/>
-          </p:nvPr>
-        </p:nvSpPr>
-        <p:spPr>
-          <a:xfrm>
-            <a:off x="4267200" y="1615736"/>
-            <a:ext cx="4179570" cy="1524735"/>
-          </a:xfrm>
-        </p:spPr>
-        <p:txBody>
-          <a:bodyPr anchor="b">
-            <a:noAutofit/>
-          </a:bodyPr>
-          <a:lstStyle>
-            <a:lvl1pPr algn="l">
-              <a:defRPr sz="3200" spc="150" baseline="0">
-                <a:solidFill>
-                  <a:schemeClr val="tx1">
-                    <a:lumMod val="75000"/>
-                    <a:lumOff val="25000"/>
-                  </a:schemeClr>
-                </a:solidFill>
-              </a:defRPr>
-            </a:lvl1pPr>
-          </a:lstStyle>
-          <a:p>
-            <a:r>
-              <a:rPr lang="en-US"/>
-              <a:t>CLICK TO EDIT MASTER TITLE STYLE</a:t>
-            </a:r>
-          </a:p>
-        </p:txBody>
-      </p:sp>
-      <p:sp>
-        <p:nvSpPr>
-          <p:cNvPr id="3" name="Subtitle 2">
-            <a:extLst>
-              <a:ext uri="{FF2B5EF4-FFF2-40B4-BE49-F238E27FC236}">
-                <a16:creationId xmlns:a16="http://schemas.microsoft.com/office/drawing/2014/main" id="{55457758-A125-4CEA-A3D5-CBD010417BD2}"/>
-              </a:ext>
-            </a:extLst>
-          </p:cNvPr>
-          <p:cNvSpPr>
-            <a:spLocks noGrp="1"/>
-          </p:cNvSpPr>
-          <p:nvPr>
-            <p:ph type="subTitle" idx="1"/>
-          </p:nvPr>
-        </p:nvSpPr>
-        <p:spPr>
-          <a:xfrm>
-            <a:off x="4267200" y="3238103"/>
-            <a:ext cx="4179570" cy="2004161"/>
-          </a:xfrm>
-        </p:spPr>
-        <p:txBody>
-          <a:bodyPr>
-            <a:normAutofit/>
-          </a:bodyPr>
-          <a:lstStyle>
-            <a:lvl1pPr marL="0" indent="0" algn="l">
-              <a:lnSpc>
-                <a:spcPct val="150000"/>
-              </a:lnSpc>
-              <a:buNone/>
-              <a:defRPr sz="1400" spc="50" baseline="0">
-                <a:solidFill>
-                  <a:schemeClr val="tx1">
-                    <a:lumMod val="75000"/>
-                    <a:lumOff val="25000"/>
-                  </a:schemeClr>
-                </a:solidFill>
-              </a:defRPr>
-            </a:lvl1pPr>
-            <a:lvl2pPr marL="457200" indent="0" algn="ctr">
-              <a:buNone/>
-              <a:defRPr sz="2000"/>
-            </a:lvl2pPr>
-            <a:lvl3pPr marL="914400" indent="0" algn="ctr">
-              <a:buNone/>
-              <a:defRPr sz="1800"/>
-            </a:lvl3pPr>
-            <a:lvl4pPr marL="1371600" indent="0" algn="ctr">
-              <a:buNone/>
-              <a:defRPr sz="1600"/>
-            </a:lvl4pPr>
-            <a:lvl5pPr marL="1828800" indent="0" algn="ctr">
-              <a:buNone/>
-              <a:defRPr sz="1600"/>
-            </a:lvl5pPr>
-            <a:lvl6pPr marL="2286000" indent="0" algn="ctr">
-              <a:buNone/>
-              <a:defRPr sz="1600"/>
-            </a:lvl6pPr>
-            <a:lvl7pPr marL="2743200" indent="0" algn="ctr">
-              <a:buNone/>
-              <a:defRPr sz="1600"/>
-            </a:lvl7pPr>
-            <a:lvl8pPr marL="3200400" indent="0" algn="ctr">
-              <a:buNone/>
-              <a:defRPr sz="1600"/>
-            </a:lvl8pPr>
-            <a:lvl9pPr marL="3657600" indent="0" algn="ctr">
-              <a:buNone/>
-              <a:defRPr sz="1600"/>
-            </a:lvl9pPr>
-          </a:lstStyle>
-          <a:p>
-            <a:r>
-              <a:rPr lang="en-US"/>
-              <a:t>Click to edit Master subtitle style</a:t>
-            </a:r>
-          </a:p>
-        </p:txBody>
-      </p:sp>
-      <p:pic>
-        <p:nvPicPr>
-          <p:cNvPr id="6" name="Graphic 5">
-            <a:extLst>
-              <a:ext uri="{FF2B5EF4-FFF2-40B4-BE49-F238E27FC236}">
-                <a16:creationId xmlns:a16="http://schemas.microsoft.com/office/drawing/2014/main" id="{ED3361C9-310A-4255-A94E-B77588962DA5}"/>
-              </a:ext>
-            </a:extLst>
-          </p:cNvPr>
-          <p:cNvPicPr>
-            <a:picLocks noChangeAspect="1"/>
-          </p:cNvPicPr>
-          <p:nvPr/>
-        </p:nvPicPr>
-        <p:blipFill>
-          <a:blip r:embed="rId2">
-            <a:extLst>
-              <a:ext uri="{96DAC541-7B7A-43D3-8B79-37D633B846F1}">
-                <asvg:svgBlip xmlns:asvg="http://schemas.microsoft.com/office/drawing/2016/SVG/main" r:embed="rId3"/>
-              </a:ext>
-            </a:extLst>
-          </a:blip>
-          <a:stretch>
-            <a:fillRect/>
-          </a:stretch>
-        </p:blipFill>
-        <p:spPr>
-          <a:xfrm>
-            <a:off x="0" y="0"/>
-            <a:ext cx="3176938" cy="6858000"/>
-          </a:xfrm>
-          <a:prstGeom prst="rect">
-            <a:avLst/>
-          </a:prstGeom>
-        </p:spPr>
-      </p:pic>
-      <p:sp>
-        <p:nvSpPr>
-          <p:cNvPr id="9" name="Date Placeholder 6">
-            <a:extLst>
-              <a:ext uri="{FF2B5EF4-FFF2-40B4-BE49-F238E27FC236}">
-                <a16:creationId xmlns:a16="http://schemas.microsoft.com/office/drawing/2014/main" id="{BF358517-D7B7-40D0-A9D0-B650C80898AC}"/>
-              </a:ext>
-            </a:extLst>
-          </p:cNvPr>
-          <p:cNvSpPr>
-            <a:spLocks noGrp="1"/>
-          </p:cNvSpPr>
-          <p:nvPr>
-            <p:ph type="dt" sz="half" idx="10"/>
-          </p:nvPr>
-        </p:nvSpPr>
-        <p:spPr>
-          <a:xfrm>
-            <a:off x="4267200" y="6356350"/>
-            <a:ext cx="1774371" cy="365125"/>
-          </a:xfrm>
-        </p:spPr>
-        <p:txBody>
-          <a:bodyPr/>
-          <a:lstStyle>
-            <a:lvl1pPr>
-              <a:defRPr sz="900"/>
-            </a:lvl1pPr>
-          </a:lstStyle>
-          <a:p>
-            <a:r>
-              <a:rPr lang="en-US"/>
-              <a:t>20XX</a:t>
-            </a:r>
-            <a:endParaRPr lang="en-US" dirty="0"/>
-          </a:p>
-        </p:txBody>
-      </p:sp>
-      <p:sp>
-        <p:nvSpPr>
-          <p:cNvPr id="10" name="Footer Placeholder 7">
-            <a:extLst>
-              <a:ext uri="{FF2B5EF4-FFF2-40B4-BE49-F238E27FC236}">
-                <a16:creationId xmlns:a16="http://schemas.microsoft.com/office/drawing/2014/main" id="{6026D44C-0B39-4DE1-A0FC-5615DDAAE3CE}"/>
-              </a:ext>
-            </a:extLst>
-          </p:cNvPr>
-          <p:cNvSpPr>
-            <a:spLocks noGrp="1"/>
-          </p:cNvSpPr>
-          <p:nvPr>
-            <p:ph type="ftr" sz="quarter" idx="11"/>
-          </p:nvPr>
-        </p:nvSpPr>
-        <p:spPr>
-          <a:xfrm>
-            <a:off x="6479721" y="6356350"/>
-            <a:ext cx="2661557" cy="365125"/>
-          </a:xfrm>
-        </p:spPr>
-        <p:txBody>
-          <a:bodyPr/>
-          <a:lstStyle>
-            <a:lvl1pPr>
-              <a:defRPr sz="900"/>
-            </a:lvl1pPr>
-          </a:lstStyle>
-          <a:p>
-            <a:r>
-              <a:rPr lang="en-US" dirty="0"/>
-              <a:t>Pitch Deck</a:t>
-            </a:r>
-          </a:p>
-        </p:txBody>
-      </p:sp>
-      <p:sp>
-        <p:nvSpPr>
-          <p:cNvPr id="11" name="Slide Number Placeholder 8">
-            <a:extLst>
-              <a:ext uri="{FF2B5EF4-FFF2-40B4-BE49-F238E27FC236}">
-                <a16:creationId xmlns:a16="http://schemas.microsoft.com/office/drawing/2014/main" id="{0F8222B4-B618-42C4-8BDB-D2E4DF2F22C3}"/>
-              </a:ext>
-            </a:extLst>
-          </p:cNvPr>
-          <p:cNvSpPr>
-            <a:spLocks noGrp="1"/>
-          </p:cNvSpPr>
-          <p:nvPr>
-            <p:ph type="sldNum" sz="quarter" idx="12"/>
-          </p:nvPr>
-        </p:nvSpPr>
-        <p:spPr>
-          <a:xfrm>
-            <a:off x="9579428" y="6356350"/>
-            <a:ext cx="1774371" cy="365125"/>
-          </a:xfrm>
-        </p:spPr>
-        <p:txBody>
-          <a:bodyPr/>
-          <a:lstStyle>
-            <a:lvl1pPr>
-              <a:defRPr sz="900"/>
-            </a:lvl1pPr>
-          </a:lstStyle>
-          <a:p>
-            <a:fld id="{B5CEABB6-07DC-46E8-9B57-56EC44A396E5}" type="slidenum">
-              <a:rPr lang="en-US" smtClean="0"/>
-              <a:t>‹#›</a:t>
-            </a:fld>
-            <a:endParaRPr lang="en-US" dirty="0"/>
-          </a:p>
-        </p:txBody>
-      </p:sp>
-    </p:spTree>
-    <p:extLst>
-      <p:ext uri="{BB962C8B-B14F-4D97-AF65-F5344CB8AC3E}">
-        <p14:creationId xmlns:p14="http://schemas.microsoft.com/office/powerpoint/2010/main" val="429355126"/>
-      </p:ext>
-    </p:extLst>
-  </p:cSld>
-  <p:clrMapOvr>
-    <a:masterClrMapping/>
-  </p:clrMapOvr>
-</p:sldLayout>
-</file>
-
-<file path=ppt/slideLayouts/slideLayout28.xml><?xml version="1.0" encoding="utf-8"?>
+<file path=ppt/slideLayouts/slideLayout2.xml><?xml version="1.0" encoding="utf-8"?>
 <p:sldLayout xmlns:a="http://schemas.openxmlformats.org/drawingml/2006/main" xmlns:r="http://schemas.openxmlformats.org/officeDocument/2006/relationships" xmlns:p="http://schemas.openxmlformats.org/presentationml/2006/main" type="obj" preserve="1">
   <p:cSld name="Agenda">
     <p:bg>
@@ -11859,7 +11544,322 @@
 </p:sldLayout>
 </file>
 
-<file path=ppt/slideLayouts/slideLayout35.xml><?xml version="1.0" encoding="utf-8"?>
+<file path=ppt/slideLayouts/slideLayout20.xml><?xml version="1.0" encoding="utf-8"?>
+<p:sldLayout xmlns:a="http://schemas.openxmlformats.org/drawingml/2006/main" xmlns:r="http://schemas.openxmlformats.org/officeDocument/2006/relationships" xmlns:p="http://schemas.openxmlformats.org/presentationml/2006/main" type="title" preserve="1">
+  <p:cSld name="Closing">
+    <p:bg>
+      <p:bgPr>
+        <a:solidFill>
+          <a:schemeClr val="accent2"/>
+        </a:solidFill>
+        <a:effectLst/>
+      </p:bgPr>
+    </p:bg>
+    <p:spTree>
+      <p:nvGrpSpPr>
+        <p:cNvPr id="1" name=""/>
+        <p:cNvGrpSpPr/>
+        <p:nvPr/>
+      </p:nvGrpSpPr>
+      <p:grpSpPr>
+        <a:xfrm>
+          <a:off x="0" y="0"/>
+          <a:ext cx="0" cy="0"/>
+          <a:chOff x="0" y="0"/>
+          <a:chExt cx="0" cy="0"/>
+        </a:xfrm>
+      </p:grpSpPr>
+      <p:sp>
+        <p:nvSpPr>
+          <p:cNvPr id="2" name="Title 1">
+            <a:extLst>
+              <a:ext uri="{FF2B5EF4-FFF2-40B4-BE49-F238E27FC236}">
+                <a16:creationId xmlns:a16="http://schemas.microsoft.com/office/drawing/2014/main" id="{415B3628-62D7-4A6D-A79F-34DE91DBA31E}"/>
+              </a:ext>
+            </a:extLst>
+          </p:cNvPr>
+          <p:cNvSpPr>
+            <a:spLocks noGrp="1"/>
+          </p:cNvSpPr>
+          <p:nvPr>
+            <p:ph type="ctrTitle" hasCustomPrompt="1"/>
+          </p:nvPr>
+        </p:nvSpPr>
+        <p:spPr>
+          <a:xfrm>
+            <a:off x="4267200" y="1615736"/>
+            <a:ext cx="4179570" cy="1524735"/>
+          </a:xfrm>
+        </p:spPr>
+        <p:txBody>
+          <a:bodyPr anchor="b">
+            <a:noAutofit/>
+          </a:bodyPr>
+          <a:lstStyle>
+            <a:lvl1pPr algn="l">
+              <a:defRPr sz="3200" spc="150" baseline="0">
+                <a:solidFill>
+                  <a:schemeClr val="tx1">
+                    <a:lumMod val="75000"/>
+                    <a:lumOff val="25000"/>
+                  </a:schemeClr>
+                </a:solidFill>
+              </a:defRPr>
+            </a:lvl1pPr>
+          </a:lstStyle>
+          <a:p>
+            <a:r>
+              <a:rPr lang="en-US"/>
+              <a:t>CLICK TO EDIT MASTER TITLE STYLE</a:t>
+            </a:r>
+          </a:p>
+        </p:txBody>
+      </p:sp>
+      <p:sp>
+        <p:nvSpPr>
+          <p:cNvPr id="3" name="Subtitle 2">
+            <a:extLst>
+              <a:ext uri="{FF2B5EF4-FFF2-40B4-BE49-F238E27FC236}">
+                <a16:creationId xmlns:a16="http://schemas.microsoft.com/office/drawing/2014/main" id="{55457758-A125-4CEA-A3D5-CBD010417BD2}"/>
+              </a:ext>
+            </a:extLst>
+          </p:cNvPr>
+          <p:cNvSpPr>
+            <a:spLocks noGrp="1"/>
+          </p:cNvSpPr>
+          <p:nvPr>
+            <p:ph type="subTitle" idx="1"/>
+          </p:nvPr>
+        </p:nvSpPr>
+        <p:spPr>
+          <a:xfrm>
+            <a:off x="4267200" y="3238103"/>
+            <a:ext cx="4179570" cy="2004161"/>
+          </a:xfrm>
+        </p:spPr>
+        <p:txBody>
+          <a:bodyPr>
+            <a:normAutofit/>
+          </a:bodyPr>
+          <a:lstStyle>
+            <a:lvl1pPr marL="0" indent="0" algn="l">
+              <a:lnSpc>
+                <a:spcPct val="150000"/>
+              </a:lnSpc>
+              <a:buNone/>
+              <a:defRPr sz="1400" spc="50" baseline="0">
+                <a:solidFill>
+                  <a:schemeClr val="tx1">
+                    <a:lumMod val="75000"/>
+                    <a:lumOff val="25000"/>
+                  </a:schemeClr>
+                </a:solidFill>
+              </a:defRPr>
+            </a:lvl1pPr>
+            <a:lvl2pPr marL="457200" indent="0" algn="ctr">
+              <a:buNone/>
+              <a:defRPr sz="2000"/>
+            </a:lvl2pPr>
+            <a:lvl3pPr marL="914400" indent="0" algn="ctr">
+              <a:buNone/>
+              <a:defRPr sz="1800"/>
+            </a:lvl3pPr>
+            <a:lvl4pPr marL="1371600" indent="0" algn="ctr">
+              <a:buNone/>
+              <a:defRPr sz="1600"/>
+            </a:lvl4pPr>
+            <a:lvl5pPr marL="1828800" indent="0" algn="ctr">
+              <a:buNone/>
+              <a:defRPr sz="1600"/>
+            </a:lvl5pPr>
+            <a:lvl6pPr marL="2286000" indent="0" algn="ctr">
+              <a:buNone/>
+              <a:defRPr sz="1600"/>
+            </a:lvl6pPr>
+            <a:lvl7pPr marL="2743200" indent="0" algn="ctr">
+              <a:buNone/>
+              <a:defRPr sz="1600"/>
+            </a:lvl7pPr>
+            <a:lvl8pPr marL="3200400" indent="0" algn="ctr">
+              <a:buNone/>
+              <a:defRPr sz="1600"/>
+            </a:lvl8pPr>
+            <a:lvl9pPr marL="3657600" indent="0" algn="ctr">
+              <a:buNone/>
+              <a:defRPr sz="1600"/>
+            </a:lvl9pPr>
+          </a:lstStyle>
+          <a:p>
+            <a:r>
+              <a:rPr lang="en-US"/>
+              <a:t>Click to edit Master subtitle style</a:t>
+            </a:r>
+          </a:p>
+        </p:txBody>
+      </p:sp>
+      <p:pic>
+        <p:nvPicPr>
+          <p:cNvPr id="6" name="Graphic 5">
+            <a:extLst>
+              <a:ext uri="{FF2B5EF4-FFF2-40B4-BE49-F238E27FC236}">
+                <a16:creationId xmlns:a16="http://schemas.microsoft.com/office/drawing/2014/main" id="{ED3361C9-310A-4255-A94E-B77588962DA5}"/>
+              </a:ext>
+            </a:extLst>
+          </p:cNvPr>
+          <p:cNvPicPr>
+            <a:picLocks noChangeAspect="1"/>
+          </p:cNvPicPr>
+          <p:nvPr/>
+        </p:nvPicPr>
+        <p:blipFill>
+          <a:blip r:embed="rId2">
+            <a:extLst>
+              <a:ext uri="{96DAC541-7B7A-43D3-8B79-37D633B846F1}">
+                <asvg:svgBlip xmlns:asvg="http://schemas.microsoft.com/office/drawing/2016/SVG/main" r:embed="rId3"/>
+              </a:ext>
+            </a:extLst>
+          </a:blip>
+          <a:stretch>
+            <a:fillRect/>
+          </a:stretch>
+        </p:blipFill>
+        <p:spPr>
+          <a:xfrm>
+            <a:off x="0" y="0"/>
+            <a:ext cx="3176938" cy="6858000"/>
+          </a:xfrm>
+          <a:prstGeom prst="rect">
+            <a:avLst/>
+          </a:prstGeom>
+        </p:spPr>
+      </p:pic>
+      <p:sp>
+        <p:nvSpPr>
+          <p:cNvPr id="9" name="Date Placeholder 6">
+            <a:extLst>
+              <a:ext uri="{FF2B5EF4-FFF2-40B4-BE49-F238E27FC236}">
+                <a16:creationId xmlns:a16="http://schemas.microsoft.com/office/drawing/2014/main" id="{BF358517-D7B7-40D0-A9D0-B650C80898AC}"/>
+              </a:ext>
+            </a:extLst>
+          </p:cNvPr>
+          <p:cNvSpPr>
+            <a:spLocks noGrp="1"/>
+          </p:cNvSpPr>
+          <p:nvPr>
+            <p:ph type="dt" sz="half" idx="10"/>
+          </p:nvPr>
+        </p:nvSpPr>
+        <p:spPr>
+          <a:xfrm>
+            <a:off x="4267200" y="6356350"/>
+            <a:ext cx="1774371" cy="365125"/>
+          </a:xfrm>
+        </p:spPr>
+        <p:txBody>
+          <a:bodyPr/>
+          <a:lstStyle>
+            <a:lvl1pPr>
+              <a:defRPr sz="900"/>
+            </a:lvl1pPr>
+          </a:lstStyle>
+          <a:p>
+            <a:r>
+              <a:rPr lang="en-US"/>
+              <a:t>20XX</a:t>
+            </a:r>
+            <a:endParaRPr lang="en-US" dirty="0"/>
+          </a:p>
+        </p:txBody>
+      </p:sp>
+      <p:sp>
+        <p:nvSpPr>
+          <p:cNvPr id="10" name="Footer Placeholder 7">
+            <a:extLst>
+              <a:ext uri="{FF2B5EF4-FFF2-40B4-BE49-F238E27FC236}">
+                <a16:creationId xmlns:a16="http://schemas.microsoft.com/office/drawing/2014/main" id="{6026D44C-0B39-4DE1-A0FC-5615DDAAE3CE}"/>
+              </a:ext>
+            </a:extLst>
+          </p:cNvPr>
+          <p:cNvSpPr>
+            <a:spLocks noGrp="1"/>
+          </p:cNvSpPr>
+          <p:nvPr>
+            <p:ph type="ftr" sz="quarter" idx="11"/>
+          </p:nvPr>
+        </p:nvSpPr>
+        <p:spPr>
+          <a:xfrm>
+            <a:off x="6479721" y="6356350"/>
+            <a:ext cx="2661557" cy="365125"/>
+          </a:xfrm>
+        </p:spPr>
+        <p:txBody>
+          <a:bodyPr/>
+          <a:lstStyle>
+            <a:lvl1pPr>
+              <a:defRPr sz="900"/>
+            </a:lvl1pPr>
+          </a:lstStyle>
+          <a:p>
+            <a:r>
+              <a:rPr lang="en-US" dirty="0"/>
+              <a:t>Pitch Deck</a:t>
+            </a:r>
+          </a:p>
+        </p:txBody>
+      </p:sp>
+      <p:sp>
+        <p:nvSpPr>
+          <p:cNvPr id="11" name="Slide Number Placeholder 8">
+            <a:extLst>
+              <a:ext uri="{FF2B5EF4-FFF2-40B4-BE49-F238E27FC236}">
+                <a16:creationId xmlns:a16="http://schemas.microsoft.com/office/drawing/2014/main" id="{0F8222B4-B618-42C4-8BDB-D2E4DF2F22C3}"/>
+              </a:ext>
+            </a:extLst>
+          </p:cNvPr>
+          <p:cNvSpPr>
+            <a:spLocks noGrp="1"/>
+          </p:cNvSpPr>
+          <p:nvPr>
+            <p:ph type="sldNum" sz="quarter" idx="12"/>
+          </p:nvPr>
+        </p:nvSpPr>
+        <p:spPr>
+          <a:xfrm>
+            <a:off x="9579428" y="6356350"/>
+            <a:ext cx="1774371" cy="365125"/>
+          </a:xfrm>
+        </p:spPr>
+        <p:txBody>
+          <a:bodyPr/>
+          <a:lstStyle>
+            <a:lvl1pPr>
+              <a:defRPr sz="900"/>
+            </a:lvl1pPr>
+          </a:lstStyle>
+          <a:p>
+            <a:fld id="{B5CEABB6-07DC-46E8-9B57-56EC44A396E5}" type="slidenum">
+              <a:rPr lang="en-US" smtClean="0"/>
+              <a:t>‹#›</a:t>
+            </a:fld>
+            <a:endParaRPr lang="en-US" dirty="0"/>
+          </a:p>
+        </p:txBody>
+      </p:sp>
+    </p:spTree>
+    <p:extLst>
+      <p:ext uri="{BB962C8B-B14F-4D97-AF65-F5344CB8AC3E}">
+        <p14:creationId xmlns:p14="http://schemas.microsoft.com/office/powerpoint/2010/main" val="429355126"/>
+      </p:ext>
+    </p:extLst>
+  </p:cSld>
+  <p:clrMapOvr>
+    <a:masterClrMapping/>
+  </p:clrMapOvr>
+</p:sldLayout>
+</file>
+
+<file path=ppt/slideLayouts/slideLayout3.xml><?xml version="1.0" encoding="utf-8"?>
 <p:sldLayout xmlns:a="http://schemas.openxmlformats.org/drawingml/2006/main" xmlns:r="http://schemas.openxmlformats.org/officeDocument/2006/relationships" xmlns:p="http://schemas.openxmlformats.org/presentationml/2006/main" preserve="1">
   <p:cSld name="Timeline">
     <p:spTree>
@@ -12721,7 +12721,7 @@
 </p:sldLayout>
 </file>
 
-<file path=ppt/slideLayouts/slideLayout418.xml><?xml version="1.0" encoding="utf-8"?>
+<file path=ppt/slideLayouts/slideLayout4.xml><?xml version="1.0" encoding="utf-8"?>
 <p:sldLayout xmlns:a="http://schemas.openxmlformats.org/drawingml/2006/main" xmlns:r="http://schemas.openxmlformats.org/officeDocument/2006/relationships" xmlns:p="http://schemas.openxmlformats.org/presentationml/2006/main" preserve="1" userDrawn="1">
   <p:cSld name="Content 3 Column">
     <p:bg>
@@ -13493,7 +13493,7 @@
 </p:sldLayout>
 </file>
 
-<file path=ppt/slideLayouts/slideLayout514.xml><?xml version="1.0" encoding="utf-8"?>
+<file path=ppt/slideLayouts/slideLayout5.xml><?xml version="1.0" encoding="utf-8"?>
 <p:sldLayout xmlns:a="http://schemas.openxmlformats.org/drawingml/2006/main" xmlns:r="http://schemas.openxmlformats.org/officeDocument/2006/relationships" xmlns:p="http://schemas.openxmlformats.org/presentationml/2006/main" preserve="1" userDrawn="1">
   <p:cSld name="Content 2 Column">
     <p:bg>
@@ -14144,7 +14144,7 @@
 </p:sldLayout>
 </file>
 
-<file path=ppt/slideLayouts/slideLayout612.xml><?xml version="1.0" encoding="utf-8"?>
+<file path=ppt/slideLayouts/slideLayout6.xml><?xml version="1.0" encoding="utf-8"?>
 <p:sldLayout xmlns:a="http://schemas.openxmlformats.org/drawingml/2006/main" xmlns:r="http://schemas.openxmlformats.org/officeDocument/2006/relationships" xmlns:p="http://schemas.openxmlformats.org/presentationml/2006/main" type="secHead" preserve="1">
   <p:cSld name="Introduction">
     <p:bg>
@@ -14561,7 +14561,7 @@
 </p:sldLayout>
 </file>
 
-<file path=ppt/slideLayouts/slideLayout71.xml><?xml version="1.0" encoding="utf-8"?>
+<file path=ppt/slideLayouts/slideLayout7.xml><?xml version="1.0" encoding="utf-8"?>
 <p:sldLayout xmlns:a="http://schemas.openxmlformats.org/drawingml/2006/main" xmlns:r="http://schemas.openxmlformats.org/officeDocument/2006/relationships" xmlns:p="http://schemas.openxmlformats.org/presentationml/2006/main" preserve="1" userDrawn="1">
   <p:cSld name="Section Break">
     <p:bg>
@@ -14681,7 +14681,7 @@
 </p:sldLayout>
 </file>
 
-<file path=ppt/slideLayouts/slideLayout82.xml><?xml version="1.0" encoding="utf-8"?>
+<file path=ppt/slideLayouts/slideLayout8.xml><?xml version="1.0" encoding="utf-8"?>
 <p:sldLayout xmlns:a="http://schemas.openxmlformats.org/drawingml/2006/main" xmlns:r="http://schemas.openxmlformats.org/officeDocument/2006/relationships" xmlns:p="http://schemas.openxmlformats.org/presentationml/2006/main" preserve="1" userDrawn="1">
   <p:cSld name="Quote">
     <p:spTree>
@@ -15262,7 +15262,7 @@
 </p:sldLayout>
 </file>
 
-<file path=ppt/slideLayouts/slideLayout919.xml><?xml version="1.0" encoding="utf-8"?>
+<file path=ppt/slideLayouts/slideLayout9.xml><?xml version="1.0" encoding="utf-8"?>
 <p:sldLayout xmlns:a="http://schemas.openxmlformats.org/drawingml/2006/main" xmlns:r="http://schemas.openxmlformats.org/officeDocument/2006/relationships" xmlns:p="http://schemas.openxmlformats.org/presentationml/2006/main" preserve="1">
   <p:cSld name="Three Content">
     <p:bg>
@@ -16203,7 +16203,7 @@
 </p:sldLayout>
 </file>
 
-<file path=ppt/slideMasters/slideMaster11.xml><?xml version="1.0" encoding="utf-8"?>
+<file path=ppt/slideMasters/slideMaster1.xml><?xml version="1.0" encoding="utf-8"?>
 <p:sldMaster xmlns:a="http://schemas.openxmlformats.org/drawingml/2006/main" xmlns:r="http://schemas.openxmlformats.org/officeDocument/2006/relationships" xmlns:p="http://schemas.openxmlformats.org/presentationml/2006/main">
   <p:cSld>
     <p:bg>
@@ -16296,35 +16296,35 @@
           <a:p>
             <a:pPr lvl="0"/>
             <a:r>
-              <a:rPr lang="en-US"/>
+              <a:rPr lang="en-US" dirty="0"/>
               <a:t>Click to edit Master text styles</a:t>
             </a:r>
           </a:p>
           <a:p>
             <a:pPr lvl="1"/>
             <a:r>
-              <a:rPr lang="en-US"/>
+              <a:rPr lang="en-US" dirty="0"/>
               <a:t>Second level</a:t>
             </a:r>
           </a:p>
           <a:p>
             <a:pPr lvl="2"/>
             <a:r>
-              <a:rPr lang="en-US"/>
+              <a:rPr lang="en-US" dirty="0"/>
               <a:t>Third level</a:t>
             </a:r>
           </a:p>
           <a:p>
             <a:pPr lvl="3"/>
             <a:r>
-              <a:rPr lang="en-US"/>
+              <a:rPr lang="en-US" dirty="0"/>
               <a:t>Fourth level</a:t>
             </a:r>
           </a:p>
           <a:p>
             <a:pPr lvl="4"/>
             <a:r>
-              <a:rPr lang="en-US"/>
+              <a:rPr lang="en-US" dirty="0"/>
               <a:t>Fifth level</a:t>
             </a:r>
           </a:p>
@@ -16512,7 +16512,7 @@
           <a:spcPct val="0"/>
         </a:spcBef>
         <a:buNone/>
-        <a:defRPr sz="4400" kern="1200" cap="all" baseline="0">
+        <a:defRPr sz="3200" kern="1200" cap="all" baseline="0">
           <a:solidFill>
             <a:schemeClr val="tx1">
               <a:lumMod val="75000"/>
@@ -16535,7 +16535,7 @@
         </a:spcBef>
         <a:buFont typeface="Arial" panose="020B0604020202020204" pitchFamily="34" charset="0"/>
         <a:buChar char="•"/>
-        <a:defRPr sz="2800" kern="1200">
+        <a:defRPr sz="2400" kern="1200">
           <a:solidFill>
             <a:schemeClr val="tx1">
               <a:lumMod val="75000"/>
@@ -16556,7 +16556,7 @@
         </a:spcBef>
         <a:buFont typeface="Arial" panose="020B0604020202020204" pitchFamily="34" charset="0"/>
         <a:buChar char="•"/>
-        <a:defRPr sz="2400" kern="1200">
+        <a:defRPr sz="2000" kern="1200">
           <a:solidFill>
             <a:schemeClr val="tx1">
               <a:lumMod val="75000"/>
@@ -16577,7 +16577,7 @@
         </a:spcBef>
         <a:buFont typeface="Arial" panose="020B0604020202020204" pitchFamily="34" charset="0"/>
         <a:buChar char="•"/>
-        <a:defRPr sz="2000" kern="1200">
+        <a:defRPr sz="1800" kern="1200">
           <a:solidFill>
             <a:schemeClr val="tx1">
               <a:lumMod val="75000"/>
@@ -16598,7 +16598,7 @@
         </a:spcBef>
         <a:buFont typeface="Arial" panose="020B0604020202020204" pitchFamily="34" charset="0"/>
         <a:buChar char="•"/>
-        <a:defRPr sz="1800" kern="1200">
+        <a:defRPr sz="1600" kern="1200">
           <a:solidFill>
             <a:schemeClr val="tx1">
               <a:lumMod val="75000"/>
@@ -16619,7 +16619,7 @@
         </a:spcBef>
         <a:buFont typeface="Arial" panose="020B0604020202020204" pitchFamily="34" charset="0"/>
         <a:buChar char="•"/>
-        <a:defRPr sz="1800" kern="1200">
+        <a:defRPr sz="1600" kern="1200">
           <a:solidFill>
             <a:schemeClr val="tx1">
               <a:lumMod val="75000"/>
@@ -16803,7 +16803,7 @@
 </p:sldMaster>
 </file>
 
-<file path=ppt/slides/slide1012.xml><?xml version="1.0" encoding="utf-8"?>
+<file path=ppt/slides/slide1.xml><?xml version="1.0" encoding="utf-8"?>
 <p:sld xmlns:a="http://schemas.openxmlformats.org/drawingml/2006/main" xmlns:r="http://schemas.openxmlformats.org/officeDocument/2006/relationships" xmlns:p="http://schemas.openxmlformats.org/presentationml/2006/main">
   <p:cSld>
     <p:spTree>
@@ -16825,21 +16825,21 @@
           <p:cNvPr id="2" name="Title 1">
             <a:extLst>
               <a:ext uri="{FF2B5EF4-FFF2-40B4-BE49-F238E27FC236}">
-                <a16:creationId xmlns:a16="http://schemas.microsoft.com/office/drawing/2014/main" id="{5864BC4F-3D59-464A-857E-6F155B368ED7}"/>
-              </a:ext>
-            </a:extLst>
-          </p:cNvPr>
-          <p:cNvSpPr>
-            <a:spLocks noGrp="1"/>
-          </p:cNvSpPr>
-          <p:nvPr>
-            <p:ph type="title"/>
-          </p:nvPr>
-        </p:nvSpPr>
-        <p:spPr>
-          <a:xfrm>
-            <a:off x="1885156" y="892177"/>
-            <a:ext cx="8421688" cy="1325563"/>
+                <a16:creationId xmlns:a16="http://schemas.microsoft.com/office/drawing/2014/main" id="{216815C6-3AD0-46E6-A74A-1967BD91AF50}"/>
+              </a:ext>
+            </a:extLst>
+          </p:cNvPr>
+          <p:cNvSpPr>
+            <a:spLocks noGrp="1"/>
+          </p:cNvSpPr>
+          <p:nvPr>
+            <p:ph type="ctrTitle"/>
+          </p:nvPr>
+        </p:nvSpPr>
+        <p:spPr>
+          <a:xfrm>
+            <a:off x="6416040" y="4434840"/>
+            <a:ext cx="4941771" cy="1122202"/>
           </a:xfrm>
         </p:spPr>
         <p:txBody>
@@ -16848,31 +16848,31 @@
           <a:p>
             <a:r>
               <a:rPr lang="en-US" dirty="0"/>
-              <a:t>Market comparison</a:t>
-            </a:r>
-          </a:p>
-        </p:txBody>
-      </p:sp>
-      <p:sp>
-        <p:nvSpPr>
-          <p:cNvPr id="9" name="Text Placeholder 8">
-            <a:extLst>
-              <a:ext uri="{FF2B5EF4-FFF2-40B4-BE49-F238E27FC236}">
-                <a16:creationId xmlns:a16="http://schemas.microsoft.com/office/drawing/2014/main" id="{8C1455DF-5CEC-44A2-A92D-8E901D15B7CC}"/>
-              </a:ext>
-            </a:extLst>
-          </p:cNvPr>
-          <p:cNvSpPr>
-            <a:spLocks noGrp="1"/>
-          </p:cNvSpPr>
-          <p:nvPr>
-            <p:ph type="body" idx="1"/>
-          </p:nvPr>
-        </p:nvSpPr>
-        <p:spPr>
-          <a:xfrm>
-            <a:off x="2063855" y="3064615"/>
-            <a:ext cx="1240971" cy="823912"/>
+              <a:t>Pitch deck</a:t>
+            </a:r>
+          </a:p>
+        </p:txBody>
+      </p:sp>
+      <p:sp>
+        <p:nvSpPr>
+          <p:cNvPr id="3" name="Subtitle 2">
+            <a:extLst>
+              <a:ext uri="{FF2B5EF4-FFF2-40B4-BE49-F238E27FC236}">
+                <a16:creationId xmlns:a16="http://schemas.microsoft.com/office/drawing/2014/main" id="{1901B20D-4C28-4DA3-ABBD-718C22A5E58B}"/>
+              </a:ext>
+            </a:extLst>
+          </p:cNvPr>
+          <p:cNvSpPr>
+            <a:spLocks noGrp="1"/>
+          </p:cNvSpPr>
+          <p:nvPr>
+            <p:ph type="subTitle" idx="1"/>
+          </p:nvPr>
+        </p:nvSpPr>
+        <p:spPr>
+          <a:xfrm>
+            <a:off x="6416041" y="5586890"/>
+            <a:ext cx="4941770" cy="396660"/>
           </a:xfrm>
         </p:spPr>
         <p:txBody>
@@ -16881,347 +16881,15 @@
           <a:p>
             <a:r>
               <a:rPr lang="en-US" dirty="0"/>
-              <a:t>$3B</a:t>
-            </a:r>
-          </a:p>
-        </p:txBody>
-      </p:sp>
-      <p:sp>
-        <p:nvSpPr>
-          <p:cNvPr id="10" name="Text Placeholder 9">
-            <a:extLst>
-              <a:ext uri="{FF2B5EF4-FFF2-40B4-BE49-F238E27FC236}">
-                <a16:creationId xmlns:a16="http://schemas.microsoft.com/office/drawing/2014/main" id="{7C7E7B18-D05F-4C44-8718-8C671160FC98}"/>
-              </a:ext>
-            </a:extLst>
-          </p:cNvPr>
-          <p:cNvSpPr>
-            <a:spLocks noGrp="1"/>
-          </p:cNvSpPr>
-          <p:nvPr>
-            <p:ph type="body" idx="15"/>
-          </p:nvPr>
-        </p:nvSpPr>
-        <p:spPr>
-          <a:xfrm>
-            <a:off x="5475514" y="3064615"/>
-            <a:ext cx="1240971" cy="823912"/>
-          </a:xfrm>
-        </p:spPr>
-        <p:txBody>
-          <a:bodyPr/>
-          <a:lstStyle/>
-          <a:p>
-            <a:r>
-              <a:rPr lang="en-US" dirty="0"/>
-              <a:t>$2B</a:t>
-            </a:r>
-          </a:p>
-        </p:txBody>
-      </p:sp>
-      <p:sp>
-        <p:nvSpPr>
-          <p:cNvPr id="11" name="Text Placeholder 10">
-            <a:extLst>
-              <a:ext uri="{FF2B5EF4-FFF2-40B4-BE49-F238E27FC236}">
-                <a16:creationId xmlns:a16="http://schemas.microsoft.com/office/drawing/2014/main" id="{C4EAD5C6-02F0-4D27-8D85-1BD5EA833D6F}"/>
-              </a:ext>
-            </a:extLst>
-          </p:cNvPr>
-          <p:cNvSpPr>
-            <a:spLocks noGrp="1"/>
-          </p:cNvSpPr>
-          <p:nvPr>
-            <p:ph type="body" idx="16"/>
-          </p:nvPr>
-        </p:nvSpPr>
-        <p:spPr>
-          <a:xfrm>
-            <a:off x="8887174" y="3064615"/>
-            <a:ext cx="1240971" cy="823912"/>
-          </a:xfrm>
-        </p:spPr>
-        <p:txBody>
-          <a:bodyPr/>
-          <a:lstStyle/>
-          <a:p>
-            <a:r>
-              <a:rPr lang="en-US" dirty="0"/>
-              <a:t>$1B</a:t>
-            </a:r>
-          </a:p>
-        </p:txBody>
-      </p:sp>
-      <p:sp>
-        <p:nvSpPr>
-          <p:cNvPr id="19" name="Content Placeholder 18">
-            <a:extLst>
-              <a:ext uri="{FF2B5EF4-FFF2-40B4-BE49-F238E27FC236}">
-                <a16:creationId xmlns:a16="http://schemas.microsoft.com/office/drawing/2014/main" id="{791D6145-F7F7-43DE-A16B-BF4F9607D4E8}"/>
-              </a:ext>
-            </a:extLst>
-          </p:cNvPr>
-          <p:cNvSpPr>
-            <a:spLocks noGrp="1"/>
-          </p:cNvSpPr>
-          <p:nvPr>
-            <p:ph sz="half" idx="2"/>
-          </p:nvPr>
-        </p:nvSpPr>
-        <p:spPr>
-          <a:xfrm>
-            <a:off x="1129698" y="4824188"/>
-            <a:ext cx="3124093" cy="462927"/>
-          </a:xfrm>
-        </p:spPr>
-        <p:txBody>
-          <a:bodyPr/>
-          <a:lstStyle/>
-          <a:p>
-            <a:r>
-              <a:rPr lang="en-US" dirty="0"/>
-              <a:t>Opportunity to build</a:t>
-            </a:r>
-          </a:p>
-        </p:txBody>
-      </p:sp>
-      <p:sp>
-        <p:nvSpPr>
-          <p:cNvPr id="20" name="Content Placeholder 19">
-            <a:extLst>
-              <a:ext uri="{FF2B5EF4-FFF2-40B4-BE49-F238E27FC236}">
-                <a16:creationId xmlns:a16="http://schemas.microsoft.com/office/drawing/2014/main" id="{BC46925A-8382-42EB-891C-DBB4EAAA33F8}"/>
-              </a:ext>
-            </a:extLst>
-          </p:cNvPr>
-          <p:cNvSpPr>
-            <a:spLocks noGrp="1"/>
-          </p:cNvSpPr>
-          <p:nvPr>
-            <p:ph sz="quarter" idx="4"/>
-          </p:nvPr>
-        </p:nvSpPr>
-        <p:spPr>
-          <a:xfrm>
-            <a:off x="4526261" y="4824188"/>
-            <a:ext cx="3139479" cy="462927"/>
-          </a:xfrm>
-        </p:spPr>
-        <p:txBody>
-          <a:bodyPr/>
-          <a:lstStyle/>
-          <a:p>
-            <a:r>
-              <a:rPr lang="en-US" dirty="0"/>
-              <a:t>Freedom to invent</a:t>
-            </a:r>
-          </a:p>
-        </p:txBody>
-      </p:sp>
-      <p:sp>
-        <p:nvSpPr>
-          <p:cNvPr id="21" name="Content Placeholder 20">
-            <a:extLst>
-              <a:ext uri="{FF2B5EF4-FFF2-40B4-BE49-F238E27FC236}">
-                <a16:creationId xmlns:a16="http://schemas.microsoft.com/office/drawing/2014/main" id="{318AFADE-B54F-4988-8000-B9336A395336}"/>
-              </a:ext>
-            </a:extLst>
-          </p:cNvPr>
-          <p:cNvSpPr>
-            <a:spLocks noGrp="1"/>
-          </p:cNvSpPr>
-          <p:nvPr>
-            <p:ph sz="half" idx="14"/>
-          </p:nvPr>
-        </p:nvSpPr>
-        <p:spPr>
-          <a:xfrm>
-            <a:off x="7938210" y="4824188"/>
-            <a:ext cx="3124093" cy="462927"/>
-          </a:xfrm>
-        </p:spPr>
-        <p:txBody>
-          <a:bodyPr/>
-          <a:lstStyle/>
-          <a:p>
-            <a:r>
-              <a:rPr lang="en-US" dirty="0"/>
-              <a:t>Few competitors</a:t>
-            </a:r>
-          </a:p>
-        </p:txBody>
-      </p:sp>
-      <p:sp>
-        <p:nvSpPr>
-          <p:cNvPr id="22" name="Content Placeholder 21">
-            <a:extLst>
-              <a:ext uri="{FF2B5EF4-FFF2-40B4-BE49-F238E27FC236}">
-                <a16:creationId xmlns:a16="http://schemas.microsoft.com/office/drawing/2014/main" id="{F296843C-0ED0-4314-A6F0-DD60C828DDFB}"/>
-              </a:ext>
-            </a:extLst>
-          </p:cNvPr>
-          <p:cNvSpPr>
-            <a:spLocks noGrp="1"/>
-          </p:cNvSpPr>
-          <p:nvPr>
-            <p:ph sz="half" idx="17"/>
-          </p:nvPr>
-        </p:nvSpPr>
-        <p:spPr>
-          <a:xfrm>
-            <a:off x="1129698" y="5280763"/>
-            <a:ext cx="3124093" cy="462927"/>
-          </a:xfrm>
-        </p:spPr>
-        <p:txBody>
-          <a:bodyPr/>
-          <a:lstStyle/>
-          <a:p>
-            <a:r>
-              <a:rPr lang="en-US" dirty="0"/>
-              <a:t>Addressable market</a:t>
-            </a:r>
-          </a:p>
-        </p:txBody>
-      </p:sp>
-      <p:sp>
-        <p:nvSpPr>
-          <p:cNvPr id="23" name="Content Placeholder 22">
-            <a:extLst>
-              <a:ext uri="{FF2B5EF4-FFF2-40B4-BE49-F238E27FC236}">
-                <a16:creationId xmlns:a16="http://schemas.microsoft.com/office/drawing/2014/main" id="{649BF20C-562E-400E-BEA6-1D5F81F2FE44}"/>
-              </a:ext>
-            </a:extLst>
-          </p:cNvPr>
-          <p:cNvSpPr>
-            <a:spLocks noGrp="1"/>
-          </p:cNvSpPr>
-          <p:nvPr>
-            <p:ph sz="quarter" idx="18"/>
-          </p:nvPr>
-        </p:nvSpPr>
-        <p:spPr>
-          <a:xfrm>
-            <a:off x="4526261" y="5280763"/>
-            <a:ext cx="3139479" cy="462927"/>
-          </a:xfrm>
-        </p:spPr>
-        <p:txBody>
-          <a:bodyPr/>
-          <a:lstStyle/>
-          <a:p>
-            <a:r>
-              <a:rPr lang="en-US" dirty="0"/>
-              <a:t>Serviceable market</a:t>
-            </a:r>
-          </a:p>
-        </p:txBody>
-      </p:sp>
-      <p:sp>
-        <p:nvSpPr>
-          <p:cNvPr id="24" name="Content Placeholder 23">
-            <a:extLst>
-              <a:ext uri="{FF2B5EF4-FFF2-40B4-BE49-F238E27FC236}">
-                <a16:creationId xmlns:a16="http://schemas.microsoft.com/office/drawing/2014/main" id="{5AA25980-D334-4FC0-9091-936E53B8D321}"/>
-              </a:ext>
-            </a:extLst>
-          </p:cNvPr>
-          <p:cNvSpPr>
-            <a:spLocks noGrp="1"/>
-          </p:cNvSpPr>
-          <p:nvPr>
-            <p:ph sz="half" idx="19"/>
-          </p:nvPr>
-        </p:nvSpPr>
-        <p:spPr>
-          <a:xfrm>
-            <a:off x="7938210" y="5280763"/>
-            <a:ext cx="3124093" cy="462927"/>
-          </a:xfrm>
-        </p:spPr>
-        <p:txBody>
-          <a:bodyPr/>
-          <a:lstStyle/>
-          <a:p>
-            <a:r>
-              <a:rPr lang="en-US" dirty="0"/>
-              <a:t>Obtainable market</a:t>
-            </a:r>
-          </a:p>
-        </p:txBody>
-      </p:sp>
-      <p:sp>
-        <p:nvSpPr>
-          <p:cNvPr id="6" name="Footer Placeholder 5">
-            <a:extLst>
-              <a:ext uri="{FF2B5EF4-FFF2-40B4-BE49-F238E27FC236}">
-                <a16:creationId xmlns:a16="http://schemas.microsoft.com/office/drawing/2014/main" id="{4D346909-C2E0-4F1D-90FC-F5E1D8DFB515}"/>
-              </a:ext>
-            </a:extLst>
-          </p:cNvPr>
-          <p:cNvSpPr>
-            <a:spLocks noGrp="1"/>
-          </p:cNvSpPr>
-          <p:nvPr>
-            <p:ph type="ftr" sz="quarter" idx="11"/>
-          </p:nvPr>
-        </p:nvSpPr>
-        <p:spPr>
-          <a:xfrm>
-            <a:off x="4038600" y="6356350"/>
-            <a:ext cx="4114800" cy="365125"/>
-          </a:xfrm>
-        </p:spPr>
-        <p:txBody>
-          <a:bodyPr/>
-          <a:lstStyle/>
-          <a:p>
-            <a:r>
-              <a:rPr lang="en-US" dirty="0"/>
-              <a:t>Pitch Deck</a:t>
-            </a:r>
-          </a:p>
-        </p:txBody>
-      </p:sp>
-      <p:sp>
-        <p:nvSpPr>
-          <p:cNvPr id="7" name="Slide Number Placeholder 6">
-            <a:extLst>
-              <a:ext uri="{FF2B5EF4-FFF2-40B4-BE49-F238E27FC236}">
-                <a16:creationId xmlns:a16="http://schemas.microsoft.com/office/drawing/2014/main" id="{EBC02F21-4E3C-469E-B11C-9214231082D3}"/>
-              </a:ext>
-            </a:extLst>
-          </p:cNvPr>
-          <p:cNvSpPr>
-            <a:spLocks noGrp="1"/>
-          </p:cNvSpPr>
-          <p:nvPr>
-            <p:ph type="sldNum" sz="quarter" idx="12"/>
-          </p:nvPr>
-        </p:nvSpPr>
-        <p:spPr>
-          <a:xfrm>
-            <a:off x="8610600" y="6356350"/>
-            <a:ext cx="2743200" cy="365125"/>
-          </a:xfrm>
-        </p:spPr>
-        <p:txBody>
-          <a:bodyPr/>
-          <a:lstStyle/>
-          <a:p>
-            <a:fld id="{B5CEABB6-07DC-46E8-9B57-56EC44A396E5}" type="slidenum">
-              <a:rPr lang="en-US" smtClean="0"/>
-              <a:pPr/>
-              <a:t>10</a:t>
-            </a:fld>
-            <a:endParaRPr lang="en-US" dirty="0"/>
+              <a:t>Mirjam Nilsson</a:t>
+            </a:r>
           </a:p>
         </p:txBody>
       </p:sp>
     </p:spTree>
     <p:extLst>
       <p:ext uri="{BB962C8B-B14F-4D97-AF65-F5344CB8AC3E}">
-        <p14:creationId xmlns:p14="http://schemas.microsoft.com/office/powerpoint/2010/main" val="404854312"/>
+        <p14:creationId xmlns:p14="http://schemas.microsoft.com/office/powerpoint/2010/main" val="1642425379"/>
       </p:ext>
     </p:extLst>
   </p:cSld>
@@ -17231,7 +16899,7 @@
 </p:sld>
 </file>
 
-<file path=ppt/slides/slide116.xml><?xml version="1.0" encoding="utf-8"?>
+<file path=ppt/slides/slide10.xml><?xml version="1.0" encoding="utf-8"?>
 <p:sld xmlns:a="http://schemas.openxmlformats.org/drawingml/2006/main" xmlns:r="http://schemas.openxmlformats.org/officeDocument/2006/relationships" xmlns:p="http://schemas.openxmlformats.org/presentationml/2006/main">
   <p:cSld>
     <p:spTree>
@@ -17250,6 +16918,434 @@
       </p:grpSpPr>
       <p:sp>
         <p:nvSpPr>
+          <p:cNvPr id="2" name="Title 1">
+            <a:extLst>
+              <a:ext uri="{FF2B5EF4-FFF2-40B4-BE49-F238E27FC236}">
+                <a16:creationId xmlns:a16="http://schemas.microsoft.com/office/drawing/2014/main" id="{5864BC4F-3D59-464A-857E-6F155B368ED7}"/>
+              </a:ext>
+            </a:extLst>
+          </p:cNvPr>
+          <p:cNvSpPr>
+            <a:spLocks noGrp="1"/>
+          </p:cNvSpPr>
+          <p:nvPr>
+            <p:ph type="title"/>
+          </p:nvPr>
+        </p:nvSpPr>
+        <p:spPr>
+          <a:xfrm>
+            <a:off x="1885156" y="892177"/>
+            <a:ext cx="8421688" cy="1325563"/>
+          </a:xfrm>
+        </p:spPr>
+        <p:txBody>
+          <a:bodyPr/>
+          <a:lstStyle/>
+          <a:p>
+            <a:r>
+              <a:rPr lang="en-US" dirty="0"/>
+              <a:t>Market comparison</a:t>
+            </a:r>
+          </a:p>
+        </p:txBody>
+      </p:sp>
+      <p:sp>
+        <p:nvSpPr>
+          <p:cNvPr id="9" name="Text Placeholder 8">
+            <a:extLst>
+              <a:ext uri="{FF2B5EF4-FFF2-40B4-BE49-F238E27FC236}">
+                <a16:creationId xmlns:a16="http://schemas.microsoft.com/office/drawing/2014/main" id="{8C1455DF-5CEC-44A2-A92D-8E901D15B7CC}"/>
+              </a:ext>
+            </a:extLst>
+          </p:cNvPr>
+          <p:cNvSpPr>
+            <a:spLocks noGrp="1"/>
+          </p:cNvSpPr>
+          <p:nvPr>
+            <p:ph type="body" idx="1"/>
+          </p:nvPr>
+        </p:nvSpPr>
+        <p:spPr>
+          <a:xfrm>
+            <a:off x="2063855" y="3064615"/>
+            <a:ext cx="1240971" cy="823912"/>
+          </a:xfrm>
+        </p:spPr>
+        <p:txBody>
+          <a:bodyPr/>
+          <a:lstStyle/>
+          <a:p>
+            <a:r>
+              <a:rPr lang="en-US" dirty="0"/>
+              <a:t>$3B</a:t>
+            </a:r>
+          </a:p>
+        </p:txBody>
+      </p:sp>
+      <p:sp>
+        <p:nvSpPr>
+          <p:cNvPr id="10" name="Text Placeholder 9">
+            <a:extLst>
+              <a:ext uri="{FF2B5EF4-FFF2-40B4-BE49-F238E27FC236}">
+                <a16:creationId xmlns:a16="http://schemas.microsoft.com/office/drawing/2014/main" id="{7C7E7B18-D05F-4C44-8718-8C671160FC98}"/>
+              </a:ext>
+            </a:extLst>
+          </p:cNvPr>
+          <p:cNvSpPr>
+            <a:spLocks noGrp="1"/>
+          </p:cNvSpPr>
+          <p:nvPr>
+            <p:ph type="body" idx="15"/>
+          </p:nvPr>
+        </p:nvSpPr>
+        <p:spPr>
+          <a:xfrm>
+            <a:off x="5475514" y="3064615"/>
+            <a:ext cx="1240971" cy="823912"/>
+          </a:xfrm>
+        </p:spPr>
+        <p:txBody>
+          <a:bodyPr/>
+          <a:lstStyle/>
+          <a:p>
+            <a:r>
+              <a:rPr lang="en-US" dirty="0"/>
+              <a:t>$2B</a:t>
+            </a:r>
+          </a:p>
+        </p:txBody>
+      </p:sp>
+      <p:sp>
+        <p:nvSpPr>
+          <p:cNvPr id="11" name="Text Placeholder 10">
+            <a:extLst>
+              <a:ext uri="{FF2B5EF4-FFF2-40B4-BE49-F238E27FC236}">
+                <a16:creationId xmlns:a16="http://schemas.microsoft.com/office/drawing/2014/main" id="{C4EAD5C6-02F0-4D27-8D85-1BD5EA833D6F}"/>
+              </a:ext>
+            </a:extLst>
+          </p:cNvPr>
+          <p:cNvSpPr>
+            <a:spLocks noGrp="1"/>
+          </p:cNvSpPr>
+          <p:nvPr>
+            <p:ph type="body" idx="16"/>
+          </p:nvPr>
+        </p:nvSpPr>
+        <p:spPr>
+          <a:xfrm>
+            <a:off x="8887174" y="3064615"/>
+            <a:ext cx="1240971" cy="823912"/>
+          </a:xfrm>
+        </p:spPr>
+        <p:txBody>
+          <a:bodyPr/>
+          <a:lstStyle/>
+          <a:p>
+            <a:r>
+              <a:rPr lang="en-US" dirty="0"/>
+              <a:t>$1B</a:t>
+            </a:r>
+          </a:p>
+        </p:txBody>
+      </p:sp>
+      <p:sp>
+        <p:nvSpPr>
+          <p:cNvPr id="19" name="Content Placeholder 18">
+            <a:extLst>
+              <a:ext uri="{FF2B5EF4-FFF2-40B4-BE49-F238E27FC236}">
+                <a16:creationId xmlns:a16="http://schemas.microsoft.com/office/drawing/2014/main" id="{791D6145-F7F7-43DE-A16B-BF4F9607D4E8}"/>
+              </a:ext>
+            </a:extLst>
+          </p:cNvPr>
+          <p:cNvSpPr>
+            <a:spLocks noGrp="1"/>
+          </p:cNvSpPr>
+          <p:nvPr>
+            <p:ph sz="half" idx="2"/>
+          </p:nvPr>
+        </p:nvSpPr>
+        <p:spPr>
+          <a:xfrm>
+            <a:off x="1129698" y="4824188"/>
+            <a:ext cx="3124093" cy="462927"/>
+          </a:xfrm>
+        </p:spPr>
+        <p:txBody>
+          <a:bodyPr/>
+          <a:lstStyle/>
+          <a:p>
+            <a:r>
+              <a:rPr lang="en-US" dirty="0"/>
+              <a:t>Opportunity to build</a:t>
+            </a:r>
+          </a:p>
+        </p:txBody>
+      </p:sp>
+      <p:sp>
+        <p:nvSpPr>
+          <p:cNvPr id="20" name="Content Placeholder 19">
+            <a:extLst>
+              <a:ext uri="{FF2B5EF4-FFF2-40B4-BE49-F238E27FC236}">
+                <a16:creationId xmlns:a16="http://schemas.microsoft.com/office/drawing/2014/main" id="{BC46925A-8382-42EB-891C-DBB4EAAA33F8}"/>
+              </a:ext>
+            </a:extLst>
+          </p:cNvPr>
+          <p:cNvSpPr>
+            <a:spLocks noGrp="1"/>
+          </p:cNvSpPr>
+          <p:nvPr>
+            <p:ph sz="quarter" idx="4"/>
+          </p:nvPr>
+        </p:nvSpPr>
+        <p:spPr>
+          <a:xfrm>
+            <a:off x="4526261" y="4824188"/>
+            <a:ext cx="3139479" cy="462927"/>
+          </a:xfrm>
+        </p:spPr>
+        <p:txBody>
+          <a:bodyPr/>
+          <a:lstStyle/>
+          <a:p>
+            <a:r>
+              <a:rPr lang="en-US" dirty="0"/>
+              <a:t>Freedom to invent</a:t>
+            </a:r>
+          </a:p>
+        </p:txBody>
+      </p:sp>
+      <p:sp>
+        <p:nvSpPr>
+          <p:cNvPr id="21" name="Content Placeholder 20">
+            <a:extLst>
+              <a:ext uri="{FF2B5EF4-FFF2-40B4-BE49-F238E27FC236}">
+                <a16:creationId xmlns:a16="http://schemas.microsoft.com/office/drawing/2014/main" id="{318AFADE-B54F-4988-8000-B9336A395336}"/>
+              </a:ext>
+            </a:extLst>
+          </p:cNvPr>
+          <p:cNvSpPr>
+            <a:spLocks noGrp="1"/>
+          </p:cNvSpPr>
+          <p:nvPr>
+            <p:ph sz="half" idx="14"/>
+          </p:nvPr>
+        </p:nvSpPr>
+        <p:spPr>
+          <a:xfrm>
+            <a:off x="7938210" y="4824188"/>
+            <a:ext cx="3124093" cy="462927"/>
+          </a:xfrm>
+        </p:spPr>
+        <p:txBody>
+          <a:bodyPr/>
+          <a:lstStyle/>
+          <a:p>
+            <a:r>
+              <a:rPr lang="en-US" dirty="0"/>
+              <a:t>Few competitors</a:t>
+            </a:r>
+          </a:p>
+        </p:txBody>
+      </p:sp>
+      <p:sp>
+        <p:nvSpPr>
+          <p:cNvPr id="22" name="Content Placeholder 21">
+            <a:extLst>
+              <a:ext uri="{FF2B5EF4-FFF2-40B4-BE49-F238E27FC236}">
+                <a16:creationId xmlns:a16="http://schemas.microsoft.com/office/drawing/2014/main" id="{F296843C-0ED0-4314-A6F0-DD60C828DDFB}"/>
+              </a:ext>
+            </a:extLst>
+          </p:cNvPr>
+          <p:cNvSpPr>
+            <a:spLocks noGrp="1"/>
+          </p:cNvSpPr>
+          <p:nvPr>
+            <p:ph sz="half" idx="17"/>
+          </p:nvPr>
+        </p:nvSpPr>
+        <p:spPr>
+          <a:xfrm>
+            <a:off x="1129698" y="5280763"/>
+            <a:ext cx="3124093" cy="462927"/>
+          </a:xfrm>
+        </p:spPr>
+        <p:txBody>
+          <a:bodyPr/>
+          <a:lstStyle/>
+          <a:p>
+            <a:r>
+              <a:rPr lang="en-US" dirty="0"/>
+              <a:t>Addressable market</a:t>
+            </a:r>
+          </a:p>
+        </p:txBody>
+      </p:sp>
+      <p:sp>
+        <p:nvSpPr>
+          <p:cNvPr id="23" name="Content Placeholder 22">
+            <a:extLst>
+              <a:ext uri="{FF2B5EF4-FFF2-40B4-BE49-F238E27FC236}">
+                <a16:creationId xmlns:a16="http://schemas.microsoft.com/office/drawing/2014/main" id="{649BF20C-562E-400E-BEA6-1D5F81F2FE44}"/>
+              </a:ext>
+            </a:extLst>
+          </p:cNvPr>
+          <p:cNvSpPr>
+            <a:spLocks noGrp="1"/>
+          </p:cNvSpPr>
+          <p:nvPr>
+            <p:ph sz="quarter" idx="18"/>
+          </p:nvPr>
+        </p:nvSpPr>
+        <p:spPr>
+          <a:xfrm>
+            <a:off x="4526261" y="5280763"/>
+            <a:ext cx="3139479" cy="462927"/>
+          </a:xfrm>
+        </p:spPr>
+        <p:txBody>
+          <a:bodyPr/>
+          <a:lstStyle/>
+          <a:p>
+            <a:r>
+              <a:rPr lang="en-US" dirty="0"/>
+              <a:t>Serviceable market</a:t>
+            </a:r>
+          </a:p>
+        </p:txBody>
+      </p:sp>
+      <p:sp>
+        <p:nvSpPr>
+          <p:cNvPr id="24" name="Content Placeholder 23">
+            <a:extLst>
+              <a:ext uri="{FF2B5EF4-FFF2-40B4-BE49-F238E27FC236}">
+                <a16:creationId xmlns:a16="http://schemas.microsoft.com/office/drawing/2014/main" id="{5AA25980-D334-4FC0-9091-936E53B8D321}"/>
+              </a:ext>
+            </a:extLst>
+          </p:cNvPr>
+          <p:cNvSpPr>
+            <a:spLocks noGrp="1"/>
+          </p:cNvSpPr>
+          <p:nvPr>
+            <p:ph sz="half" idx="19"/>
+          </p:nvPr>
+        </p:nvSpPr>
+        <p:spPr>
+          <a:xfrm>
+            <a:off x="7938210" y="5280763"/>
+            <a:ext cx="3124093" cy="462927"/>
+          </a:xfrm>
+        </p:spPr>
+        <p:txBody>
+          <a:bodyPr/>
+          <a:lstStyle/>
+          <a:p>
+            <a:r>
+              <a:rPr lang="en-US" dirty="0"/>
+              <a:t>Obtainable market</a:t>
+            </a:r>
+          </a:p>
+        </p:txBody>
+      </p:sp>
+      <p:sp>
+        <p:nvSpPr>
+          <p:cNvPr id="6" name="Footer Placeholder 5">
+            <a:extLst>
+              <a:ext uri="{FF2B5EF4-FFF2-40B4-BE49-F238E27FC236}">
+                <a16:creationId xmlns:a16="http://schemas.microsoft.com/office/drawing/2014/main" id="{4D346909-C2E0-4F1D-90FC-F5E1D8DFB515}"/>
+              </a:ext>
+            </a:extLst>
+          </p:cNvPr>
+          <p:cNvSpPr>
+            <a:spLocks noGrp="1"/>
+          </p:cNvSpPr>
+          <p:nvPr>
+            <p:ph type="ftr" sz="quarter" idx="11"/>
+          </p:nvPr>
+        </p:nvSpPr>
+        <p:spPr>
+          <a:xfrm>
+            <a:off x="4038600" y="6356350"/>
+            <a:ext cx="4114800" cy="365125"/>
+          </a:xfrm>
+        </p:spPr>
+        <p:txBody>
+          <a:bodyPr/>
+          <a:lstStyle/>
+          <a:p>
+            <a:r>
+              <a:rPr lang="en-US" dirty="0"/>
+              <a:t>Pitch Deck</a:t>
+            </a:r>
+          </a:p>
+        </p:txBody>
+      </p:sp>
+      <p:sp>
+        <p:nvSpPr>
+          <p:cNvPr id="7" name="Slide Number Placeholder 6">
+            <a:extLst>
+              <a:ext uri="{FF2B5EF4-FFF2-40B4-BE49-F238E27FC236}">
+                <a16:creationId xmlns:a16="http://schemas.microsoft.com/office/drawing/2014/main" id="{EBC02F21-4E3C-469E-B11C-9214231082D3}"/>
+              </a:ext>
+            </a:extLst>
+          </p:cNvPr>
+          <p:cNvSpPr>
+            <a:spLocks noGrp="1"/>
+          </p:cNvSpPr>
+          <p:nvPr>
+            <p:ph type="sldNum" sz="quarter" idx="12"/>
+          </p:nvPr>
+        </p:nvSpPr>
+        <p:spPr>
+          <a:xfrm>
+            <a:off x="8610600" y="6356350"/>
+            <a:ext cx="2743200" cy="365125"/>
+          </a:xfrm>
+        </p:spPr>
+        <p:txBody>
+          <a:bodyPr/>
+          <a:lstStyle/>
+          <a:p>
+            <a:fld id="{B5CEABB6-07DC-46E8-9B57-56EC44A396E5}" type="slidenum">
+              <a:rPr lang="en-US" smtClean="0"/>
+              <a:pPr/>
+              <a:t>10</a:t>
+            </a:fld>
+            <a:endParaRPr lang="en-US" dirty="0"/>
+          </a:p>
+        </p:txBody>
+      </p:sp>
+    </p:spTree>
+    <p:extLst>
+      <p:ext uri="{BB962C8B-B14F-4D97-AF65-F5344CB8AC3E}">
+        <p14:creationId xmlns:p14="http://schemas.microsoft.com/office/powerpoint/2010/main" val="404854312"/>
+      </p:ext>
+    </p:extLst>
+  </p:cSld>
+  <p:clrMapOvr>
+    <a:masterClrMapping/>
+  </p:clrMapOvr>
+</p:sld>
+</file>
+
+<file path=ppt/slides/slide11.xml><?xml version="1.0" encoding="utf-8"?>
+<p:sld xmlns:a="http://schemas.openxmlformats.org/drawingml/2006/main" xmlns:r="http://schemas.openxmlformats.org/officeDocument/2006/relationships" xmlns:p="http://schemas.openxmlformats.org/presentationml/2006/main">
+  <p:cSld>
+    <p:spTree>
+      <p:nvGrpSpPr>
+        <p:cNvPr id="1" name=""/>
+        <p:cNvGrpSpPr/>
+        <p:nvPr/>
+      </p:nvGrpSpPr>
+      <p:grpSpPr>
+        <a:xfrm>
+          <a:off x="0" y="0"/>
+          <a:ext cx="0" cy="0"/>
+          <a:chOff x="0" y="0"/>
+          <a:chExt cx="0" cy="0"/>
+        </a:xfrm>
+      </p:grpSpPr>
+      <p:sp>
+        <p:nvSpPr>
           <p:cNvPr id="4" name="Title 3">
             <a:extLst>
               <a:ext uri="{FF2B5EF4-FFF2-40B4-BE49-F238E27FC236}">
@@ -17541,7 +17637,7 @@
 </p:sld>
 </file>
 
-<file path=ppt/slides/slide122.xml><?xml version="1.0" encoding="utf-8"?>
+<file path=ppt/slides/slide12.xml><?xml version="1.0" encoding="utf-8"?>
 <p:sld xmlns:a="http://schemas.openxmlformats.org/drawingml/2006/main" xmlns:r="http://schemas.openxmlformats.org/officeDocument/2006/relationships" xmlns:p="http://schemas.openxmlformats.org/presentationml/2006/main">
   <p:cSld>
     <p:spTree>
@@ -19060,7 +19156,7 @@
 </p:sld>
 </file>
 
-<file path=ppt/slides/slide1319.xml><?xml version="1.0" encoding="utf-8"?>
+<file path=ppt/slides/slide13.xml><?xml version="1.0" encoding="utf-8"?>
 <p:sld xmlns:a="http://schemas.openxmlformats.org/drawingml/2006/main" xmlns:r="http://schemas.openxmlformats.org/officeDocument/2006/relationships" xmlns:p="http://schemas.openxmlformats.org/presentationml/2006/main">
   <p:cSld>
     <p:spTree>
@@ -19402,7 +19498,7 @@
 </p:sld>
 </file>
 
-<file path=ppt/slides/slide1414.xml><?xml version="1.0" encoding="utf-8"?>
+<file path=ppt/slides/slide14.xml><?xml version="1.0" encoding="utf-8"?>
 <p:sld xmlns:a="http://schemas.openxmlformats.org/drawingml/2006/main" xmlns:r="http://schemas.openxmlformats.org/officeDocument/2006/relationships" xmlns:p="http://schemas.openxmlformats.org/presentationml/2006/main">
   <p:cSld>
     <p:spTree>
@@ -22334,7 +22430,7 @@
 </p:sld>
 </file>
 
-<file path=ppt/slides/slide159.xml><?xml version="1.0" encoding="utf-8"?>
+<file path=ppt/slides/slide15.xml><?xml version="1.0" encoding="utf-8"?>
 <p:sld xmlns:a="http://schemas.openxmlformats.org/drawingml/2006/main" xmlns:r="http://schemas.openxmlformats.org/officeDocument/2006/relationships" xmlns:p="http://schemas.openxmlformats.org/presentationml/2006/main">
   <p:cSld>
     <p:spTree>
@@ -25673,7 +25769,7 @@
 </p:sld>
 </file>
 
-<file path=ppt/slides/slide167.xml><?xml version="1.0" encoding="utf-8"?>
+<file path=ppt/slides/slide16.xml><?xml version="1.0" encoding="utf-8"?>
 <p:sld xmlns:a="http://schemas.openxmlformats.org/drawingml/2006/main" xmlns:r="http://schemas.openxmlformats.org/officeDocument/2006/relationships" xmlns:p="http://schemas.openxmlformats.org/presentationml/2006/main">
   <p:cSld>
     <p:spTree>
@@ -26210,7 +26306,7 @@
 </p:sld>
 </file>
 
-<file path=ppt/slides/slide173.xml><?xml version="1.0" encoding="utf-8"?>
+<file path=ppt/slides/slide17.xml><?xml version="1.0" encoding="utf-8"?>
 <p:sld xmlns:a="http://schemas.openxmlformats.org/drawingml/2006/main" xmlns:r="http://schemas.openxmlformats.org/officeDocument/2006/relationships" xmlns:p="http://schemas.openxmlformats.org/presentationml/2006/main">
   <p:cSld>
     <p:spTree>
@@ -27175,21 +27271,21 @@
           <p:cNvPr id="2" name="Title 1">
             <a:extLst>
               <a:ext uri="{FF2B5EF4-FFF2-40B4-BE49-F238E27FC236}">
-                <a16:creationId xmlns:a16="http://schemas.microsoft.com/office/drawing/2014/main" id="{216815C6-3AD0-46E6-A74A-1967BD91AF50}"/>
-              </a:ext>
-            </a:extLst>
-          </p:cNvPr>
-          <p:cNvSpPr>
-            <a:spLocks noGrp="1"/>
-          </p:cNvSpPr>
-          <p:nvPr>
-            <p:ph type="ctrTitle"/>
-          </p:nvPr>
-        </p:nvSpPr>
-        <p:spPr>
-          <a:xfrm>
-            <a:off x="6416040" y="4434840"/>
-            <a:ext cx="4941771" cy="1122202"/>
+                <a16:creationId xmlns:a16="http://schemas.microsoft.com/office/drawing/2014/main" id="{38FFA191-5CCC-43CB-BD83-4F80ED362608}"/>
+              </a:ext>
+            </a:extLst>
+          </p:cNvPr>
+          <p:cNvSpPr>
+            <a:spLocks noGrp="1"/>
+          </p:cNvSpPr>
+          <p:nvPr>
+            <p:ph type="title"/>
+          </p:nvPr>
+        </p:nvSpPr>
+        <p:spPr>
+          <a:xfrm>
+            <a:off x="5476875" y="1671639"/>
+            <a:ext cx="5111750" cy="1204912"/>
           </a:xfrm>
         </p:spPr>
         <p:txBody>
@@ -27198,31 +27294,66 @@
           <a:p>
             <a:r>
               <a:rPr lang="en-US" dirty="0"/>
-              <a:t>Pitch deck</a:t>
-            </a:r>
-          </a:p>
-        </p:txBody>
-      </p:sp>
-      <p:sp>
-        <p:nvSpPr>
-          <p:cNvPr id="3" name="Subtitle 2">
-            <a:extLst>
-              <a:ext uri="{FF2B5EF4-FFF2-40B4-BE49-F238E27FC236}">
-                <a16:creationId xmlns:a16="http://schemas.microsoft.com/office/drawing/2014/main" id="{1901B20D-4C28-4DA3-ABBD-718C22A5E58B}"/>
-              </a:ext>
-            </a:extLst>
-          </p:cNvPr>
-          <p:cNvSpPr>
-            <a:spLocks noGrp="1"/>
-          </p:cNvSpPr>
-          <p:nvPr>
-            <p:ph type="subTitle" idx="1"/>
-          </p:nvPr>
-        </p:nvSpPr>
-        <p:spPr>
-          <a:xfrm>
-            <a:off x="6416041" y="5586890"/>
-            <a:ext cx="4941770" cy="396660"/>
+              <a:t>SUMMARY</a:t>
+            </a:r>
+          </a:p>
+        </p:txBody>
+      </p:sp>
+      <p:sp>
+        <p:nvSpPr>
+          <p:cNvPr id="3" name="Content Placeholder 2">
+            <a:extLst>
+              <a:ext uri="{FF2B5EF4-FFF2-40B4-BE49-F238E27FC236}">
+                <a16:creationId xmlns:a16="http://schemas.microsoft.com/office/drawing/2014/main" id="{E14BBEAF-B516-45F4-9EF6-A9F65111580F}"/>
+              </a:ext>
+            </a:extLst>
+          </p:cNvPr>
+          <p:cNvSpPr>
+            <a:spLocks noGrp="1"/>
+          </p:cNvSpPr>
+          <p:nvPr>
+            <p:ph type="body" idx="1"/>
+          </p:nvPr>
+        </p:nvSpPr>
+        <p:spPr>
+          <a:xfrm>
+            <a:off x="5476875" y="3682546"/>
+            <a:ext cx="5111750" cy="1525588"/>
+          </a:xfrm>
+        </p:spPr>
+        <p:txBody>
+          <a:bodyPr vert="horz" lIns="91440" tIns="45720" rIns="91440" bIns="45720" rtlCol="0" anchor="b">
+            <a:normAutofit/>
+          </a:bodyPr>
+          <a:lstStyle/>
+          <a:p>
+            <a:r>
+              <a:rPr lang="en-US" dirty="0"/>
+              <a:t>At Contoso, we believe in giving 110%. By using our next-generation data architecture, we help organizations virtually manage agile workflows. We thrive because of our market knowledge and great team behind our product. As our CEO says, "Efficiencies will come from proactively transforming how we do business.”</a:t>
+            </a:r>
+          </a:p>
+        </p:txBody>
+      </p:sp>
+      <p:sp>
+        <p:nvSpPr>
+          <p:cNvPr id="5" name="Footer Placeholder 4">
+            <a:extLst>
+              <a:ext uri="{FF2B5EF4-FFF2-40B4-BE49-F238E27FC236}">
+                <a16:creationId xmlns:a16="http://schemas.microsoft.com/office/drawing/2014/main" id="{11AEA823-8519-4F9D-81FA-3673131076FC}"/>
+              </a:ext>
+            </a:extLst>
+          </p:cNvPr>
+          <p:cNvSpPr>
+            <a:spLocks noGrp="1"/>
+          </p:cNvSpPr>
+          <p:nvPr>
+            <p:ph type="ftr" sz="quarter" idx="11"/>
+          </p:nvPr>
+        </p:nvSpPr>
+        <p:spPr>
+          <a:xfrm>
+            <a:off x="4038600" y="6356350"/>
+            <a:ext cx="4114800" cy="365125"/>
           </a:xfrm>
         </p:spPr>
         <p:txBody>
@@ -27231,15 +27362,50 @@
           <a:p>
             <a:r>
               <a:rPr lang="en-US" dirty="0"/>
-              <a:t>Mirjam Nilsson</a:t>
-            </a:r>
+              <a:t>Pitch Deck</a:t>
+            </a:r>
+          </a:p>
+        </p:txBody>
+      </p:sp>
+      <p:sp>
+        <p:nvSpPr>
+          <p:cNvPr id="6" name="Slide Number Placeholder 5">
+            <a:extLst>
+              <a:ext uri="{FF2B5EF4-FFF2-40B4-BE49-F238E27FC236}">
+                <a16:creationId xmlns:a16="http://schemas.microsoft.com/office/drawing/2014/main" id="{BAEFF51B-0E28-4171-AE7C-A31AAB42BC73}"/>
+              </a:ext>
+            </a:extLst>
+          </p:cNvPr>
+          <p:cNvSpPr>
+            <a:spLocks noGrp="1"/>
+          </p:cNvSpPr>
+          <p:nvPr>
+            <p:ph type="sldNum" sz="quarter" idx="12"/>
+          </p:nvPr>
+        </p:nvSpPr>
+        <p:spPr>
+          <a:xfrm>
+            <a:off x="8610600" y="6356350"/>
+            <a:ext cx="2743200" cy="365125"/>
+          </a:xfrm>
+        </p:spPr>
+        <p:txBody>
+          <a:bodyPr/>
+          <a:lstStyle/>
+          <a:p>
+            <a:fld id="{B5CEABB6-07DC-46E8-9B57-56EC44A396E5}" type="slidenum">
+              <a:rPr lang="en-US" smtClean="0"/>
+              <a:pPr/>
+              <a:t>18</a:t>
+            </a:fld>
+            <a:endParaRPr lang="en-US" dirty="0"/>
           </a:p>
         </p:txBody>
       </p:sp>
     </p:spTree>
     <p:extLst>
       <p:ext uri="{BB962C8B-B14F-4D97-AF65-F5344CB8AC3E}">
-        <p14:creationId xmlns:p14="http://schemas.microsoft.com/office/powerpoint/2010/main" val="1642425379"/>
+        <p14:creationId xmlns:p14="http://schemas.microsoft.com/office/powerpoint/2010/main" val="920173932"/>
       </p:ext>
     </p:extLst>
   </p:cSld>
@@ -27249,7 +27415,7 @@
 </p:sld>
 </file>
 
-<file path=ppt/slides/slide1816.xml><?xml version="1.0" encoding="utf-8"?>
+<file path=ppt/slides/slide19.xml><?xml version="1.0" encoding="utf-8"?>
 <p:sld xmlns:a="http://schemas.openxmlformats.org/drawingml/2006/main" xmlns:r="http://schemas.openxmlformats.org/officeDocument/2006/relationships" xmlns:p="http://schemas.openxmlformats.org/presentationml/2006/main">
   <p:cSld>
     <p:spTree>
@@ -27271,21 +27437,21 @@
           <p:cNvPr id="2" name="Title 1">
             <a:extLst>
               <a:ext uri="{FF2B5EF4-FFF2-40B4-BE49-F238E27FC236}">
-                <a16:creationId xmlns:a16="http://schemas.microsoft.com/office/drawing/2014/main" id="{38FFA191-5CCC-43CB-BD83-4F80ED362608}"/>
-              </a:ext>
-            </a:extLst>
-          </p:cNvPr>
-          <p:cNvSpPr>
-            <a:spLocks noGrp="1"/>
-          </p:cNvSpPr>
-          <p:nvPr>
-            <p:ph type="title"/>
-          </p:nvPr>
-        </p:nvSpPr>
-        <p:spPr>
-          <a:xfrm>
-            <a:off x="5476875" y="1671639"/>
-            <a:ext cx="5111750" cy="1204912"/>
+                <a16:creationId xmlns:a16="http://schemas.microsoft.com/office/drawing/2014/main" id="{BCCAEE93-8585-46D4-A7EC-F184E317CB2E}"/>
+              </a:ext>
+            </a:extLst>
+          </p:cNvPr>
+          <p:cNvSpPr>
+            <a:spLocks noGrp="1"/>
+          </p:cNvSpPr>
+          <p:nvPr>
+            <p:ph type="ctrTitle"/>
+          </p:nvPr>
+        </p:nvSpPr>
+        <p:spPr>
+          <a:xfrm>
+            <a:off x="4267200" y="1615736"/>
+            <a:ext cx="4179570" cy="1524735"/>
           </a:xfrm>
         </p:spPr>
         <p:txBody>
@@ -27294,7 +27460,7 @@
           <a:p>
             <a:r>
               <a:rPr lang="en-US" dirty="0"/>
-              <a:t>SUMMARY</a:t>
+              <a:t>THANK YOU</a:t>
             </a:r>
           </a:p>
         </p:txBody>
@@ -27304,32 +27470,50 @@
           <p:cNvPr id="3" name="Content Placeholder 2">
             <a:extLst>
               <a:ext uri="{FF2B5EF4-FFF2-40B4-BE49-F238E27FC236}">
-                <a16:creationId xmlns:a16="http://schemas.microsoft.com/office/drawing/2014/main" id="{E14BBEAF-B516-45F4-9EF6-A9F65111580F}"/>
-              </a:ext>
-            </a:extLst>
-          </p:cNvPr>
-          <p:cNvSpPr>
-            <a:spLocks noGrp="1"/>
-          </p:cNvSpPr>
-          <p:nvPr>
-            <p:ph type="body" idx="1"/>
-          </p:nvPr>
-        </p:nvSpPr>
-        <p:spPr>
-          <a:xfrm>
-            <a:off x="5476875" y="3682546"/>
-            <a:ext cx="5111750" cy="1525588"/>
-          </a:xfrm>
-        </p:spPr>
-        <p:txBody>
-          <a:bodyPr vert="horz" lIns="91440" tIns="45720" rIns="91440" bIns="45720" rtlCol="0" anchor="b">
+                <a16:creationId xmlns:a16="http://schemas.microsoft.com/office/drawing/2014/main" id="{24AFFC60-19C3-4901-93F7-7AAF4C09F8C6}"/>
+              </a:ext>
+            </a:extLst>
+          </p:cNvPr>
+          <p:cNvSpPr>
+            <a:spLocks noGrp="1"/>
+          </p:cNvSpPr>
+          <p:nvPr>
+            <p:ph type="subTitle" idx="1"/>
+          </p:nvPr>
+        </p:nvSpPr>
+        <p:spPr>
+          <a:xfrm>
+            <a:off x="4267200" y="3238103"/>
+            <a:ext cx="4179570" cy="2004161"/>
+          </a:xfrm>
+        </p:spPr>
+        <p:txBody>
+          <a:bodyPr>
             <a:normAutofit/>
           </a:bodyPr>
           <a:lstStyle/>
           <a:p>
             <a:r>
               <a:rPr lang="en-US" dirty="0"/>
-              <a:t>At Contoso, we believe in giving 110%. By using our next-generation data architecture, we help organizations virtually manage agile workflows. We thrive because of our market knowledge and great team behind our product. As our CEO says, "Efficiencies will come from proactively transforming how we do business.”</a:t>
+              <a:t>Mirjam Nilsson​</a:t>
+            </a:r>
+          </a:p>
+          <a:p>
+            <a:r>
+              <a:rPr lang="en-US" dirty="0"/>
+              <a:t>206-555-0146</a:t>
+            </a:r>
+          </a:p>
+          <a:p>
+            <a:r>
+              <a:rPr lang="en-US" dirty="0"/>
+              <a:t>mirjam@contoso.com</a:t>
+            </a:r>
+          </a:p>
+          <a:p>
+            <a:r>
+              <a:rPr lang="en-US" dirty="0"/>
+              <a:t>www.contoso.com</a:t>
             </a:r>
           </a:p>
         </p:txBody>
@@ -27339,7 +27523,7 @@
           <p:cNvPr id="5" name="Footer Placeholder 4">
             <a:extLst>
               <a:ext uri="{FF2B5EF4-FFF2-40B4-BE49-F238E27FC236}">
-                <a16:creationId xmlns:a16="http://schemas.microsoft.com/office/drawing/2014/main" id="{11AEA823-8519-4F9D-81FA-3673131076FC}"/>
+                <a16:creationId xmlns:a16="http://schemas.microsoft.com/office/drawing/2014/main" id="{0DFADE42-1A3F-40C8-A071-E57644F3D843}"/>
               </a:ext>
             </a:extLst>
           </p:cNvPr>
@@ -27352,8 +27536,8 @@
         </p:nvSpPr>
         <p:spPr>
           <a:xfrm>
-            <a:off x="4038600" y="6356350"/>
-            <a:ext cx="4114800" cy="365125"/>
+            <a:off x="6479721" y="6356350"/>
+            <a:ext cx="2661557" cy="365125"/>
           </a:xfrm>
         </p:spPr>
         <p:txBody>
@@ -27372,7 +27556,7 @@
           <p:cNvPr id="6" name="Slide Number Placeholder 5">
             <a:extLst>
               <a:ext uri="{FF2B5EF4-FFF2-40B4-BE49-F238E27FC236}">
-                <a16:creationId xmlns:a16="http://schemas.microsoft.com/office/drawing/2014/main" id="{BAEFF51B-0E28-4171-AE7C-A31AAB42BC73}"/>
+                <a16:creationId xmlns:a16="http://schemas.microsoft.com/office/drawing/2014/main" id="{5EDCFF82-B70F-4971-9182-7C3AEA3CFD26}"/>
               </a:ext>
             </a:extLst>
           </p:cNvPr>
@@ -27385,8 +27569,8 @@
         </p:nvSpPr>
         <p:spPr>
           <a:xfrm>
-            <a:off x="8610600" y="6356350"/>
-            <a:ext cx="2743200" cy="365125"/>
+            <a:off x="9579428" y="6356350"/>
+            <a:ext cx="1774371" cy="365125"/>
           </a:xfrm>
         </p:spPr>
         <p:txBody>
@@ -27396,7 +27580,7 @@
             <a:fld id="{B5CEABB6-07DC-46E8-9B57-56EC44A396E5}" type="slidenum">
               <a:rPr lang="en-US" smtClean="0"/>
               <a:pPr/>
-              <a:t>18</a:t>
+              <a:t>19</a:t>
             </a:fld>
             <a:endParaRPr lang="en-US" dirty="0"/>
           </a:p>
@@ -27405,7 +27589,7 @@
     </p:spTree>
     <p:extLst>
       <p:ext uri="{BB962C8B-B14F-4D97-AF65-F5344CB8AC3E}">
-        <p14:creationId xmlns:p14="http://schemas.microsoft.com/office/powerpoint/2010/main" val="920173932"/>
+        <p14:creationId xmlns:p14="http://schemas.microsoft.com/office/powerpoint/2010/main" val="2436493926"/>
       </p:ext>
     </p:extLst>
   </p:cSld>
@@ -27415,7 +27599,7 @@
 </p:sld>
 </file>
 
-<file path=ppt/slides/slide1910.xml><?xml version="1.0" encoding="utf-8"?>
+<file path=ppt/slides/slide2.xml><?xml version="1.0" encoding="utf-8"?>
 <p:sld xmlns:a="http://schemas.openxmlformats.org/drawingml/2006/main" xmlns:r="http://schemas.openxmlformats.org/officeDocument/2006/relationships" xmlns:p="http://schemas.openxmlformats.org/presentationml/2006/main">
   <p:cSld>
     <p:spTree>
@@ -27437,21 +27621,24 @@
           <p:cNvPr id="2" name="Title 1">
             <a:extLst>
               <a:ext uri="{FF2B5EF4-FFF2-40B4-BE49-F238E27FC236}">
-                <a16:creationId xmlns:a16="http://schemas.microsoft.com/office/drawing/2014/main" id="{BCCAEE93-8585-46D4-A7EC-F184E317CB2E}"/>
-              </a:ext>
-            </a:extLst>
-          </p:cNvPr>
-          <p:cNvSpPr>
-            <a:spLocks noGrp="1"/>
-          </p:cNvSpPr>
-          <p:nvPr>
-            <p:ph type="ctrTitle"/>
-          </p:nvPr>
-        </p:nvSpPr>
-        <p:spPr>
-          <a:xfrm>
-            <a:off x="4267200" y="1615736"/>
-            <a:ext cx="4179570" cy="1524735"/>
+                <a16:creationId xmlns:a16="http://schemas.microsoft.com/office/drawing/2014/main" id="{6719F29B-F233-48AF-8261-F33A4E079E3E}"/>
+              </a:ext>
+              <a:ext uri="{C183D7F6-B498-43B3-948B-1728B52AA6E4}">
+                <adec:decorative xmlns:adec="http://schemas.microsoft.com/office/drawing/2017/decorative" val="0"/>
+              </a:ext>
+            </a:extLst>
+          </p:cNvPr>
+          <p:cNvSpPr>
+            <a:spLocks noGrp="1"/>
+          </p:cNvSpPr>
+          <p:nvPr>
+            <p:ph type="title"/>
+          </p:nvPr>
+        </p:nvSpPr>
+        <p:spPr>
+          <a:xfrm>
+            <a:off x="1333499" y="1020445"/>
+            <a:ext cx="3171825" cy="1325563"/>
           </a:xfrm>
         </p:spPr>
         <p:txBody>
@@ -27459,32 +27646,35 @@
           <a:lstStyle/>
           <a:p>
             <a:r>
-              <a:rPr lang="en-US" dirty="0"/>
-              <a:t>THANK YOU</a:t>
-            </a:r>
-          </a:p>
-        </p:txBody>
-      </p:sp>
-      <p:sp>
-        <p:nvSpPr>
-          <p:cNvPr id="3" name="Content Placeholder 2">
-            <a:extLst>
-              <a:ext uri="{FF2B5EF4-FFF2-40B4-BE49-F238E27FC236}">
-                <a16:creationId xmlns:a16="http://schemas.microsoft.com/office/drawing/2014/main" id="{24AFFC60-19C3-4901-93F7-7AAF4C09F8C6}"/>
-              </a:ext>
-            </a:extLst>
-          </p:cNvPr>
-          <p:cNvSpPr>
-            <a:spLocks noGrp="1"/>
-          </p:cNvSpPr>
-          <p:nvPr>
-            <p:ph type="subTitle" idx="1"/>
-          </p:nvPr>
-        </p:nvSpPr>
-        <p:spPr>
-          <a:xfrm>
-            <a:off x="4267200" y="3238103"/>
-            <a:ext cx="4179570" cy="2004161"/>
+              <a:rPr lang="en-ZA" dirty="0"/>
+              <a:t>ABOUT US</a:t>
+            </a:r>
+          </a:p>
+        </p:txBody>
+      </p:sp>
+      <p:sp>
+        <p:nvSpPr>
+          <p:cNvPr id="3" name="Subtitle 2">
+            <a:extLst>
+              <a:ext uri="{FF2B5EF4-FFF2-40B4-BE49-F238E27FC236}">
+                <a16:creationId xmlns:a16="http://schemas.microsoft.com/office/drawing/2014/main" id="{35E3EA69-4E0E-41BD-8095-A124225A2647}"/>
+              </a:ext>
+              <a:ext uri="{C183D7F6-B498-43B3-948B-1728B52AA6E4}">
+                <adec:decorative xmlns:adec="http://schemas.microsoft.com/office/drawing/2017/decorative" val="0"/>
+              </a:ext>
+            </a:extLst>
+          </p:cNvPr>
+          <p:cNvSpPr>
+            <a:spLocks noGrp="1"/>
+          </p:cNvSpPr>
+          <p:nvPr>
+            <p:ph idx="1"/>
+          </p:nvPr>
+        </p:nvSpPr>
+        <p:spPr>
+          <a:xfrm>
+            <a:off x="1333499" y="2924175"/>
+            <a:ext cx="3171825" cy="2519363"/>
           </a:xfrm>
         </p:spPr>
         <p:txBody>
@@ -27495,25 +27685,7 @@
           <a:p>
             <a:r>
               <a:rPr lang="en-US" dirty="0"/>
-              <a:t>Mirjam Nilsson​</a:t>
-            </a:r>
-          </a:p>
-          <a:p>
-            <a:r>
-              <a:rPr lang="en-US" dirty="0"/>
-              <a:t>206-555-0146</a:t>
-            </a:r>
-          </a:p>
-          <a:p>
-            <a:r>
-              <a:rPr lang="en-US" dirty="0"/>
-              <a:t>mirjam@contoso.com</a:t>
-            </a:r>
-          </a:p>
-          <a:p>
-            <a:r>
-              <a:rPr lang="en-US" dirty="0"/>
-              <a:t>www.contoso.com</a:t>
+              <a:t>At Contoso, we empower organizations to foster collaborative thinking to further drive workplace innovation. By closing the loop and leveraging agile frameworks, we help business grow organically and foster a consumer-first mindset.</a:t>
             </a:r>
           </a:p>
         </p:txBody>
@@ -27523,7 +27695,7 @@
           <p:cNvPr id="5" name="Footer Placeholder 4">
             <a:extLst>
               <a:ext uri="{FF2B5EF4-FFF2-40B4-BE49-F238E27FC236}">
-                <a16:creationId xmlns:a16="http://schemas.microsoft.com/office/drawing/2014/main" id="{0DFADE42-1A3F-40C8-A071-E57644F3D843}"/>
+                <a16:creationId xmlns:a16="http://schemas.microsoft.com/office/drawing/2014/main" id="{AF29EA23-F34E-486A-B8B2-0C3019266975}"/>
               </a:ext>
             </a:extLst>
           </p:cNvPr>
@@ -27536,8 +27708,8 @@
         </p:nvSpPr>
         <p:spPr>
           <a:xfrm>
-            <a:off x="6479721" y="6356350"/>
-            <a:ext cx="2661557" cy="365125"/>
+            <a:off x="2669886" y="6356349"/>
+            <a:ext cx="2482842" cy="365125"/>
           </a:xfrm>
         </p:spPr>
         <p:txBody>
@@ -27545,7 +27717,7 @@
           <a:lstStyle/>
           <a:p>
             <a:r>
-              <a:rPr lang="en-US" dirty="0"/>
+              <a:rPr lang="en-ZA" dirty="0"/>
               <a:t>Pitch Deck</a:t>
             </a:r>
           </a:p>
@@ -27553,10 +27725,10 @@
       </p:sp>
       <p:sp>
         <p:nvSpPr>
-          <p:cNvPr id="6" name="Slide Number Placeholder 5">
-            <a:extLst>
-              <a:ext uri="{FF2B5EF4-FFF2-40B4-BE49-F238E27FC236}">
-                <a16:creationId xmlns:a16="http://schemas.microsoft.com/office/drawing/2014/main" id="{5EDCFF82-B70F-4971-9182-7C3AEA3CFD26}"/>
+          <p:cNvPr id="4" name="Slide Number Placeholder 3">
+            <a:extLst>
+              <a:ext uri="{FF2B5EF4-FFF2-40B4-BE49-F238E27FC236}">
+                <a16:creationId xmlns:a16="http://schemas.microsoft.com/office/drawing/2014/main" id="{328F602C-7F98-4C02-99D4-ED65E00D66A4}"/>
               </a:ext>
             </a:extLst>
           </p:cNvPr>
@@ -27569,27 +27741,27 @@
         </p:nvSpPr>
         <p:spPr>
           <a:xfrm>
-            <a:off x="9579428" y="6356350"/>
-            <a:ext cx="1774371" cy="365125"/>
+            <a:off x="5536305" y="6356350"/>
+            <a:ext cx="987552" cy="365125"/>
           </a:xfrm>
         </p:spPr>
         <p:txBody>
           <a:bodyPr/>
           <a:lstStyle/>
           <a:p>
-            <a:fld id="{B5CEABB6-07DC-46E8-9B57-56EC44A396E5}" type="slidenum">
-              <a:rPr lang="en-US" smtClean="0"/>
+            <a:fld id="{19B51A1E-902D-48AF-9020-955120F399B6}" type="slidenum">
+              <a:rPr lang="en-ZA" smtClean="0"/>
               <a:pPr/>
-              <a:t>19</a:t>
+              <a:t>2</a:t>
             </a:fld>
-            <a:endParaRPr lang="en-US" dirty="0"/>
+            <a:endParaRPr lang="en-ZA" dirty="0"/>
           </a:p>
         </p:txBody>
       </p:sp>
     </p:spTree>
     <p:extLst>
       <p:ext uri="{BB962C8B-B14F-4D97-AF65-F5344CB8AC3E}">
-        <p14:creationId xmlns:p14="http://schemas.microsoft.com/office/powerpoint/2010/main" val="2436493926"/>
+        <p14:creationId xmlns:p14="http://schemas.microsoft.com/office/powerpoint/2010/main" val="2243494996"/>
       </p:ext>
     </p:extLst>
   </p:cSld>
@@ -27599,7 +27771,7 @@
 </p:sld>
 </file>
 
-<file path=ppt/slides/slide24.xml><?xml version="1.0" encoding="utf-8"?>
+<file path=ppt/slides/slide3.xml><?xml version="1.0" encoding="utf-8"?>
 <p:sld xmlns:a="http://schemas.openxmlformats.org/drawingml/2006/main" xmlns:r="http://schemas.openxmlformats.org/officeDocument/2006/relationships" xmlns:p="http://schemas.openxmlformats.org/presentationml/2006/main">
   <p:cSld>
     <p:spTree>
@@ -27621,10 +27793,7 @@
           <p:cNvPr id="2" name="Title 1">
             <a:extLst>
               <a:ext uri="{FF2B5EF4-FFF2-40B4-BE49-F238E27FC236}">
-                <a16:creationId xmlns:a16="http://schemas.microsoft.com/office/drawing/2014/main" id="{6719F29B-F233-48AF-8261-F33A4E079E3E}"/>
-              </a:ext>
-              <a:ext uri="{C183D7F6-B498-43B3-948B-1728B52AA6E4}">
-                <adec:decorative xmlns:adec="http://schemas.microsoft.com/office/drawing/2017/decorative" val="0"/>
+                <a16:creationId xmlns:a16="http://schemas.microsoft.com/office/drawing/2014/main" id="{67708C79-A4AC-4B5D-92DF-600737E4D11A}"/>
               </a:ext>
             </a:extLst>
           </p:cNvPr>
@@ -27637,8 +27806,8 @@
         </p:nvSpPr>
         <p:spPr>
           <a:xfrm>
-            <a:off x="1333499" y="1020445"/>
-            <a:ext cx="3171825" cy="1325563"/>
+            <a:off x="838200" y="5509419"/>
+            <a:ext cx="4082142" cy="585788"/>
           </a:xfrm>
         </p:spPr>
         <p:txBody>
@@ -27646,70 +27815,67 @@
           <a:lstStyle/>
           <a:p>
             <a:r>
-              <a:rPr lang="en-ZA" dirty="0"/>
-              <a:t>ABOUT US</a:t>
-            </a:r>
-          </a:p>
-        </p:txBody>
-      </p:sp>
-      <p:sp>
-        <p:nvSpPr>
-          <p:cNvPr id="3" name="Subtitle 2">
-            <a:extLst>
-              <a:ext uri="{FF2B5EF4-FFF2-40B4-BE49-F238E27FC236}">
-                <a16:creationId xmlns:a16="http://schemas.microsoft.com/office/drawing/2014/main" id="{35E3EA69-4E0E-41BD-8095-A124225A2647}"/>
-              </a:ext>
-              <a:ext uri="{C183D7F6-B498-43B3-948B-1728B52AA6E4}">
-                <adec:decorative xmlns:adec="http://schemas.microsoft.com/office/drawing/2017/decorative" val="0"/>
-              </a:ext>
-            </a:extLst>
-          </p:cNvPr>
-          <p:cNvSpPr>
-            <a:spLocks noGrp="1"/>
-          </p:cNvSpPr>
-          <p:nvPr>
-            <p:ph idx="1"/>
-          </p:nvPr>
-        </p:nvSpPr>
-        <p:spPr>
-          <a:xfrm>
-            <a:off x="1333499" y="2924175"/>
-            <a:ext cx="3171825" cy="2519363"/>
-          </a:xfrm>
-        </p:spPr>
-        <p:txBody>
-          <a:bodyPr>
+              <a:rPr lang="en-US" dirty="0"/>
+              <a:t>PROBLEM</a:t>
+            </a:r>
+          </a:p>
+        </p:txBody>
+      </p:sp>
+      <p:sp>
+        <p:nvSpPr>
+          <p:cNvPr id="3" name="Content Placeholder 2">
+            <a:extLst>
+              <a:ext uri="{FF2B5EF4-FFF2-40B4-BE49-F238E27FC236}">
+                <a16:creationId xmlns:a16="http://schemas.microsoft.com/office/drawing/2014/main" id="{7D779DE4-CAEA-4617-897E-FEC9A2AC2D6A}"/>
+              </a:ext>
+            </a:extLst>
+          </p:cNvPr>
+          <p:cNvSpPr>
+            <a:spLocks noGrp="1"/>
+          </p:cNvSpPr>
+          <p:nvPr>
+            <p:ph type="body" sz="quarter" idx="13"/>
+          </p:nvPr>
+        </p:nvSpPr>
+        <p:spPr>
+          <a:xfrm>
+            <a:off x="148318" y="1481138"/>
+            <a:ext cx="2141764" cy="514350"/>
+          </a:xfrm>
+        </p:spPr>
+        <p:txBody>
+          <a:bodyPr vert="horz" lIns="91440" tIns="45720" rIns="91440" bIns="45720" rtlCol="0" anchor="ctr">
             <a:normAutofit/>
           </a:bodyPr>
           <a:lstStyle/>
           <a:p>
             <a:r>
               <a:rPr lang="en-US" dirty="0"/>
-              <a:t>At Contoso, we empower organizations to foster collaborative thinking to further drive workplace innovation. By closing the loop and leveraging agile frameworks, we help business grow organically and foster a consumer-first mindset.</a:t>
-            </a:r>
-          </a:p>
-        </p:txBody>
-      </p:sp>
-      <p:sp>
-        <p:nvSpPr>
-          <p:cNvPr id="5" name="Footer Placeholder 4">
-            <a:extLst>
-              <a:ext uri="{FF2B5EF4-FFF2-40B4-BE49-F238E27FC236}">
-                <a16:creationId xmlns:a16="http://schemas.microsoft.com/office/drawing/2014/main" id="{AF29EA23-F34E-486A-B8B2-0C3019266975}"/>
-              </a:ext>
-            </a:extLst>
-          </p:cNvPr>
-          <p:cNvSpPr>
-            <a:spLocks noGrp="1"/>
-          </p:cNvSpPr>
-          <p:nvPr>
-            <p:ph type="ftr" sz="quarter" idx="11"/>
-          </p:nvPr>
-        </p:nvSpPr>
-        <p:spPr>
-          <a:xfrm>
-            <a:off x="2669886" y="6356349"/>
-            <a:ext cx="2482842" cy="365125"/>
+              <a:t>MARKET GAP</a:t>
+            </a:r>
+          </a:p>
+        </p:txBody>
+      </p:sp>
+      <p:sp>
+        <p:nvSpPr>
+          <p:cNvPr id="4" name="Text Placeholder 3">
+            <a:extLst>
+              <a:ext uri="{FF2B5EF4-FFF2-40B4-BE49-F238E27FC236}">
+                <a16:creationId xmlns:a16="http://schemas.microsoft.com/office/drawing/2014/main" id="{F5FF1291-56EB-4A7B-A198-1D91F9ECC5D3}"/>
+              </a:ext>
+            </a:extLst>
+          </p:cNvPr>
+          <p:cNvSpPr>
+            <a:spLocks noGrp="1"/>
+          </p:cNvSpPr>
+          <p:nvPr>
+            <p:ph type="body" sz="quarter" idx="14"/>
+          </p:nvPr>
+        </p:nvSpPr>
+        <p:spPr>
+          <a:xfrm>
+            <a:off x="714375" y="2557463"/>
+            <a:ext cx="2141764" cy="514350"/>
           </a:xfrm>
         </p:spPr>
         <p:txBody>
@@ -27717,51 +27883,294 @@
           <a:lstStyle/>
           <a:p>
             <a:r>
-              <a:rPr lang="en-ZA" dirty="0"/>
-              <a:t>Pitch Deck</a:t>
-            </a:r>
-          </a:p>
-        </p:txBody>
-      </p:sp>
-      <p:sp>
-        <p:nvSpPr>
-          <p:cNvPr id="4" name="Slide Number Placeholder 3">
-            <a:extLst>
-              <a:ext uri="{FF2B5EF4-FFF2-40B4-BE49-F238E27FC236}">
-                <a16:creationId xmlns:a16="http://schemas.microsoft.com/office/drawing/2014/main" id="{328F602C-7F98-4C02-99D4-ED65E00D66A4}"/>
-              </a:ext>
-            </a:extLst>
-          </p:cNvPr>
-          <p:cNvSpPr>
-            <a:spLocks noGrp="1"/>
-          </p:cNvSpPr>
-          <p:nvPr>
-            <p:ph type="sldNum" sz="quarter" idx="12"/>
-          </p:nvPr>
-        </p:nvSpPr>
-        <p:spPr>
-          <a:xfrm>
-            <a:off x="5536305" y="6356350"/>
-            <a:ext cx="987552" cy="365125"/>
+              <a:rPr lang="en-US" dirty="0"/>
+              <a:t>CUSTOMERS</a:t>
+            </a:r>
+          </a:p>
+        </p:txBody>
+      </p:sp>
+      <p:sp>
+        <p:nvSpPr>
+          <p:cNvPr id="5" name="Text Placeholder 4">
+            <a:extLst>
+              <a:ext uri="{FF2B5EF4-FFF2-40B4-BE49-F238E27FC236}">
+                <a16:creationId xmlns:a16="http://schemas.microsoft.com/office/drawing/2014/main" id="{6184E21C-7534-4FB5-9709-F7D1A11034F3}"/>
+              </a:ext>
+            </a:extLst>
+          </p:cNvPr>
+          <p:cNvSpPr>
+            <a:spLocks noGrp="1"/>
+          </p:cNvSpPr>
+          <p:nvPr>
+            <p:ph type="body" sz="quarter" idx="15"/>
+          </p:nvPr>
+        </p:nvSpPr>
+        <p:spPr>
+          <a:xfrm>
+            <a:off x="1320800" y="3633788"/>
+            <a:ext cx="2141764" cy="514350"/>
           </a:xfrm>
         </p:spPr>
         <p:txBody>
           <a:bodyPr/>
           <a:lstStyle/>
           <a:p>
-            <a:fld id="{19B51A1E-902D-48AF-9020-955120F399B6}" type="slidenum">
-              <a:rPr lang="en-ZA" smtClean="0"/>
+            <a:r>
+              <a:rPr lang="en-US" dirty="0"/>
+              <a:t>FINANCIALS</a:t>
+            </a:r>
+          </a:p>
+        </p:txBody>
+      </p:sp>
+      <p:sp>
+        <p:nvSpPr>
+          <p:cNvPr id="6" name="Text Placeholder 5">
+            <a:extLst>
+              <a:ext uri="{FF2B5EF4-FFF2-40B4-BE49-F238E27FC236}">
+                <a16:creationId xmlns:a16="http://schemas.microsoft.com/office/drawing/2014/main" id="{5C594564-4FC6-401A-8586-44735EE819EC}"/>
+              </a:ext>
+            </a:extLst>
+          </p:cNvPr>
+          <p:cNvSpPr>
+            <a:spLocks noGrp="1"/>
+          </p:cNvSpPr>
+          <p:nvPr>
+            <p:ph type="body" sz="quarter" idx="16"/>
+          </p:nvPr>
+        </p:nvSpPr>
+        <p:spPr>
+          <a:xfrm>
+            <a:off x="1905000" y="4710114"/>
+            <a:ext cx="2141764" cy="514350"/>
+          </a:xfrm>
+        </p:spPr>
+        <p:txBody>
+          <a:bodyPr/>
+          <a:lstStyle/>
+          <a:p>
+            <a:r>
+              <a:rPr lang="en-US" dirty="0"/>
+              <a:t>COSTS</a:t>
+            </a:r>
+          </a:p>
+        </p:txBody>
+      </p:sp>
+      <p:sp>
+        <p:nvSpPr>
+          <p:cNvPr id="7" name="Text Placeholder 6">
+            <a:extLst>
+              <a:ext uri="{FF2B5EF4-FFF2-40B4-BE49-F238E27FC236}">
+                <a16:creationId xmlns:a16="http://schemas.microsoft.com/office/drawing/2014/main" id="{D7EB25CA-DA83-483D-AF83-0001BDF2DE2B}"/>
+              </a:ext>
+            </a:extLst>
+          </p:cNvPr>
+          <p:cNvSpPr>
+            <a:spLocks noGrp="1"/>
+          </p:cNvSpPr>
+          <p:nvPr>
+            <p:ph type="body" sz="quarter" idx="17"/>
+          </p:nvPr>
+        </p:nvSpPr>
+        <p:spPr>
+          <a:xfrm>
+            <a:off x="4401535" y="1594478"/>
+            <a:ext cx="5539095" cy="1010842"/>
+          </a:xfrm>
+        </p:spPr>
+        <p:txBody>
+          <a:bodyPr/>
+          <a:lstStyle/>
+          <a:p>
+            <a:r>
+              <a:rPr lang="en-US" dirty="0"/>
+              <a:t>Few, if any, products on the market help customers like we do</a:t>
+            </a:r>
+          </a:p>
+          <a:p>
+            <a:endParaRPr lang="en-US" dirty="0"/>
+          </a:p>
+        </p:txBody>
+      </p:sp>
+      <p:sp>
+        <p:nvSpPr>
+          <p:cNvPr id="8" name="Text Placeholder 7">
+            <a:extLst>
+              <a:ext uri="{FF2B5EF4-FFF2-40B4-BE49-F238E27FC236}">
+                <a16:creationId xmlns:a16="http://schemas.microsoft.com/office/drawing/2014/main" id="{B46CE8C6-E12D-4A0D-8553-7FFA31941D56}"/>
+              </a:ext>
+            </a:extLst>
+          </p:cNvPr>
+          <p:cNvSpPr>
+            <a:spLocks noGrp="1"/>
+          </p:cNvSpPr>
+          <p:nvPr>
+            <p:ph type="body" sz="quarter" idx="18"/>
+          </p:nvPr>
+        </p:nvSpPr>
+        <p:spPr>
+          <a:xfrm>
+            <a:off x="4986028" y="2682564"/>
+            <a:ext cx="5539095" cy="1010842"/>
+          </a:xfrm>
+        </p:spPr>
+        <p:txBody>
+          <a:bodyPr/>
+          <a:lstStyle/>
+          <a:p>
+            <a:r>
+              <a:rPr lang="en-US" dirty="0"/>
+              <a:t>66% of US consumers spend money on multiple products that only partially resolves their issue</a:t>
+            </a:r>
+          </a:p>
+          <a:p>
+            <a:endParaRPr lang="en-US" dirty="0"/>
+          </a:p>
+        </p:txBody>
+      </p:sp>
+      <p:sp>
+        <p:nvSpPr>
+          <p:cNvPr id="9" name="Text Placeholder 8">
+            <a:extLst>
+              <a:ext uri="{FF2B5EF4-FFF2-40B4-BE49-F238E27FC236}">
+                <a16:creationId xmlns:a16="http://schemas.microsoft.com/office/drawing/2014/main" id="{1C7D5285-85DF-4331-A6FA-1AE847CA47AE}"/>
+              </a:ext>
+            </a:extLst>
+          </p:cNvPr>
+          <p:cNvSpPr>
+            <a:spLocks noGrp="1"/>
+          </p:cNvSpPr>
+          <p:nvPr>
+            <p:ph type="body" sz="quarter" idx="19"/>
+          </p:nvPr>
+        </p:nvSpPr>
+        <p:spPr>
+          <a:xfrm>
+            <a:off x="5576937" y="3755394"/>
+            <a:ext cx="5539095" cy="1010842"/>
+          </a:xfrm>
+        </p:spPr>
+        <p:txBody>
+          <a:bodyPr/>
+          <a:lstStyle/>
+          <a:p>
+            <a:r>
+              <a:rPr lang="en-US" dirty="0"/>
+              <a:t>Millennials account for about a quarter of the $48 billion spent on other products in 2018</a:t>
+            </a:r>
+          </a:p>
+          <a:p>
+            <a:endParaRPr lang="en-US" dirty="0"/>
+          </a:p>
+        </p:txBody>
+      </p:sp>
+      <p:sp>
+        <p:nvSpPr>
+          <p:cNvPr id="10" name="Text Placeholder 9">
+            <a:extLst>
+              <a:ext uri="{FF2B5EF4-FFF2-40B4-BE49-F238E27FC236}">
+                <a16:creationId xmlns:a16="http://schemas.microsoft.com/office/drawing/2014/main" id="{02D305EF-9A88-496B-BFC1-D589A01EE381}"/>
+              </a:ext>
+            </a:extLst>
+          </p:cNvPr>
+          <p:cNvSpPr>
+            <a:spLocks noGrp="1"/>
+          </p:cNvSpPr>
+          <p:nvPr>
+            <p:ph type="body" sz="quarter" idx="20"/>
+          </p:nvPr>
+        </p:nvSpPr>
+        <p:spPr>
+          <a:xfrm>
+            <a:off x="6175279" y="4824430"/>
+            <a:ext cx="5539095" cy="1010842"/>
+          </a:xfrm>
+        </p:spPr>
+        <p:txBody>
+          <a:bodyPr/>
+          <a:lstStyle/>
+          <a:p>
+            <a:r>
+              <a:rPr lang="en-US" dirty="0"/>
+              <a:t>Loss of productivity costing consumers thousands of dollars </a:t>
+            </a:r>
+          </a:p>
+          <a:p>
+            <a:endParaRPr lang="en-US" dirty="0"/>
+          </a:p>
+        </p:txBody>
+      </p:sp>
+      <p:sp>
+        <p:nvSpPr>
+          <p:cNvPr id="12" name="Footer Placeholder 11">
+            <a:extLst>
+              <a:ext uri="{FF2B5EF4-FFF2-40B4-BE49-F238E27FC236}">
+                <a16:creationId xmlns:a16="http://schemas.microsoft.com/office/drawing/2014/main" id="{7312B71A-5E84-41DE-9754-5F6291F6DFB7}"/>
+              </a:ext>
+            </a:extLst>
+          </p:cNvPr>
+          <p:cNvSpPr>
+            <a:spLocks noGrp="1"/>
+          </p:cNvSpPr>
+          <p:nvPr>
+            <p:ph type="ftr" sz="quarter" idx="11"/>
+          </p:nvPr>
+        </p:nvSpPr>
+        <p:spPr>
+          <a:xfrm>
+            <a:off x="6155823" y="6356350"/>
+            <a:ext cx="1808712" cy="365125"/>
+          </a:xfrm>
+        </p:spPr>
+        <p:txBody>
+          <a:bodyPr/>
+          <a:lstStyle/>
+          <a:p>
+            <a:r>
+              <a:rPr lang="en-US" dirty="0"/>
+              <a:t>Pitch Deck</a:t>
+            </a:r>
+          </a:p>
+        </p:txBody>
+      </p:sp>
+      <p:sp>
+        <p:nvSpPr>
+          <p:cNvPr id="13" name="Slide Number Placeholder 12">
+            <a:extLst>
+              <a:ext uri="{FF2B5EF4-FFF2-40B4-BE49-F238E27FC236}">
+                <a16:creationId xmlns:a16="http://schemas.microsoft.com/office/drawing/2014/main" id="{E3984D70-BD95-4E1F-9725-902B5D74DED6}"/>
+              </a:ext>
+            </a:extLst>
+          </p:cNvPr>
+          <p:cNvSpPr>
+            <a:spLocks noGrp="1"/>
+          </p:cNvSpPr>
+          <p:nvPr>
+            <p:ph type="sldNum" sz="quarter" idx="12"/>
+          </p:nvPr>
+        </p:nvSpPr>
+        <p:spPr>
+          <a:xfrm>
+            <a:off x="10810874" y="6356350"/>
+            <a:ext cx="542925" cy="365125"/>
+          </a:xfrm>
+        </p:spPr>
+        <p:txBody>
+          <a:bodyPr/>
+          <a:lstStyle/>
+          <a:p>
+            <a:fld id="{B5CEABB6-07DC-46E8-9B57-56EC44A396E5}" type="slidenum">
+              <a:rPr lang="en-US" smtClean="0"/>
               <a:pPr/>
-              <a:t>2</a:t>
+              <a:t>3</a:t>
             </a:fld>
-            <a:endParaRPr lang="en-ZA" dirty="0"/>
+            <a:endParaRPr lang="en-US" dirty="0"/>
           </a:p>
         </p:txBody>
       </p:sp>
     </p:spTree>
     <p:extLst>
       <p:ext uri="{BB962C8B-B14F-4D97-AF65-F5344CB8AC3E}">
-        <p14:creationId xmlns:p14="http://schemas.microsoft.com/office/powerpoint/2010/main" val="2243494996"/>
+        <p14:creationId xmlns:p14="http://schemas.microsoft.com/office/powerpoint/2010/main" val="1738561688"/>
       </p:ext>
     </p:extLst>
   </p:cSld>
@@ -27771,7 +28180,7 @@
 </p:sld>
 </file>
 
-<file path=ppt/slides/slide317.xml><?xml version="1.0" encoding="utf-8"?>
+<file path=ppt/slides/slide4.xml><?xml version="1.0" encoding="utf-8"?>
 <p:sld xmlns:a="http://schemas.openxmlformats.org/drawingml/2006/main" xmlns:r="http://schemas.openxmlformats.org/officeDocument/2006/relationships" xmlns:p="http://schemas.openxmlformats.org/presentationml/2006/main">
   <p:cSld>
     <p:spTree>
@@ -27793,7 +28202,7 @@
           <p:cNvPr id="2" name="Title 1">
             <a:extLst>
               <a:ext uri="{FF2B5EF4-FFF2-40B4-BE49-F238E27FC236}">
-                <a16:creationId xmlns:a16="http://schemas.microsoft.com/office/drawing/2014/main" id="{67708C79-A4AC-4B5D-92DF-600737E4D11A}"/>
+                <a16:creationId xmlns:a16="http://schemas.microsoft.com/office/drawing/2014/main" id="{75031FE9-9059-4FE8-B4AC-9771F23A1B89}"/>
               </a:ext>
             </a:extLst>
           </p:cNvPr>
@@ -27806,8 +28215,8 @@
         </p:nvSpPr>
         <p:spPr>
           <a:xfrm>
-            <a:off x="838200" y="5509419"/>
-            <a:ext cx="4082142" cy="585788"/>
+            <a:off x="1885156" y="892177"/>
+            <a:ext cx="8421688" cy="1325563"/>
           </a:xfrm>
         </p:spPr>
         <p:txBody>
@@ -27816,7 +28225,7 @@
           <a:p>
             <a:r>
               <a:rPr lang="en-US" dirty="0"/>
-              <a:t>PROBLEM</a:t>
+              <a:t>SOLUTION</a:t>
             </a:r>
           </a:p>
         </p:txBody>
@@ -27826,7 +28235,7 @@
           <p:cNvPr id="3" name="Content Placeholder 2">
             <a:extLst>
               <a:ext uri="{FF2B5EF4-FFF2-40B4-BE49-F238E27FC236}">
-                <a16:creationId xmlns:a16="http://schemas.microsoft.com/office/drawing/2014/main" id="{7D779DE4-CAEA-4617-897E-FEC9A2AC2D6A}"/>
+                <a16:creationId xmlns:a16="http://schemas.microsoft.com/office/drawing/2014/main" id="{D4A2EB3F-4D60-451F-8F45-7D6654D2FCD9}"/>
               </a:ext>
             </a:extLst>
           </p:cNvPr>
@@ -27839,19 +28248,19 @@
         </p:nvSpPr>
         <p:spPr>
           <a:xfrm>
-            <a:off x="148318" y="1481138"/>
-            <a:ext cx="2141764" cy="514350"/>
-          </a:xfrm>
-        </p:spPr>
-        <p:txBody>
-          <a:bodyPr vert="horz" lIns="91440" tIns="45720" rIns="91440" bIns="45720" rtlCol="0" anchor="ctr">
-            <a:normAutofit/>
+            <a:off x="1485900" y="2563123"/>
+            <a:ext cx="4031945" cy="365125"/>
+          </a:xfrm>
+        </p:spPr>
+        <p:txBody>
+          <a:bodyPr vert="horz" lIns="91440" tIns="45720" rIns="91440" bIns="45720" rtlCol="0" anchor="t">
+            <a:normAutofit lnSpcReduction="10000"/>
           </a:bodyPr>
           <a:lstStyle/>
           <a:p>
             <a:r>
               <a:rPr lang="en-US" dirty="0"/>
-              <a:t>MARKET GAP</a:t>
+              <a:t>CLOSE THE GAP</a:t>
             </a:r>
           </a:p>
         </p:txBody>
@@ -27861,21 +28270,21 @@
           <p:cNvPr id="4" name="Text Placeholder 3">
             <a:extLst>
               <a:ext uri="{FF2B5EF4-FFF2-40B4-BE49-F238E27FC236}">
-                <a16:creationId xmlns:a16="http://schemas.microsoft.com/office/drawing/2014/main" id="{F5FF1291-56EB-4A7B-A198-1D91F9ECC5D3}"/>
-              </a:ext>
-            </a:extLst>
-          </p:cNvPr>
-          <p:cNvSpPr>
-            <a:spLocks noGrp="1"/>
-          </p:cNvSpPr>
-          <p:nvPr>
-            <p:ph type="body" sz="quarter" idx="14"/>
-          </p:nvPr>
-        </p:nvSpPr>
-        <p:spPr>
-          <a:xfrm>
-            <a:off x="714375" y="2557463"/>
-            <a:ext cx="2141764" cy="514350"/>
+                <a16:creationId xmlns:a16="http://schemas.microsoft.com/office/drawing/2014/main" id="{AC1C80FB-53F9-42EE-B1E6-D0F998EC5DFA}"/>
+              </a:ext>
+            </a:extLst>
+          </p:cNvPr>
+          <p:cNvSpPr>
+            <a:spLocks noGrp="1"/>
+          </p:cNvSpPr>
+          <p:nvPr>
+            <p:ph type="body" sz="quarter" idx="15"/>
+          </p:nvPr>
+        </p:nvSpPr>
+        <p:spPr>
+          <a:xfrm>
+            <a:off x="1485664" y="3070348"/>
+            <a:ext cx="4031030" cy="1057308"/>
           </a:xfrm>
         </p:spPr>
         <p:txBody>
@@ -27884,7 +28293,7 @@
           <a:p>
             <a:r>
               <a:rPr lang="en-US" dirty="0"/>
-              <a:t>CUSTOMERS</a:t>
+              <a:t>Our product makes consumer lives easier, and no other product on the market offers the same features</a:t>
             </a:r>
           </a:p>
         </p:txBody>
@@ -27894,21 +28303,56 @@
           <p:cNvPr id="5" name="Text Placeholder 4">
             <a:extLst>
               <a:ext uri="{FF2B5EF4-FFF2-40B4-BE49-F238E27FC236}">
-                <a16:creationId xmlns:a16="http://schemas.microsoft.com/office/drawing/2014/main" id="{6184E21C-7534-4FB5-9709-F7D1A11034F3}"/>
-              </a:ext>
-            </a:extLst>
-          </p:cNvPr>
-          <p:cNvSpPr>
-            <a:spLocks noGrp="1"/>
-          </p:cNvSpPr>
-          <p:nvPr>
-            <p:ph type="body" sz="quarter" idx="15"/>
-          </p:nvPr>
-        </p:nvSpPr>
-        <p:spPr>
-          <a:xfrm>
-            <a:off x="1320800" y="3633788"/>
-            <a:ext cx="2141764" cy="514350"/>
+                <a16:creationId xmlns:a16="http://schemas.microsoft.com/office/drawing/2014/main" id="{E81BA2B5-6A90-4204-ABDD-7183FBB03A02}"/>
+              </a:ext>
+            </a:extLst>
+          </p:cNvPr>
+          <p:cNvSpPr>
+            <a:spLocks noGrp="1"/>
+          </p:cNvSpPr>
+          <p:nvPr>
+            <p:ph type="body" sz="quarter" idx="16"/>
+          </p:nvPr>
+        </p:nvSpPr>
+        <p:spPr>
+          <a:xfrm>
+            <a:off x="6673004" y="2563123"/>
+            <a:ext cx="4031945" cy="365125"/>
+          </a:xfrm>
+        </p:spPr>
+        <p:txBody>
+          <a:bodyPr>
+            <a:normAutofit lnSpcReduction="10000"/>
+          </a:bodyPr>
+          <a:lstStyle/>
+          <a:p>
+            <a:r>
+              <a:rPr lang="en-US" dirty="0"/>
+              <a:t>TARGET AUDIENCE</a:t>
+            </a:r>
+          </a:p>
+        </p:txBody>
+      </p:sp>
+      <p:sp>
+        <p:nvSpPr>
+          <p:cNvPr id="6" name="Text Placeholder 5">
+            <a:extLst>
+              <a:ext uri="{FF2B5EF4-FFF2-40B4-BE49-F238E27FC236}">
+                <a16:creationId xmlns:a16="http://schemas.microsoft.com/office/drawing/2014/main" id="{7E7D4C34-22A0-4D54-A07D-E1E9A11463E5}"/>
+              </a:ext>
+            </a:extLst>
+          </p:cNvPr>
+          <p:cNvSpPr>
+            <a:spLocks noGrp="1"/>
+          </p:cNvSpPr>
+          <p:nvPr>
+            <p:ph type="body" sz="quarter" idx="17"/>
+          </p:nvPr>
+        </p:nvSpPr>
+        <p:spPr>
+          <a:xfrm>
+            <a:off x="6673143" y="3070348"/>
+            <a:ext cx="4031030" cy="1057308"/>
           </a:xfrm>
         </p:spPr>
         <p:txBody>
@@ -27917,31 +28361,69 @@
           <a:p>
             <a:r>
               <a:rPr lang="en-US" dirty="0"/>
-              <a:t>FINANCIALS</a:t>
-            </a:r>
-          </a:p>
-        </p:txBody>
-      </p:sp>
-      <p:sp>
-        <p:nvSpPr>
-          <p:cNvPr id="6" name="Text Placeholder 5">
-            <a:extLst>
-              <a:ext uri="{FF2B5EF4-FFF2-40B4-BE49-F238E27FC236}">
-                <a16:creationId xmlns:a16="http://schemas.microsoft.com/office/drawing/2014/main" id="{5C594564-4FC6-401A-8586-44735EE819EC}"/>
-              </a:ext>
-            </a:extLst>
-          </p:cNvPr>
-          <p:cNvSpPr>
-            <a:spLocks noGrp="1"/>
-          </p:cNvSpPr>
-          <p:nvPr>
-            <p:ph type="body" sz="quarter" idx="16"/>
-          </p:nvPr>
-        </p:nvSpPr>
-        <p:spPr>
-          <a:xfrm>
-            <a:off x="1905000" y="4710114"/>
-            <a:ext cx="2141764" cy="514350"/>
+              <a:t>Our target audience is Gen Z (18-25 years old)</a:t>
+            </a:r>
+          </a:p>
+          <a:p>
+            <a:endParaRPr lang="en-US" dirty="0"/>
+          </a:p>
+        </p:txBody>
+      </p:sp>
+      <p:sp>
+        <p:nvSpPr>
+          <p:cNvPr id="7" name="Text Placeholder 6">
+            <a:extLst>
+              <a:ext uri="{FF2B5EF4-FFF2-40B4-BE49-F238E27FC236}">
+                <a16:creationId xmlns:a16="http://schemas.microsoft.com/office/drawing/2014/main" id="{301D392D-FB66-47A0-B628-5ADE822A2CFF}"/>
+              </a:ext>
+            </a:extLst>
+          </p:cNvPr>
+          <p:cNvSpPr>
+            <a:spLocks noGrp="1"/>
+          </p:cNvSpPr>
+          <p:nvPr>
+            <p:ph type="body" sz="quarter" idx="18"/>
+          </p:nvPr>
+        </p:nvSpPr>
+        <p:spPr>
+          <a:xfrm>
+            <a:off x="1485899" y="4319431"/>
+            <a:ext cx="4031945" cy="365125"/>
+          </a:xfrm>
+        </p:spPr>
+        <p:txBody>
+          <a:bodyPr>
+            <a:normAutofit lnSpcReduction="10000"/>
+          </a:bodyPr>
+          <a:lstStyle/>
+          <a:p>
+            <a:r>
+              <a:rPr lang="en-US" dirty="0"/>
+              <a:t>COST SAVINGS</a:t>
+            </a:r>
+          </a:p>
+        </p:txBody>
+      </p:sp>
+      <p:sp>
+        <p:nvSpPr>
+          <p:cNvPr id="8" name="Text Placeholder 7">
+            <a:extLst>
+              <a:ext uri="{FF2B5EF4-FFF2-40B4-BE49-F238E27FC236}">
+                <a16:creationId xmlns:a16="http://schemas.microsoft.com/office/drawing/2014/main" id="{51C26CE0-2506-4B44-A26F-C12BFA5B18B5}"/>
+              </a:ext>
+            </a:extLst>
+          </p:cNvPr>
+          <p:cNvSpPr>
+            <a:spLocks noGrp="1"/>
+          </p:cNvSpPr>
+          <p:nvPr>
+            <p:ph type="body" sz="quarter" idx="19"/>
+          </p:nvPr>
+        </p:nvSpPr>
+        <p:spPr>
+          <a:xfrm>
+            <a:off x="1486412" y="4826656"/>
+            <a:ext cx="4031030" cy="1057308"/>
           </a:xfrm>
         </p:spPr>
         <p:txBody>
@@ -27950,31 +28432,69 @@
           <a:p>
             <a:r>
               <a:rPr lang="en-US" dirty="0"/>
-              <a:t>COSTS</a:t>
-            </a:r>
-          </a:p>
-        </p:txBody>
-      </p:sp>
-      <p:sp>
-        <p:nvSpPr>
-          <p:cNvPr id="7" name="Text Placeholder 6">
-            <a:extLst>
-              <a:ext uri="{FF2B5EF4-FFF2-40B4-BE49-F238E27FC236}">
-                <a16:creationId xmlns:a16="http://schemas.microsoft.com/office/drawing/2014/main" id="{D7EB25CA-DA83-483D-AF83-0001BDF2DE2B}"/>
-              </a:ext>
-            </a:extLst>
-          </p:cNvPr>
-          <p:cNvSpPr>
-            <a:spLocks noGrp="1"/>
-          </p:cNvSpPr>
-          <p:nvPr>
-            <p:ph type="body" sz="quarter" idx="17"/>
-          </p:nvPr>
-        </p:nvSpPr>
-        <p:spPr>
-          <a:xfrm>
-            <a:off x="4401535" y="1594478"/>
-            <a:ext cx="5539095" cy="1010842"/>
+              <a:t>Reduce expenses for replacement products </a:t>
+            </a:r>
+          </a:p>
+          <a:p>
+            <a:endParaRPr lang="en-US" dirty="0"/>
+          </a:p>
+        </p:txBody>
+      </p:sp>
+      <p:sp>
+        <p:nvSpPr>
+          <p:cNvPr id="9" name="Text Placeholder 8">
+            <a:extLst>
+              <a:ext uri="{FF2B5EF4-FFF2-40B4-BE49-F238E27FC236}">
+                <a16:creationId xmlns:a16="http://schemas.microsoft.com/office/drawing/2014/main" id="{868F40F8-BF35-45E9-B3DD-5436362D746E}"/>
+              </a:ext>
+            </a:extLst>
+          </p:cNvPr>
+          <p:cNvSpPr>
+            <a:spLocks noGrp="1"/>
+          </p:cNvSpPr>
+          <p:nvPr>
+            <p:ph type="body" sz="quarter" idx="23"/>
+          </p:nvPr>
+        </p:nvSpPr>
+        <p:spPr>
+          <a:xfrm>
+            <a:off x="6672630" y="4319431"/>
+            <a:ext cx="4031945" cy="365125"/>
+          </a:xfrm>
+        </p:spPr>
+        <p:txBody>
+          <a:bodyPr>
+            <a:normAutofit lnSpcReduction="10000"/>
+          </a:bodyPr>
+          <a:lstStyle/>
+          <a:p>
+            <a:r>
+              <a:rPr lang="en-US" dirty="0"/>
+              <a:t>EASY TO USE</a:t>
+            </a:r>
+          </a:p>
+        </p:txBody>
+      </p:sp>
+      <p:sp>
+        <p:nvSpPr>
+          <p:cNvPr id="10" name="Text Placeholder 9">
+            <a:extLst>
+              <a:ext uri="{FF2B5EF4-FFF2-40B4-BE49-F238E27FC236}">
+                <a16:creationId xmlns:a16="http://schemas.microsoft.com/office/drawing/2014/main" id="{7F39C97C-2DDC-4706-B96C-B02FAE53A426}"/>
+              </a:ext>
+            </a:extLst>
+          </p:cNvPr>
+          <p:cNvSpPr>
+            <a:spLocks noGrp="1"/>
+          </p:cNvSpPr>
+          <p:nvPr>
+            <p:ph type="body" sz="quarter" idx="24"/>
+          </p:nvPr>
+        </p:nvSpPr>
+        <p:spPr>
+          <a:xfrm>
+            <a:off x="6673143" y="4826656"/>
+            <a:ext cx="4031030" cy="1057308"/>
           </a:xfrm>
         </p:spPr>
         <p:txBody>
@@ -27983,34 +28503,31 @@
           <a:p>
             <a:r>
               <a:rPr lang="en-US" dirty="0"/>
-              <a:t>Few, if any, products on the market help customers like we do</a:t>
-            </a:r>
-          </a:p>
-          <a:p>
-            <a:endParaRPr lang="en-US" dirty="0"/>
-          </a:p>
-        </p:txBody>
-      </p:sp>
-      <p:sp>
-        <p:nvSpPr>
-          <p:cNvPr id="8" name="Text Placeholder 7">
-            <a:extLst>
-              <a:ext uri="{FF2B5EF4-FFF2-40B4-BE49-F238E27FC236}">
-                <a16:creationId xmlns:a16="http://schemas.microsoft.com/office/drawing/2014/main" id="{B46CE8C6-E12D-4A0D-8553-7FFA31941D56}"/>
-              </a:ext>
-            </a:extLst>
-          </p:cNvPr>
-          <p:cNvSpPr>
-            <a:spLocks noGrp="1"/>
-          </p:cNvSpPr>
-          <p:nvPr>
-            <p:ph type="body" sz="quarter" idx="18"/>
-          </p:nvPr>
-        </p:nvSpPr>
-        <p:spPr>
-          <a:xfrm>
-            <a:off x="4986028" y="2682564"/>
-            <a:ext cx="5539095" cy="1010842"/>
+              <a:t>Simple design that gives customers the targeted information they need</a:t>
+            </a:r>
+          </a:p>
+        </p:txBody>
+      </p:sp>
+      <p:sp>
+        <p:nvSpPr>
+          <p:cNvPr id="81" name="Footer Placeholder 80">
+            <a:extLst>
+              <a:ext uri="{FF2B5EF4-FFF2-40B4-BE49-F238E27FC236}">
+                <a16:creationId xmlns:a16="http://schemas.microsoft.com/office/drawing/2014/main" id="{E94F1D24-E4A1-4B59-B57E-A28453963B88}"/>
+              </a:ext>
+            </a:extLst>
+          </p:cNvPr>
+          <p:cNvSpPr>
+            <a:spLocks noGrp="1"/>
+          </p:cNvSpPr>
+          <p:nvPr>
+            <p:ph type="ftr" sz="quarter" idx="21"/>
+          </p:nvPr>
+        </p:nvSpPr>
+        <p:spPr>
+          <a:xfrm>
+            <a:off x="4038600" y="6356350"/>
+            <a:ext cx="4114800" cy="365125"/>
           </a:xfrm>
         </p:spPr>
         <p:txBody>
@@ -28019,114 +28536,6 @@
           <a:p>
             <a:r>
               <a:rPr lang="en-US" dirty="0"/>
-              <a:t>66% of US consumers spend money on multiple products that only partially resolves their issue</a:t>
-            </a:r>
-          </a:p>
-          <a:p>
-            <a:endParaRPr lang="en-US" dirty="0"/>
-          </a:p>
-        </p:txBody>
-      </p:sp>
-      <p:sp>
-        <p:nvSpPr>
-          <p:cNvPr id="9" name="Text Placeholder 8">
-            <a:extLst>
-              <a:ext uri="{FF2B5EF4-FFF2-40B4-BE49-F238E27FC236}">
-                <a16:creationId xmlns:a16="http://schemas.microsoft.com/office/drawing/2014/main" id="{1C7D5285-85DF-4331-A6FA-1AE847CA47AE}"/>
-              </a:ext>
-            </a:extLst>
-          </p:cNvPr>
-          <p:cNvSpPr>
-            <a:spLocks noGrp="1"/>
-          </p:cNvSpPr>
-          <p:nvPr>
-            <p:ph type="body" sz="quarter" idx="19"/>
-          </p:nvPr>
-        </p:nvSpPr>
-        <p:spPr>
-          <a:xfrm>
-            <a:off x="5576937" y="3755394"/>
-            <a:ext cx="5539095" cy="1010842"/>
-          </a:xfrm>
-        </p:spPr>
-        <p:txBody>
-          <a:bodyPr/>
-          <a:lstStyle/>
-          <a:p>
-            <a:r>
-              <a:rPr lang="en-US" dirty="0"/>
-              <a:t>Millennials account for about a quarter of the $48 billion spent on other products in 2018</a:t>
-            </a:r>
-          </a:p>
-          <a:p>
-            <a:endParaRPr lang="en-US" dirty="0"/>
-          </a:p>
-        </p:txBody>
-      </p:sp>
-      <p:sp>
-        <p:nvSpPr>
-          <p:cNvPr id="10" name="Text Placeholder 9">
-            <a:extLst>
-              <a:ext uri="{FF2B5EF4-FFF2-40B4-BE49-F238E27FC236}">
-                <a16:creationId xmlns:a16="http://schemas.microsoft.com/office/drawing/2014/main" id="{02D305EF-9A88-496B-BFC1-D589A01EE381}"/>
-              </a:ext>
-            </a:extLst>
-          </p:cNvPr>
-          <p:cNvSpPr>
-            <a:spLocks noGrp="1"/>
-          </p:cNvSpPr>
-          <p:nvPr>
-            <p:ph type="body" sz="quarter" idx="20"/>
-          </p:nvPr>
-        </p:nvSpPr>
-        <p:spPr>
-          <a:xfrm>
-            <a:off x="6175279" y="4824430"/>
-            <a:ext cx="5539095" cy="1010842"/>
-          </a:xfrm>
-        </p:spPr>
-        <p:txBody>
-          <a:bodyPr/>
-          <a:lstStyle/>
-          <a:p>
-            <a:r>
-              <a:rPr lang="en-US" dirty="0"/>
-              <a:t>Loss of productivity costing consumers thousands of dollars </a:t>
-            </a:r>
-          </a:p>
-          <a:p>
-            <a:endParaRPr lang="en-US" dirty="0"/>
-          </a:p>
-        </p:txBody>
-      </p:sp>
-      <p:sp>
-        <p:nvSpPr>
-          <p:cNvPr id="12" name="Footer Placeholder 11">
-            <a:extLst>
-              <a:ext uri="{FF2B5EF4-FFF2-40B4-BE49-F238E27FC236}">
-                <a16:creationId xmlns:a16="http://schemas.microsoft.com/office/drawing/2014/main" id="{7312B71A-5E84-41DE-9754-5F6291F6DFB7}"/>
-              </a:ext>
-            </a:extLst>
-          </p:cNvPr>
-          <p:cNvSpPr>
-            <a:spLocks noGrp="1"/>
-          </p:cNvSpPr>
-          <p:nvPr>
-            <p:ph type="ftr" sz="quarter" idx="11"/>
-          </p:nvPr>
-        </p:nvSpPr>
-        <p:spPr>
-          <a:xfrm>
-            <a:off x="6155823" y="6356350"/>
-            <a:ext cx="1808712" cy="365125"/>
-          </a:xfrm>
-        </p:spPr>
-        <p:txBody>
-          <a:bodyPr/>
-          <a:lstStyle/>
-          <a:p>
-            <a:r>
-              <a:rPr lang="en-US" dirty="0"/>
               <a:t>Pitch Deck</a:t>
             </a:r>
           </a:p>
@@ -28134,24 +28543,24 @@
       </p:sp>
       <p:sp>
         <p:nvSpPr>
-          <p:cNvPr id="13" name="Slide Number Placeholder 12">
-            <a:extLst>
-              <a:ext uri="{FF2B5EF4-FFF2-40B4-BE49-F238E27FC236}">
-                <a16:creationId xmlns:a16="http://schemas.microsoft.com/office/drawing/2014/main" id="{E3984D70-BD95-4E1F-9725-902B5D74DED6}"/>
-              </a:ext>
-            </a:extLst>
-          </p:cNvPr>
-          <p:cNvSpPr>
-            <a:spLocks noGrp="1"/>
-          </p:cNvSpPr>
-          <p:nvPr>
-            <p:ph type="sldNum" sz="quarter" idx="12"/>
-          </p:nvPr>
-        </p:nvSpPr>
-        <p:spPr>
-          <a:xfrm>
-            <a:off x="10810874" y="6356350"/>
-            <a:ext cx="542925" cy="365125"/>
+          <p:cNvPr id="82" name="Slide Number Placeholder 81">
+            <a:extLst>
+              <a:ext uri="{FF2B5EF4-FFF2-40B4-BE49-F238E27FC236}">
+                <a16:creationId xmlns:a16="http://schemas.microsoft.com/office/drawing/2014/main" id="{CE36A058-BEC2-4BC5-A467-F2EB2A365051}"/>
+              </a:ext>
+            </a:extLst>
+          </p:cNvPr>
+          <p:cNvSpPr>
+            <a:spLocks noGrp="1"/>
+          </p:cNvSpPr>
+          <p:nvPr>
+            <p:ph type="sldNum" sz="quarter" idx="22"/>
+          </p:nvPr>
+        </p:nvSpPr>
+        <p:spPr>
+          <a:xfrm>
+            <a:off x="8610600" y="6356350"/>
+            <a:ext cx="2743200" cy="365125"/>
           </a:xfrm>
         </p:spPr>
         <p:txBody>
@@ -28161,7 +28570,7 @@
             <a:fld id="{B5CEABB6-07DC-46E8-9B57-56EC44A396E5}" type="slidenum">
               <a:rPr lang="en-US" smtClean="0"/>
               <a:pPr/>
-              <a:t>3</a:t>
+              <a:t>4</a:t>
             </a:fld>
             <a:endParaRPr lang="en-US" dirty="0"/>
           </a:p>
@@ -28170,7 +28579,7 @@
     </p:spTree>
     <p:extLst>
       <p:ext uri="{BB962C8B-B14F-4D97-AF65-F5344CB8AC3E}">
-        <p14:creationId xmlns:p14="http://schemas.microsoft.com/office/powerpoint/2010/main" val="1738561688"/>
+        <p14:creationId xmlns:p14="http://schemas.microsoft.com/office/powerpoint/2010/main" val="1593920805"/>
       </p:ext>
     </p:extLst>
   </p:cSld>
@@ -28180,7 +28589,7 @@
 </p:sld>
 </file>
 
-<file path=ppt/slides/slide413.xml><?xml version="1.0" encoding="utf-8"?>
+<file path=ppt/slides/slide5.xml><?xml version="1.0" encoding="utf-8"?>
 <p:sld xmlns:a="http://schemas.openxmlformats.org/drawingml/2006/main" xmlns:r="http://schemas.openxmlformats.org/officeDocument/2006/relationships" xmlns:p="http://schemas.openxmlformats.org/presentationml/2006/main">
   <p:cSld>
     <p:spTree>
@@ -28215,8 +28624,8 @@
         </p:nvSpPr>
         <p:spPr>
           <a:xfrm>
-            <a:off x="1885156" y="892177"/>
-            <a:ext cx="8421688" cy="1325563"/>
+            <a:off x="1508760" y="4156405"/>
+            <a:ext cx="3139440" cy="1325563"/>
           </a:xfrm>
         </p:spPr>
         <p:txBody>
@@ -28225,7 +28634,7 @@
           <a:p>
             <a:r>
               <a:rPr lang="en-US" dirty="0"/>
-              <a:t>SOLUTION</a:t>
+              <a:t>PRODUCT OVERVIEW</a:t>
             </a:r>
           </a:p>
         </p:txBody>
@@ -28248,8 +28657,8 @@
         </p:nvSpPr>
         <p:spPr>
           <a:xfrm>
-            <a:off x="1485900" y="2563123"/>
-            <a:ext cx="4031945" cy="365125"/>
+            <a:off x="5922254" y="1530635"/>
+            <a:ext cx="5433204" cy="365125"/>
           </a:xfrm>
         </p:spPr>
         <p:txBody>
@@ -28260,7 +28669,7 @@
           <a:p>
             <a:r>
               <a:rPr lang="en-US" dirty="0"/>
-              <a:t>CLOSE THE GAP</a:t>
+              <a:t>UNIQUE</a:t>
             </a:r>
           </a:p>
         </p:txBody>
@@ -28283,18 +28692,21 @@
         </p:nvSpPr>
         <p:spPr>
           <a:xfrm>
-            <a:off x="1485664" y="3070348"/>
-            <a:ext cx="4031030" cy="1057308"/>
-          </a:xfrm>
-        </p:spPr>
-        <p:txBody>
-          <a:bodyPr/>
+            <a:off x="5921828" y="1860060"/>
+            <a:ext cx="5431971" cy="557950"/>
+          </a:xfrm>
+        </p:spPr>
+        <p:txBody>
+          <a:bodyPr>
+            <a:normAutofit/>
+          </a:bodyPr>
           <a:lstStyle/>
           <a:p>
             <a:r>
-              <a:rPr lang="en-US" dirty="0"/>
-              <a:t>Our product makes consumer lives easier, and no other product on the market offers the same features</a:t>
-            </a:r>
+              <a:rPr lang="en-ZA" dirty="0"/>
+              <a:t>Only product specifically dedicated to this niche market</a:t>
+            </a:r>
+            <a:endParaRPr lang="en-US" dirty="0"/>
           </a:p>
         </p:txBody>
       </p:sp>
@@ -28311,13 +28723,13 @@
             <a:spLocks noGrp="1"/>
           </p:cNvSpPr>
           <p:nvPr>
-            <p:ph type="body" sz="quarter" idx="16"/>
-          </p:nvPr>
-        </p:nvSpPr>
-        <p:spPr>
-          <a:xfrm>
-            <a:off x="6673004" y="2563123"/>
-            <a:ext cx="4031945" cy="365125"/>
+            <p:ph type="body" sz="quarter" idx="23"/>
+          </p:nvPr>
+        </p:nvSpPr>
+        <p:spPr>
+          <a:xfrm>
+            <a:off x="5922254" y="2630431"/>
+            <a:ext cx="5433204" cy="365125"/>
           </a:xfrm>
         </p:spPr>
         <p:txBody>
@@ -28328,7 +28740,7 @@
           <a:p>
             <a:r>
               <a:rPr lang="en-US" dirty="0"/>
-              <a:t>TARGET AUDIENCE</a:t>
+              <a:t>FIRST TO MARKET</a:t>
             </a:r>
           </a:p>
         </p:txBody>
@@ -28346,13 +28758,13 @@
             <a:spLocks noGrp="1"/>
           </p:cNvSpPr>
           <p:nvPr>
-            <p:ph type="body" sz="quarter" idx="17"/>
-          </p:nvPr>
-        </p:nvSpPr>
-        <p:spPr>
-          <a:xfrm>
-            <a:off x="6673143" y="3070348"/>
-            <a:ext cx="4031030" cy="1057308"/>
+            <p:ph type="body" sz="quarter" idx="24"/>
+          </p:nvPr>
+        </p:nvSpPr>
+        <p:spPr>
+          <a:xfrm>
+            <a:off x="5921828" y="2959856"/>
+            <a:ext cx="5431971" cy="557950"/>
           </a:xfrm>
         </p:spPr>
         <p:txBody>
@@ -28360,12 +28772,9 @@
           <a:lstStyle/>
           <a:p>
             <a:r>
-              <a:rPr lang="en-US" dirty="0"/>
-              <a:t>Our target audience is Gen Z (18-25 years old)</a:t>
-            </a:r>
-          </a:p>
-          <a:p>
-            <a:endParaRPr lang="en-US" dirty="0"/>
+              <a:rPr lang="en-ZA" dirty="0"/>
+              <a:t>First beautifully designed product that's both stylish and functional</a:t>
+            </a:r>
           </a:p>
         </p:txBody>
       </p:sp>
@@ -28382,13 +28791,13 @@
             <a:spLocks noGrp="1"/>
           </p:cNvSpPr>
           <p:nvPr>
-            <p:ph type="body" sz="quarter" idx="18"/>
-          </p:nvPr>
-        </p:nvSpPr>
-        <p:spPr>
-          <a:xfrm>
-            <a:off x="1485899" y="4319431"/>
-            <a:ext cx="4031945" cy="365125"/>
+            <p:ph type="body" sz="quarter" idx="25"/>
+          </p:nvPr>
+        </p:nvSpPr>
+        <p:spPr>
+          <a:xfrm>
+            <a:off x="5922254" y="3730227"/>
+            <a:ext cx="5433204" cy="365125"/>
           </a:xfrm>
         </p:spPr>
         <p:txBody>
@@ -28399,7 +28808,7 @@
           <a:p>
             <a:r>
               <a:rPr lang="en-US" dirty="0"/>
-              <a:t>COST SAVINGS</a:t>
+              <a:t>TESTED </a:t>
             </a:r>
           </a:p>
         </p:txBody>
@@ -28417,13 +28826,13 @@
             <a:spLocks noGrp="1"/>
           </p:cNvSpPr>
           <p:nvPr>
-            <p:ph type="body" sz="quarter" idx="19"/>
-          </p:nvPr>
-        </p:nvSpPr>
-        <p:spPr>
-          <a:xfrm>
-            <a:off x="1486412" y="4826656"/>
-            <a:ext cx="4031030" cy="1057308"/>
+            <p:ph type="body" sz="quarter" idx="26"/>
+          </p:nvPr>
+        </p:nvSpPr>
+        <p:spPr>
+          <a:xfrm>
+            <a:off x="5921828" y="4059652"/>
+            <a:ext cx="5431971" cy="557950"/>
           </a:xfrm>
         </p:spPr>
         <p:txBody>
@@ -28431,11 +28840,9 @@
           <a:lstStyle/>
           <a:p>
             <a:r>
-              <a:rPr lang="en-US" dirty="0"/>
-              <a:t>Reduce expenses for replacement products </a:t>
-            </a:r>
-          </a:p>
-          <a:p>
+              <a:rPr lang="en-ZA" dirty="0"/>
+              <a:t>Conducted testing with college students in the area</a:t>
+            </a:r>
             <a:endParaRPr lang="en-US" dirty="0"/>
           </a:p>
         </p:txBody>
@@ -28453,13 +28860,13 @@
             <a:spLocks noGrp="1"/>
           </p:cNvSpPr>
           <p:nvPr>
-            <p:ph type="body" sz="quarter" idx="23"/>
-          </p:nvPr>
-        </p:nvSpPr>
-        <p:spPr>
-          <a:xfrm>
-            <a:off x="6672630" y="4319431"/>
-            <a:ext cx="4031945" cy="365125"/>
+            <p:ph type="body" sz="quarter" idx="27"/>
+          </p:nvPr>
+        </p:nvSpPr>
+        <p:spPr>
+          <a:xfrm>
+            <a:off x="5920106" y="4830024"/>
+            <a:ext cx="5433204" cy="365125"/>
           </a:xfrm>
         </p:spPr>
         <p:txBody>
@@ -28470,7 +28877,7 @@
           <a:p>
             <a:r>
               <a:rPr lang="en-US" dirty="0"/>
-              <a:t>EASY TO USE</a:t>
+              <a:t>AUTHENTIC</a:t>
             </a:r>
           </a:p>
         </p:txBody>
@@ -28488,13 +28895,13 @@
             <a:spLocks noGrp="1"/>
           </p:cNvSpPr>
           <p:nvPr>
-            <p:ph type="body" sz="quarter" idx="24"/>
-          </p:nvPr>
-        </p:nvSpPr>
-        <p:spPr>
-          <a:xfrm>
-            <a:off x="6673143" y="4826656"/>
-            <a:ext cx="4031030" cy="1057308"/>
+            <p:ph type="body" sz="quarter" idx="28"/>
+          </p:nvPr>
+        </p:nvSpPr>
+        <p:spPr>
+          <a:xfrm>
+            <a:off x="5919680" y="5159449"/>
+            <a:ext cx="5431971" cy="557950"/>
           </a:xfrm>
         </p:spPr>
         <p:txBody>
@@ -28502,18 +28909,19 @@
           <a:lstStyle/>
           <a:p>
             <a:r>
-              <a:rPr lang="en-US" dirty="0"/>
-              <a:t>Simple design that gives customers the targeted information they need</a:t>
-            </a:r>
-          </a:p>
-        </p:txBody>
-      </p:sp>
-      <p:sp>
-        <p:nvSpPr>
-          <p:cNvPr id="81" name="Footer Placeholder 80">
-            <a:extLst>
-              <a:ext uri="{FF2B5EF4-FFF2-40B4-BE49-F238E27FC236}">
-                <a16:creationId xmlns:a16="http://schemas.microsoft.com/office/drawing/2014/main" id="{E94F1D24-E4A1-4B59-B57E-A28453963B88}"/>
+              <a:rPr lang="en-ZA" dirty="0"/>
+              <a:t>Designed with the help and input of experts in the field </a:t>
+            </a:r>
+            <a:endParaRPr lang="en-US" dirty="0"/>
+          </a:p>
+        </p:txBody>
+      </p:sp>
+      <p:sp>
+        <p:nvSpPr>
+          <p:cNvPr id="21" name="Footer Placeholder 20">
+            <a:extLst>
+              <a:ext uri="{FF2B5EF4-FFF2-40B4-BE49-F238E27FC236}">
+                <a16:creationId xmlns:a16="http://schemas.microsoft.com/office/drawing/2014/main" id="{7E44CAC0-3B5A-49F6-A2CB-0BC80D111A87}"/>
               </a:ext>
             </a:extLst>
           </p:cNvPr>
@@ -28526,8 +28934,8 @@
         </p:nvSpPr>
         <p:spPr>
           <a:xfrm>
-            <a:off x="4038600" y="6356350"/>
-            <a:ext cx="4114800" cy="365125"/>
+            <a:off x="7161955" y="6356350"/>
+            <a:ext cx="3243942" cy="365125"/>
           </a:xfrm>
         </p:spPr>
         <p:txBody>
@@ -28543,10 +28951,10 @@
       </p:sp>
       <p:sp>
         <p:nvSpPr>
-          <p:cNvPr id="82" name="Slide Number Placeholder 81">
-            <a:extLst>
-              <a:ext uri="{FF2B5EF4-FFF2-40B4-BE49-F238E27FC236}">
-                <a16:creationId xmlns:a16="http://schemas.microsoft.com/office/drawing/2014/main" id="{CE36A058-BEC2-4BC5-A467-F2EB2A365051}"/>
+          <p:cNvPr id="22" name="Slide Number Placeholder 21">
+            <a:extLst>
+              <a:ext uri="{FF2B5EF4-FFF2-40B4-BE49-F238E27FC236}">
+                <a16:creationId xmlns:a16="http://schemas.microsoft.com/office/drawing/2014/main" id="{5D1BD041-3428-4D62-934F-F3FF6D36F90F}"/>
               </a:ext>
             </a:extLst>
           </p:cNvPr>
@@ -28559,8 +28967,8 @@
         </p:nvSpPr>
         <p:spPr>
           <a:xfrm>
-            <a:off x="8610600" y="6356350"/>
-            <a:ext cx="2743200" cy="365125"/>
+            <a:off x="10700656" y="6356350"/>
+            <a:ext cx="653143" cy="365125"/>
           </a:xfrm>
         </p:spPr>
         <p:txBody>
@@ -28570,7 +28978,7 @@
             <a:fld id="{B5CEABB6-07DC-46E8-9B57-56EC44A396E5}" type="slidenum">
               <a:rPr lang="en-US" smtClean="0"/>
               <a:pPr/>
-              <a:t>4</a:t>
+              <a:t>5</a:t>
             </a:fld>
             <a:endParaRPr lang="en-US" dirty="0"/>
           </a:p>
@@ -28579,7 +28987,7 @@
     </p:spTree>
     <p:extLst>
       <p:ext uri="{BB962C8B-B14F-4D97-AF65-F5344CB8AC3E}">
-        <p14:creationId xmlns:p14="http://schemas.microsoft.com/office/powerpoint/2010/main" val="1593920805"/>
+        <p14:creationId xmlns:p14="http://schemas.microsoft.com/office/powerpoint/2010/main" val="1844941827"/>
       </p:ext>
     </p:extLst>
   </p:cSld>
@@ -28589,7 +28997,7 @@
 </p:sld>
 </file>
 
-<file path=ppt/slides/slide511.xml><?xml version="1.0" encoding="utf-8"?>
+<file path=ppt/slides/slide6.xml><?xml version="1.0" encoding="utf-8"?>
 <p:sld xmlns:a="http://schemas.openxmlformats.org/drawingml/2006/main" xmlns:r="http://schemas.openxmlformats.org/officeDocument/2006/relationships" xmlns:p="http://schemas.openxmlformats.org/presentationml/2006/main">
   <p:cSld>
     <p:spTree>
@@ -28611,7 +29019,7 @@
           <p:cNvPr id="2" name="Title 1">
             <a:extLst>
               <a:ext uri="{FF2B5EF4-FFF2-40B4-BE49-F238E27FC236}">
-                <a16:creationId xmlns:a16="http://schemas.microsoft.com/office/drawing/2014/main" id="{75031FE9-9059-4FE8-B4AC-9771F23A1B89}"/>
+                <a16:creationId xmlns:a16="http://schemas.microsoft.com/office/drawing/2014/main" id="{537E1C88-627C-4655-A4FB-0BB02EDB078A}"/>
               </a:ext>
             </a:extLst>
           </p:cNvPr>
@@ -28624,8 +29032,8 @@
         </p:nvSpPr>
         <p:spPr>
           <a:xfrm>
-            <a:off x="1508760" y="4156405"/>
-            <a:ext cx="3139440" cy="1325563"/>
+            <a:off x="1362075" y="1671639"/>
+            <a:ext cx="5111750" cy="1204912"/>
           </a:xfrm>
         </p:spPr>
         <p:txBody>
@@ -28634,7 +29042,7 @@
           <a:p>
             <a:r>
               <a:rPr lang="en-US" dirty="0"/>
-              <a:t>PRODUCT OVERVIEW</a:t>
+              <a:t>PRODUCT BENEFITS</a:t>
             </a:r>
           </a:p>
         </p:txBody>
@@ -28644,127 +29052,68 @@
           <p:cNvPr id="3" name="Content Placeholder 2">
             <a:extLst>
               <a:ext uri="{FF2B5EF4-FFF2-40B4-BE49-F238E27FC236}">
-                <a16:creationId xmlns:a16="http://schemas.microsoft.com/office/drawing/2014/main" id="{D4A2EB3F-4D60-451F-8F45-7D6654D2FCD9}"/>
-              </a:ext>
-            </a:extLst>
-          </p:cNvPr>
-          <p:cNvSpPr>
-            <a:spLocks noGrp="1"/>
-          </p:cNvSpPr>
-          <p:nvPr>
-            <p:ph type="body" sz="quarter" idx="13"/>
-          </p:nvPr>
-        </p:nvSpPr>
-        <p:spPr>
-          <a:xfrm>
-            <a:off x="5922254" y="1530635"/>
-            <a:ext cx="5433204" cy="365125"/>
+                <a16:creationId xmlns:a16="http://schemas.microsoft.com/office/drawing/2014/main" id="{033634FE-ADF0-4BC3-A0A9-447EA9DD096B}"/>
+              </a:ext>
+            </a:extLst>
+          </p:cNvPr>
+          <p:cNvSpPr>
+            <a:spLocks noGrp="1"/>
+          </p:cNvSpPr>
+          <p:nvPr>
+            <p:ph type="body" idx="1"/>
+          </p:nvPr>
+        </p:nvSpPr>
+        <p:spPr>
+          <a:xfrm>
+            <a:off x="1362075" y="3660774"/>
+            <a:ext cx="5111750" cy="1525588"/>
           </a:xfrm>
         </p:spPr>
         <p:txBody>
           <a:bodyPr vert="horz" lIns="91440" tIns="45720" rIns="91440" bIns="45720" rtlCol="0" anchor="t">
-            <a:normAutofit lnSpcReduction="10000"/>
-          </a:bodyPr>
-          <a:lstStyle/>
-          <a:p>
-            <a:r>
-              <a:rPr lang="en-US" dirty="0"/>
-              <a:t>UNIQUE</a:t>
-            </a:r>
-          </a:p>
-        </p:txBody>
-      </p:sp>
-      <p:sp>
-        <p:nvSpPr>
-          <p:cNvPr id="4" name="Text Placeholder 3">
-            <a:extLst>
-              <a:ext uri="{FF2B5EF4-FFF2-40B4-BE49-F238E27FC236}">
-                <a16:creationId xmlns:a16="http://schemas.microsoft.com/office/drawing/2014/main" id="{AC1C80FB-53F9-42EE-B1E6-D0F998EC5DFA}"/>
-              </a:ext>
-            </a:extLst>
-          </p:cNvPr>
-          <p:cNvSpPr>
-            <a:spLocks noGrp="1"/>
-          </p:cNvSpPr>
-          <p:nvPr>
-            <p:ph type="body" sz="quarter" idx="15"/>
-          </p:nvPr>
-        </p:nvSpPr>
-        <p:spPr>
-          <a:xfrm>
-            <a:off x="5921828" y="1860060"/>
-            <a:ext cx="5431971" cy="557950"/>
-          </a:xfrm>
-        </p:spPr>
-        <p:txBody>
-          <a:bodyPr>
             <a:normAutofit/>
           </a:bodyPr>
           <a:lstStyle/>
           <a:p>
             <a:r>
               <a:rPr lang="en-ZA" dirty="0"/>
-              <a:t>Only product specifically dedicated to this niche market</a:t>
-            </a:r>
-            <a:endParaRPr lang="en-US" dirty="0"/>
-          </a:p>
-        </p:txBody>
-      </p:sp>
-      <p:sp>
-        <p:nvSpPr>
-          <p:cNvPr id="5" name="Text Placeholder 4">
-            <a:extLst>
-              <a:ext uri="{FF2B5EF4-FFF2-40B4-BE49-F238E27FC236}">
-                <a16:creationId xmlns:a16="http://schemas.microsoft.com/office/drawing/2014/main" id="{E81BA2B5-6A90-4204-ABDD-7183FBB03A02}"/>
-              </a:ext>
-            </a:extLst>
-          </p:cNvPr>
-          <p:cNvSpPr>
-            <a:spLocks noGrp="1"/>
-          </p:cNvSpPr>
-          <p:nvPr>
-            <p:ph type="body" sz="quarter" idx="23"/>
-          </p:nvPr>
-        </p:nvSpPr>
-        <p:spPr>
-          <a:xfrm>
-            <a:off x="5922254" y="2630431"/>
-            <a:ext cx="5433204" cy="365125"/>
-          </a:xfrm>
-        </p:spPr>
-        <p:txBody>
-          <a:bodyPr>
-            <a:normAutofit lnSpcReduction="10000"/>
-          </a:bodyPr>
-          <a:lstStyle/>
-          <a:p>
-            <a:r>
-              <a:rPr lang="en-US" dirty="0"/>
-              <a:t>FIRST TO MARKET</a:t>
-            </a:r>
-          </a:p>
-        </p:txBody>
-      </p:sp>
-      <p:sp>
-        <p:nvSpPr>
-          <p:cNvPr id="6" name="Text Placeholder 5">
-            <a:extLst>
-              <a:ext uri="{FF2B5EF4-FFF2-40B4-BE49-F238E27FC236}">
-                <a16:creationId xmlns:a16="http://schemas.microsoft.com/office/drawing/2014/main" id="{7E7D4C34-22A0-4D54-A07D-E1E9A11463E5}"/>
-              </a:ext>
-            </a:extLst>
-          </p:cNvPr>
-          <p:cNvSpPr>
-            <a:spLocks noGrp="1"/>
-          </p:cNvSpPr>
-          <p:nvPr>
-            <p:ph type="body" sz="quarter" idx="24"/>
-          </p:nvPr>
-        </p:nvSpPr>
-        <p:spPr>
-          <a:xfrm>
-            <a:off x="5921828" y="2959856"/>
-            <a:ext cx="5431971" cy="557950"/>
+              <a:t>Cool and stylish product</a:t>
+            </a:r>
+          </a:p>
+          <a:p>
+            <a:r>
+              <a:rPr lang="en-ZA" noProof="1"/>
+              <a:t>Areas for community connections </a:t>
+            </a:r>
+          </a:p>
+          <a:p>
+            <a:r>
+              <a:rPr lang="en-ZA" noProof="1"/>
+              <a:t>Online store and market swap</a:t>
+            </a:r>
+          </a:p>
+        </p:txBody>
+      </p:sp>
+      <p:sp>
+        <p:nvSpPr>
+          <p:cNvPr id="5" name="Footer Placeholder 4">
+            <a:extLst>
+              <a:ext uri="{FF2B5EF4-FFF2-40B4-BE49-F238E27FC236}">
+                <a16:creationId xmlns:a16="http://schemas.microsoft.com/office/drawing/2014/main" id="{396A095E-DB05-47EC-A2D5-47398A4A00B4}"/>
+              </a:ext>
+            </a:extLst>
+          </p:cNvPr>
+          <p:cNvSpPr>
+            <a:spLocks noGrp="1"/>
+          </p:cNvSpPr>
+          <p:nvPr>
+            <p:ph type="ftr" sz="quarter" idx="11"/>
+          </p:nvPr>
+        </p:nvSpPr>
+        <p:spPr>
+          <a:xfrm>
+            <a:off x="5224463" y="6356350"/>
+            <a:ext cx="1743075" cy="365125"/>
           </a:xfrm>
         </p:spPr>
         <p:txBody>
@@ -28772,177 +29121,6 @@
           <a:lstStyle/>
           <a:p>
             <a:r>
-              <a:rPr lang="en-ZA" dirty="0"/>
-              <a:t>First beautifully designed product that's both stylish and functional</a:t>
-            </a:r>
-          </a:p>
-        </p:txBody>
-      </p:sp>
-      <p:sp>
-        <p:nvSpPr>
-          <p:cNvPr id="7" name="Text Placeholder 6">
-            <a:extLst>
-              <a:ext uri="{FF2B5EF4-FFF2-40B4-BE49-F238E27FC236}">
-                <a16:creationId xmlns:a16="http://schemas.microsoft.com/office/drawing/2014/main" id="{301D392D-FB66-47A0-B628-5ADE822A2CFF}"/>
-              </a:ext>
-            </a:extLst>
-          </p:cNvPr>
-          <p:cNvSpPr>
-            <a:spLocks noGrp="1"/>
-          </p:cNvSpPr>
-          <p:nvPr>
-            <p:ph type="body" sz="quarter" idx="25"/>
-          </p:nvPr>
-        </p:nvSpPr>
-        <p:spPr>
-          <a:xfrm>
-            <a:off x="5922254" y="3730227"/>
-            <a:ext cx="5433204" cy="365125"/>
-          </a:xfrm>
-        </p:spPr>
-        <p:txBody>
-          <a:bodyPr>
-            <a:normAutofit lnSpcReduction="10000"/>
-          </a:bodyPr>
-          <a:lstStyle/>
-          <a:p>
-            <a:r>
-              <a:rPr lang="en-US" dirty="0"/>
-              <a:t>TESTED </a:t>
-            </a:r>
-          </a:p>
-        </p:txBody>
-      </p:sp>
-      <p:sp>
-        <p:nvSpPr>
-          <p:cNvPr id="8" name="Text Placeholder 7">
-            <a:extLst>
-              <a:ext uri="{FF2B5EF4-FFF2-40B4-BE49-F238E27FC236}">
-                <a16:creationId xmlns:a16="http://schemas.microsoft.com/office/drawing/2014/main" id="{51C26CE0-2506-4B44-A26F-C12BFA5B18B5}"/>
-              </a:ext>
-            </a:extLst>
-          </p:cNvPr>
-          <p:cNvSpPr>
-            <a:spLocks noGrp="1"/>
-          </p:cNvSpPr>
-          <p:nvPr>
-            <p:ph type="body" sz="quarter" idx="26"/>
-          </p:nvPr>
-        </p:nvSpPr>
-        <p:spPr>
-          <a:xfrm>
-            <a:off x="5921828" y="4059652"/>
-            <a:ext cx="5431971" cy="557950"/>
-          </a:xfrm>
-        </p:spPr>
-        <p:txBody>
-          <a:bodyPr/>
-          <a:lstStyle/>
-          <a:p>
-            <a:r>
-              <a:rPr lang="en-ZA" dirty="0"/>
-              <a:t>Conducted testing with college students in the area</a:t>
-            </a:r>
-            <a:endParaRPr lang="en-US" dirty="0"/>
-          </a:p>
-        </p:txBody>
-      </p:sp>
-      <p:sp>
-        <p:nvSpPr>
-          <p:cNvPr id="9" name="Text Placeholder 8">
-            <a:extLst>
-              <a:ext uri="{FF2B5EF4-FFF2-40B4-BE49-F238E27FC236}">
-                <a16:creationId xmlns:a16="http://schemas.microsoft.com/office/drawing/2014/main" id="{868F40F8-BF35-45E9-B3DD-5436362D746E}"/>
-              </a:ext>
-            </a:extLst>
-          </p:cNvPr>
-          <p:cNvSpPr>
-            <a:spLocks noGrp="1"/>
-          </p:cNvSpPr>
-          <p:nvPr>
-            <p:ph type="body" sz="quarter" idx="27"/>
-          </p:nvPr>
-        </p:nvSpPr>
-        <p:spPr>
-          <a:xfrm>
-            <a:off x="5920106" y="4830024"/>
-            <a:ext cx="5433204" cy="365125"/>
-          </a:xfrm>
-        </p:spPr>
-        <p:txBody>
-          <a:bodyPr>
-            <a:normAutofit lnSpcReduction="10000"/>
-          </a:bodyPr>
-          <a:lstStyle/>
-          <a:p>
-            <a:r>
-              <a:rPr lang="en-US" dirty="0"/>
-              <a:t>AUTHENTIC</a:t>
-            </a:r>
-          </a:p>
-        </p:txBody>
-      </p:sp>
-      <p:sp>
-        <p:nvSpPr>
-          <p:cNvPr id="10" name="Text Placeholder 9">
-            <a:extLst>
-              <a:ext uri="{FF2B5EF4-FFF2-40B4-BE49-F238E27FC236}">
-                <a16:creationId xmlns:a16="http://schemas.microsoft.com/office/drawing/2014/main" id="{7F39C97C-2DDC-4706-B96C-B02FAE53A426}"/>
-              </a:ext>
-            </a:extLst>
-          </p:cNvPr>
-          <p:cNvSpPr>
-            <a:spLocks noGrp="1"/>
-          </p:cNvSpPr>
-          <p:nvPr>
-            <p:ph type="body" sz="quarter" idx="28"/>
-          </p:nvPr>
-        </p:nvSpPr>
-        <p:spPr>
-          <a:xfrm>
-            <a:off x="5919680" y="5159449"/>
-            <a:ext cx="5431971" cy="557950"/>
-          </a:xfrm>
-        </p:spPr>
-        <p:txBody>
-          <a:bodyPr/>
-          <a:lstStyle/>
-          <a:p>
-            <a:r>
-              <a:rPr lang="en-ZA" dirty="0"/>
-              <a:t>Designed with the help and input of experts in the field </a:t>
-            </a:r>
-            <a:endParaRPr lang="en-US" dirty="0"/>
-          </a:p>
-        </p:txBody>
-      </p:sp>
-      <p:sp>
-        <p:nvSpPr>
-          <p:cNvPr id="21" name="Footer Placeholder 20">
-            <a:extLst>
-              <a:ext uri="{FF2B5EF4-FFF2-40B4-BE49-F238E27FC236}">
-                <a16:creationId xmlns:a16="http://schemas.microsoft.com/office/drawing/2014/main" id="{7E44CAC0-3B5A-49F6-A2CB-0BC80D111A87}"/>
-              </a:ext>
-            </a:extLst>
-          </p:cNvPr>
-          <p:cNvSpPr>
-            <a:spLocks noGrp="1"/>
-          </p:cNvSpPr>
-          <p:nvPr>
-            <p:ph type="ftr" sz="quarter" idx="21"/>
-          </p:nvPr>
-        </p:nvSpPr>
-        <p:spPr>
-          <a:xfrm>
-            <a:off x="7161955" y="6356350"/>
-            <a:ext cx="3243942" cy="365125"/>
-          </a:xfrm>
-        </p:spPr>
-        <p:txBody>
-          <a:bodyPr/>
-          <a:lstStyle/>
-          <a:p>
-            <a:r>
               <a:rPr lang="en-US" dirty="0"/>
               <a:t>Pitch Deck</a:t>
             </a:r>
@@ -28951,24 +29129,24 @@
       </p:sp>
       <p:sp>
         <p:nvSpPr>
-          <p:cNvPr id="22" name="Slide Number Placeholder 21">
-            <a:extLst>
-              <a:ext uri="{FF2B5EF4-FFF2-40B4-BE49-F238E27FC236}">
-                <a16:creationId xmlns:a16="http://schemas.microsoft.com/office/drawing/2014/main" id="{5D1BD041-3428-4D62-934F-F3FF6D36F90F}"/>
-              </a:ext>
-            </a:extLst>
-          </p:cNvPr>
-          <p:cNvSpPr>
-            <a:spLocks noGrp="1"/>
-          </p:cNvSpPr>
-          <p:nvPr>
-            <p:ph type="sldNum" sz="quarter" idx="22"/>
-          </p:nvPr>
-        </p:nvSpPr>
-        <p:spPr>
-          <a:xfrm>
-            <a:off x="10700656" y="6356350"/>
-            <a:ext cx="653143" cy="365125"/>
+          <p:cNvPr id="6" name="Slide Number Placeholder 5">
+            <a:extLst>
+              <a:ext uri="{FF2B5EF4-FFF2-40B4-BE49-F238E27FC236}">
+                <a16:creationId xmlns:a16="http://schemas.microsoft.com/office/drawing/2014/main" id="{C23C3221-5F04-4CA7-A86A-EEA8566A1735}"/>
+              </a:ext>
+            </a:extLst>
+          </p:cNvPr>
+          <p:cNvSpPr>
+            <a:spLocks noGrp="1"/>
+          </p:cNvSpPr>
+          <p:nvPr>
+            <p:ph type="sldNum" sz="quarter" idx="12"/>
+          </p:nvPr>
+        </p:nvSpPr>
+        <p:spPr>
+          <a:xfrm>
+            <a:off x="8610600" y="6356350"/>
+            <a:ext cx="2743200" cy="365125"/>
           </a:xfrm>
         </p:spPr>
         <p:txBody>
@@ -28978,7 +29156,7 @@
             <a:fld id="{B5CEABB6-07DC-46E8-9B57-56EC44A396E5}" type="slidenum">
               <a:rPr lang="en-US" smtClean="0"/>
               <a:pPr/>
-              <a:t>5</a:t>
+              <a:t>6</a:t>
             </a:fld>
             <a:endParaRPr lang="en-US" dirty="0"/>
           </a:p>
@@ -28987,7 +29165,7 @@
     </p:spTree>
     <p:extLst>
       <p:ext uri="{BB962C8B-B14F-4D97-AF65-F5344CB8AC3E}">
-        <p14:creationId xmlns:p14="http://schemas.microsoft.com/office/powerpoint/2010/main" val="1844941827"/>
+        <p14:creationId xmlns:p14="http://schemas.microsoft.com/office/powerpoint/2010/main" val="1346372204"/>
       </p:ext>
     </p:extLst>
   </p:cSld>
@@ -28997,7 +29175,7 @@
 </p:sld>
 </file>
 
-<file path=ppt/slides/slide65.xml><?xml version="1.0" encoding="utf-8"?>
+<file path=ppt/slides/slide7.xml><?xml version="1.0" encoding="utf-8"?>
 <p:sld xmlns:a="http://schemas.openxmlformats.org/drawingml/2006/main" xmlns:r="http://schemas.openxmlformats.org/officeDocument/2006/relationships" xmlns:p="http://schemas.openxmlformats.org/presentationml/2006/main">
   <p:cSld>
     <p:spTree>
@@ -29019,21 +29197,21 @@
           <p:cNvPr id="2" name="Title 1">
             <a:extLst>
               <a:ext uri="{FF2B5EF4-FFF2-40B4-BE49-F238E27FC236}">
-                <a16:creationId xmlns:a16="http://schemas.microsoft.com/office/drawing/2014/main" id="{537E1C88-627C-4655-A4FB-0BB02EDB078A}"/>
-              </a:ext>
-            </a:extLst>
-          </p:cNvPr>
-          <p:cNvSpPr>
-            <a:spLocks noGrp="1"/>
-          </p:cNvSpPr>
-          <p:nvPr>
-            <p:ph type="title"/>
-          </p:nvPr>
-        </p:nvSpPr>
-        <p:spPr>
-          <a:xfrm>
-            <a:off x="1362075" y="1671639"/>
-            <a:ext cx="5111750" cy="1204912"/>
+                <a16:creationId xmlns:a16="http://schemas.microsoft.com/office/drawing/2014/main" id="{A29DE7F2-E890-4744-88DD-A75F5E300513}"/>
+              </a:ext>
+            </a:extLst>
+          </p:cNvPr>
+          <p:cNvSpPr>
+            <a:spLocks noGrp="1"/>
+          </p:cNvSpPr>
+          <p:nvPr>
+            <p:ph type="ctrTitle"/>
+          </p:nvPr>
+        </p:nvSpPr>
+        <p:spPr>
+          <a:xfrm>
+            <a:off x="6991350" y="2571235"/>
+            <a:ext cx="4179570" cy="1715531"/>
           </a:xfrm>
         </p:spPr>
         <p:txBody>
@@ -29042,130 +29220,15 @@
           <a:p>
             <a:r>
               <a:rPr lang="en-US" dirty="0"/>
-              <a:t>PRODUCT BENEFITS</a:t>
-            </a:r>
-          </a:p>
-        </p:txBody>
-      </p:sp>
-      <p:sp>
-        <p:nvSpPr>
-          <p:cNvPr id="3" name="Content Placeholder 2">
-            <a:extLst>
-              <a:ext uri="{FF2B5EF4-FFF2-40B4-BE49-F238E27FC236}">
-                <a16:creationId xmlns:a16="http://schemas.microsoft.com/office/drawing/2014/main" id="{033634FE-ADF0-4BC3-A0A9-447EA9DD096B}"/>
-              </a:ext>
-            </a:extLst>
-          </p:cNvPr>
-          <p:cNvSpPr>
-            <a:spLocks noGrp="1"/>
-          </p:cNvSpPr>
-          <p:nvPr>
-            <p:ph type="body" idx="1"/>
-          </p:nvPr>
-        </p:nvSpPr>
-        <p:spPr>
-          <a:xfrm>
-            <a:off x="1362075" y="3660774"/>
-            <a:ext cx="5111750" cy="1525588"/>
-          </a:xfrm>
-        </p:spPr>
-        <p:txBody>
-          <a:bodyPr vert="horz" lIns="91440" tIns="45720" rIns="91440" bIns="45720" rtlCol="0" anchor="t">
-            <a:normAutofit/>
-          </a:bodyPr>
-          <a:lstStyle/>
-          <a:p>
-            <a:r>
-              <a:rPr lang="en-ZA" dirty="0"/>
-              <a:t>Cool and stylish product</a:t>
-            </a:r>
-          </a:p>
-          <a:p>
-            <a:r>
-              <a:rPr lang="en-ZA" noProof="1"/>
-              <a:t>Areas for community connections </a:t>
-            </a:r>
-          </a:p>
-          <a:p>
-            <a:r>
-              <a:rPr lang="en-ZA" noProof="1"/>
-              <a:t>Online store and market swap</a:t>
-            </a:r>
-          </a:p>
-        </p:txBody>
-      </p:sp>
-      <p:sp>
-        <p:nvSpPr>
-          <p:cNvPr id="5" name="Footer Placeholder 4">
-            <a:extLst>
-              <a:ext uri="{FF2B5EF4-FFF2-40B4-BE49-F238E27FC236}">
-                <a16:creationId xmlns:a16="http://schemas.microsoft.com/office/drawing/2014/main" id="{396A095E-DB05-47EC-A2D5-47398A4A00B4}"/>
-              </a:ext>
-            </a:extLst>
-          </p:cNvPr>
-          <p:cNvSpPr>
-            <a:spLocks noGrp="1"/>
-          </p:cNvSpPr>
-          <p:nvPr>
-            <p:ph type="ftr" sz="quarter" idx="11"/>
-          </p:nvPr>
-        </p:nvSpPr>
-        <p:spPr>
-          <a:xfrm>
-            <a:off x="5224463" y="6356350"/>
-            <a:ext cx="1743075" cy="365125"/>
-          </a:xfrm>
-        </p:spPr>
-        <p:txBody>
-          <a:bodyPr/>
-          <a:lstStyle/>
-          <a:p>
-            <a:r>
-              <a:rPr lang="en-US" dirty="0"/>
-              <a:t>Pitch Deck</a:t>
-            </a:r>
-          </a:p>
-        </p:txBody>
-      </p:sp>
-      <p:sp>
-        <p:nvSpPr>
-          <p:cNvPr id="6" name="Slide Number Placeholder 5">
-            <a:extLst>
-              <a:ext uri="{FF2B5EF4-FFF2-40B4-BE49-F238E27FC236}">
-                <a16:creationId xmlns:a16="http://schemas.microsoft.com/office/drawing/2014/main" id="{C23C3221-5F04-4CA7-A86A-EEA8566A1735}"/>
-              </a:ext>
-            </a:extLst>
-          </p:cNvPr>
-          <p:cNvSpPr>
-            <a:spLocks noGrp="1"/>
-          </p:cNvSpPr>
-          <p:nvPr>
-            <p:ph type="sldNum" sz="quarter" idx="12"/>
-          </p:nvPr>
-        </p:nvSpPr>
-        <p:spPr>
-          <a:xfrm>
-            <a:off x="8610600" y="6356350"/>
-            <a:ext cx="2743200" cy="365125"/>
-          </a:xfrm>
-        </p:spPr>
-        <p:txBody>
-          <a:bodyPr/>
-          <a:lstStyle/>
-          <a:p>
-            <a:fld id="{B5CEABB6-07DC-46E8-9B57-56EC44A396E5}" type="slidenum">
-              <a:rPr lang="en-US" smtClean="0"/>
-              <a:pPr/>
-              <a:t>6</a:t>
-            </a:fld>
-            <a:endParaRPr lang="en-US" dirty="0"/>
+              <a:t>COMPANY OVERVIEW</a:t>
+            </a:r>
           </a:p>
         </p:txBody>
       </p:sp>
     </p:spTree>
     <p:extLst>
       <p:ext uri="{BB962C8B-B14F-4D97-AF65-F5344CB8AC3E}">
-        <p14:creationId xmlns:p14="http://schemas.microsoft.com/office/powerpoint/2010/main" val="1346372204"/>
+        <p14:creationId xmlns:p14="http://schemas.microsoft.com/office/powerpoint/2010/main" val="707789176"/>
       </p:ext>
     </p:extLst>
   </p:cSld>
@@ -29175,7 +29238,7 @@
 </p:sld>
 </file>
 
-<file path=ppt/slides/slide71.xml><?xml version="1.0" encoding="utf-8"?>
+<file path=ppt/slides/slide8.xml><?xml version="1.0" encoding="utf-8"?>
 <p:sld xmlns:a="http://schemas.openxmlformats.org/drawingml/2006/main" xmlns:r="http://schemas.openxmlformats.org/officeDocument/2006/relationships" xmlns:p="http://schemas.openxmlformats.org/presentationml/2006/main">
   <p:cSld>
     <p:spTree>
@@ -29197,21 +29260,21 @@
           <p:cNvPr id="2" name="Title 1">
             <a:extLst>
               <a:ext uri="{FF2B5EF4-FFF2-40B4-BE49-F238E27FC236}">
-                <a16:creationId xmlns:a16="http://schemas.microsoft.com/office/drawing/2014/main" id="{A29DE7F2-E890-4744-88DD-A75F5E300513}"/>
-              </a:ext>
-            </a:extLst>
-          </p:cNvPr>
-          <p:cNvSpPr>
-            <a:spLocks noGrp="1"/>
-          </p:cNvSpPr>
-          <p:nvPr>
-            <p:ph type="ctrTitle"/>
-          </p:nvPr>
-        </p:nvSpPr>
-        <p:spPr>
-          <a:xfrm>
-            <a:off x="6991350" y="2571235"/>
-            <a:ext cx="4179570" cy="1715531"/>
+                <a16:creationId xmlns:a16="http://schemas.microsoft.com/office/drawing/2014/main" id="{8A4E0A63-A388-49B1-A04E-27CE9BD622EF}"/>
+              </a:ext>
+            </a:extLst>
+          </p:cNvPr>
+          <p:cNvSpPr>
+            <a:spLocks noGrp="1"/>
+          </p:cNvSpPr>
+          <p:nvPr>
+            <p:ph type="title"/>
+          </p:nvPr>
+        </p:nvSpPr>
+        <p:spPr>
+          <a:xfrm>
+            <a:off x="5920169" y="1152771"/>
+            <a:ext cx="5431971" cy="846301"/>
           </a:xfrm>
         </p:spPr>
         <p:txBody>
@@ -29219,16 +29282,294 @@
           <a:lstStyle/>
           <a:p>
             <a:r>
-              <a:rPr lang="en-US" dirty="0"/>
-              <a:t>COMPANY OVERVIEW</a:t>
-            </a:r>
+              <a:rPr lang="en-ZA" dirty="0"/>
+              <a:t>BUSINESS MODEL</a:t>
+            </a:r>
+          </a:p>
+        </p:txBody>
+      </p:sp>
+      <p:sp>
+        <p:nvSpPr>
+          <p:cNvPr id="6" name="Text Placeholder 5">
+            <a:extLst>
+              <a:ext uri="{FF2B5EF4-FFF2-40B4-BE49-F238E27FC236}">
+                <a16:creationId xmlns:a16="http://schemas.microsoft.com/office/drawing/2014/main" id="{7640DF9D-0C9E-4C5D-9635-6B4DE10CCEE5}"/>
+              </a:ext>
+            </a:extLst>
+          </p:cNvPr>
+          <p:cNvSpPr>
+            <a:spLocks noGrp="1"/>
+          </p:cNvSpPr>
+          <p:nvPr>
+            <p:ph type="body" sz="quarter" idx="13"/>
+          </p:nvPr>
+        </p:nvSpPr>
+        <p:spPr>
+          <a:xfrm>
+            <a:off x="5922254" y="2469515"/>
+            <a:ext cx="5433204" cy="365125"/>
+          </a:xfrm>
+        </p:spPr>
+        <p:txBody>
+          <a:bodyPr vert="horz" lIns="91440" tIns="45720" rIns="91440" bIns="45720" rtlCol="0" anchor="t">
+            <a:noAutofit/>
+          </a:bodyPr>
+          <a:lstStyle/>
+          <a:p>
+            <a:r>
+              <a:rPr lang="en-ZA" noProof="1"/>
+              <a:t>ABSTRACT</a:t>
+            </a:r>
+          </a:p>
+        </p:txBody>
+      </p:sp>
+      <p:sp>
+        <p:nvSpPr>
+          <p:cNvPr id="7" name="Text Placeholder 6">
+            <a:extLst>
+              <a:ext uri="{FF2B5EF4-FFF2-40B4-BE49-F238E27FC236}">
+                <a16:creationId xmlns:a16="http://schemas.microsoft.com/office/drawing/2014/main" id="{40297407-CE4E-4284-879D-AEC395713625}"/>
+              </a:ext>
+            </a:extLst>
+          </p:cNvPr>
+          <p:cNvSpPr>
+            <a:spLocks noGrp="1"/>
+          </p:cNvSpPr>
+          <p:nvPr>
+            <p:ph type="body" sz="quarter" idx="15"/>
+          </p:nvPr>
+        </p:nvSpPr>
+        <p:spPr>
+          <a:xfrm>
+            <a:off x="5921828" y="2798940"/>
+            <a:ext cx="5431971" cy="557950"/>
+          </a:xfrm>
+        </p:spPr>
+        <p:txBody>
+          <a:bodyPr>
+            <a:normAutofit/>
+          </a:bodyPr>
+          <a:lstStyle/>
+          <a:p>
+            <a:r>
+              <a:rPr lang="en-ZA" noProof="1"/>
+              <a:t>We based our research on market trends and social media</a:t>
+            </a:r>
+          </a:p>
+        </p:txBody>
+      </p:sp>
+      <p:sp>
+        <p:nvSpPr>
+          <p:cNvPr id="8" name="Text Placeholder 7">
+            <a:extLst>
+              <a:ext uri="{FF2B5EF4-FFF2-40B4-BE49-F238E27FC236}">
+                <a16:creationId xmlns:a16="http://schemas.microsoft.com/office/drawing/2014/main" id="{F5C3A7BE-F7FC-4942-A31A-491A8A806103}"/>
+              </a:ext>
+            </a:extLst>
+          </p:cNvPr>
+          <p:cNvSpPr>
+            <a:spLocks noGrp="1"/>
+          </p:cNvSpPr>
+          <p:nvPr>
+            <p:ph type="body" sz="quarter" idx="23"/>
+          </p:nvPr>
+        </p:nvSpPr>
+        <p:spPr>
+          <a:xfrm>
+            <a:off x="5922254" y="3569311"/>
+            <a:ext cx="5433204" cy="365125"/>
+          </a:xfrm>
+        </p:spPr>
+        <p:txBody>
+          <a:bodyPr vert="horz" lIns="91440" tIns="45720" rIns="91440" bIns="45720" rtlCol="0" anchor="t">
+            <a:noAutofit/>
+          </a:bodyPr>
+          <a:lstStyle/>
+          <a:p>
+            <a:r>
+              <a:rPr lang="en-ZA" noProof="1"/>
+              <a:t>DESIGN</a:t>
+            </a:r>
+          </a:p>
+        </p:txBody>
+      </p:sp>
+      <p:sp>
+        <p:nvSpPr>
+          <p:cNvPr id="9" name="Text Placeholder 8">
+            <a:extLst>
+              <a:ext uri="{FF2B5EF4-FFF2-40B4-BE49-F238E27FC236}">
+                <a16:creationId xmlns:a16="http://schemas.microsoft.com/office/drawing/2014/main" id="{95CCE699-03D1-4642-B46A-B14EF17DA183}"/>
+              </a:ext>
+            </a:extLst>
+          </p:cNvPr>
+          <p:cNvSpPr>
+            <a:spLocks noGrp="1"/>
+          </p:cNvSpPr>
+          <p:nvPr>
+            <p:ph type="body" sz="quarter" idx="24"/>
+          </p:nvPr>
+        </p:nvSpPr>
+        <p:spPr>
+          <a:xfrm>
+            <a:off x="5921828" y="3898736"/>
+            <a:ext cx="5431971" cy="557950"/>
+          </a:xfrm>
+        </p:spPr>
+        <p:txBody>
+          <a:bodyPr>
+            <a:normAutofit/>
+          </a:bodyPr>
+          <a:lstStyle/>
+          <a:p>
+            <a:r>
+              <a:rPr lang="en-ZA" noProof="1"/>
+              <a:t>We believe people need more products specifically dedicated to this niche market</a:t>
+            </a:r>
+          </a:p>
+        </p:txBody>
+      </p:sp>
+      <p:sp>
+        <p:nvSpPr>
+          <p:cNvPr id="10" name="Text Placeholder 9">
+            <a:extLst>
+              <a:ext uri="{FF2B5EF4-FFF2-40B4-BE49-F238E27FC236}">
+                <a16:creationId xmlns:a16="http://schemas.microsoft.com/office/drawing/2014/main" id="{BC1DF189-6F2F-4C21-88CC-C82D3D0D147B}"/>
+              </a:ext>
+            </a:extLst>
+          </p:cNvPr>
+          <p:cNvSpPr>
+            <a:spLocks noGrp="1"/>
+          </p:cNvSpPr>
+          <p:nvPr>
+            <p:ph type="body" sz="quarter" idx="25"/>
+          </p:nvPr>
+        </p:nvSpPr>
+        <p:spPr>
+          <a:xfrm>
+            <a:off x="5922254" y="4669107"/>
+            <a:ext cx="5433204" cy="365125"/>
+          </a:xfrm>
+        </p:spPr>
+        <p:txBody>
+          <a:bodyPr vert="horz" lIns="91440" tIns="45720" rIns="91440" bIns="45720" rtlCol="0" anchor="t">
+            <a:normAutofit lnSpcReduction="10000"/>
+          </a:bodyPr>
+          <a:lstStyle/>
+          <a:p>
+            <a:r>
+              <a:rPr lang="en-ZA" noProof="1"/>
+              <a:t>RESEARCH</a:t>
+            </a:r>
+          </a:p>
+        </p:txBody>
+      </p:sp>
+      <p:sp>
+        <p:nvSpPr>
+          <p:cNvPr id="5" name="Text Placeholder 4">
+            <a:extLst>
+              <a:ext uri="{FF2B5EF4-FFF2-40B4-BE49-F238E27FC236}">
+                <a16:creationId xmlns:a16="http://schemas.microsoft.com/office/drawing/2014/main" id="{06E82690-B145-4D4F-B2D1-0B2A8C50FD71}"/>
+              </a:ext>
+            </a:extLst>
+          </p:cNvPr>
+          <p:cNvSpPr>
+            <a:spLocks noGrp="1"/>
+          </p:cNvSpPr>
+          <p:nvPr>
+            <p:ph type="body" sz="quarter" idx="26"/>
+          </p:nvPr>
+        </p:nvSpPr>
+        <p:spPr>
+          <a:xfrm>
+            <a:off x="5921828" y="4998532"/>
+            <a:ext cx="5431971" cy="557950"/>
+          </a:xfrm>
+        </p:spPr>
+        <p:txBody>
+          <a:bodyPr>
+            <a:normAutofit/>
+          </a:bodyPr>
+          <a:lstStyle/>
+          <a:p>
+            <a:r>
+              <a:rPr lang="en-ZA" noProof="1"/>
+              <a:t>Minimalist and easy to use </a:t>
+            </a:r>
+          </a:p>
+        </p:txBody>
+      </p:sp>
+      <p:sp>
+        <p:nvSpPr>
+          <p:cNvPr id="3" name="Footer Placeholder 2">
+            <a:extLst>
+              <a:ext uri="{FF2B5EF4-FFF2-40B4-BE49-F238E27FC236}">
+                <a16:creationId xmlns:a16="http://schemas.microsoft.com/office/drawing/2014/main" id="{005C44B1-BA82-483C-BD91-F89067442F9E}"/>
+              </a:ext>
+            </a:extLst>
+          </p:cNvPr>
+          <p:cNvSpPr>
+            <a:spLocks noGrp="1"/>
+          </p:cNvSpPr>
+          <p:nvPr>
+            <p:ph type="ftr" sz="quarter" idx="21"/>
+          </p:nvPr>
+        </p:nvSpPr>
+        <p:spPr>
+          <a:xfrm>
+            <a:off x="7161955" y="6356350"/>
+            <a:ext cx="3243942" cy="365125"/>
+          </a:xfrm>
+        </p:spPr>
+        <p:txBody>
+          <a:bodyPr/>
+          <a:lstStyle/>
+          <a:p>
+            <a:r>
+              <a:rPr lang="en-ZA" dirty="0"/>
+              <a:t>Pitch Deck</a:t>
+            </a:r>
+          </a:p>
+        </p:txBody>
+      </p:sp>
+      <p:sp>
+        <p:nvSpPr>
+          <p:cNvPr id="4" name="Slide Number Placeholder 3">
+            <a:extLst>
+              <a:ext uri="{FF2B5EF4-FFF2-40B4-BE49-F238E27FC236}">
+                <a16:creationId xmlns:a16="http://schemas.microsoft.com/office/drawing/2014/main" id="{79ED4A67-3A46-4F54-A12A-EAE1B53E6457}"/>
+              </a:ext>
+            </a:extLst>
+          </p:cNvPr>
+          <p:cNvSpPr>
+            <a:spLocks noGrp="1"/>
+          </p:cNvSpPr>
+          <p:nvPr>
+            <p:ph type="sldNum" sz="quarter" idx="22"/>
+          </p:nvPr>
+        </p:nvSpPr>
+        <p:spPr>
+          <a:xfrm>
+            <a:off x="10700656" y="6356350"/>
+            <a:ext cx="653143" cy="365125"/>
+          </a:xfrm>
+        </p:spPr>
+        <p:txBody>
+          <a:bodyPr/>
+          <a:lstStyle/>
+          <a:p>
+            <a:fld id="{19B51A1E-902D-48AF-9020-955120F399B6}" type="slidenum">
+              <a:rPr lang="en-ZA" smtClean="0"/>
+              <a:pPr/>
+              <a:t>8</a:t>
+            </a:fld>
+            <a:endParaRPr lang="en-ZA" dirty="0"/>
           </a:p>
         </p:txBody>
       </p:sp>
     </p:spTree>
     <p:extLst>
       <p:ext uri="{BB962C8B-B14F-4D97-AF65-F5344CB8AC3E}">
-        <p14:creationId xmlns:p14="http://schemas.microsoft.com/office/powerpoint/2010/main" val="707789176"/>
+        <p14:creationId xmlns:p14="http://schemas.microsoft.com/office/powerpoint/2010/main" val="2069393026"/>
       </p:ext>
     </p:extLst>
   </p:cSld>
@@ -29238,7 +29579,7 @@
 </p:sld>
 </file>
 
-<file path=ppt/slides/slide818.xml><?xml version="1.0" encoding="utf-8"?>
+<file path=ppt/slides/slide9.xml><?xml version="1.0" encoding="utf-8"?>
 <p:sld xmlns:a="http://schemas.openxmlformats.org/drawingml/2006/main" xmlns:r="http://schemas.openxmlformats.org/officeDocument/2006/relationships" xmlns:p="http://schemas.openxmlformats.org/presentationml/2006/main">
   <p:cSld>
     <p:spTree>
@@ -29260,347 +29601,6 @@
           <p:cNvPr id="2" name="Title 1">
             <a:extLst>
               <a:ext uri="{FF2B5EF4-FFF2-40B4-BE49-F238E27FC236}">
-                <a16:creationId xmlns:a16="http://schemas.microsoft.com/office/drawing/2014/main" id="{8A4E0A63-A388-49B1-A04E-27CE9BD622EF}"/>
-              </a:ext>
-            </a:extLst>
-          </p:cNvPr>
-          <p:cNvSpPr>
-            <a:spLocks noGrp="1"/>
-          </p:cNvSpPr>
-          <p:nvPr>
-            <p:ph type="title"/>
-          </p:nvPr>
-        </p:nvSpPr>
-        <p:spPr>
-          <a:xfrm>
-            <a:off x="5920169" y="1152771"/>
-            <a:ext cx="5431971" cy="846301"/>
-          </a:xfrm>
-        </p:spPr>
-        <p:txBody>
-          <a:bodyPr/>
-          <a:lstStyle/>
-          <a:p>
-            <a:r>
-              <a:rPr lang="en-ZA" dirty="0"/>
-              <a:t>BUSINESS MODEL</a:t>
-            </a:r>
-          </a:p>
-        </p:txBody>
-      </p:sp>
-      <p:sp>
-        <p:nvSpPr>
-          <p:cNvPr id="6" name="Text Placeholder 5">
-            <a:extLst>
-              <a:ext uri="{FF2B5EF4-FFF2-40B4-BE49-F238E27FC236}">
-                <a16:creationId xmlns:a16="http://schemas.microsoft.com/office/drawing/2014/main" id="{7640DF9D-0C9E-4C5D-9635-6B4DE10CCEE5}"/>
-              </a:ext>
-            </a:extLst>
-          </p:cNvPr>
-          <p:cNvSpPr>
-            <a:spLocks noGrp="1"/>
-          </p:cNvSpPr>
-          <p:nvPr>
-            <p:ph type="body" sz="quarter" idx="13"/>
-          </p:nvPr>
-        </p:nvSpPr>
-        <p:spPr>
-          <a:xfrm>
-            <a:off x="5922254" y="2469515"/>
-            <a:ext cx="5433204" cy="365125"/>
-          </a:xfrm>
-        </p:spPr>
-        <p:txBody>
-          <a:bodyPr vert="horz" lIns="91440" tIns="45720" rIns="91440" bIns="45720" rtlCol="0" anchor="t">
-            <a:noAutofit/>
-          </a:bodyPr>
-          <a:lstStyle/>
-          <a:p>
-            <a:r>
-              <a:rPr lang="en-ZA" noProof="1"/>
-              <a:t>ABSTRACT</a:t>
-            </a:r>
-          </a:p>
-        </p:txBody>
-      </p:sp>
-      <p:sp>
-        <p:nvSpPr>
-          <p:cNvPr id="7" name="Text Placeholder 6">
-            <a:extLst>
-              <a:ext uri="{FF2B5EF4-FFF2-40B4-BE49-F238E27FC236}">
-                <a16:creationId xmlns:a16="http://schemas.microsoft.com/office/drawing/2014/main" id="{40297407-CE4E-4284-879D-AEC395713625}"/>
-              </a:ext>
-            </a:extLst>
-          </p:cNvPr>
-          <p:cNvSpPr>
-            <a:spLocks noGrp="1"/>
-          </p:cNvSpPr>
-          <p:nvPr>
-            <p:ph type="body" sz="quarter" idx="15"/>
-          </p:nvPr>
-        </p:nvSpPr>
-        <p:spPr>
-          <a:xfrm>
-            <a:off x="5921828" y="2798940"/>
-            <a:ext cx="5431971" cy="557950"/>
-          </a:xfrm>
-        </p:spPr>
-        <p:txBody>
-          <a:bodyPr>
-            <a:normAutofit/>
-          </a:bodyPr>
-          <a:lstStyle/>
-          <a:p>
-            <a:r>
-              <a:rPr lang="en-ZA" noProof="1"/>
-              <a:t>We based our research on market trends and social media</a:t>
-            </a:r>
-          </a:p>
-        </p:txBody>
-      </p:sp>
-      <p:sp>
-        <p:nvSpPr>
-          <p:cNvPr id="8" name="Text Placeholder 7">
-            <a:extLst>
-              <a:ext uri="{FF2B5EF4-FFF2-40B4-BE49-F238E27FC236}">
-                <a16:creationId xmlns:a16="http://schemas.microsoft.com/office/drawing/2014/main" id="{F5C3A7BE-F7FC-4942-A31A-491A8A806103}"/>
-              </a:ext>
-            </a:extLst>
-          </p:cNvPr>
-          <p:cNvSpPr>
-            <a:spLocks noGrp="1"/>
-          </p:cNvSpPr>
-          <p:nvPr>
-            <p:ph type="body" sz="quarter" idx="23"/>
-          </p:nvPr>
-        </p:nvSpPr>
-        <p:spPr>
-          <a:xfrm>
-            <a:off x="5922254" y="3569311"/>
-            <a:ext cx="5433204" cy="365125"/>
-          </a:xfrm>
-        </p:spPr>
-        <p:txBody>
-          <a:bodyPr vert="horz" lIns="91440" tIns="45720" rIns="91440" bIns="45720" rtlCol="0" anchor="t">
-            <a:noAutofit/>
-          </a:bodyPr>
-          <a:lstStyle/>
-          <a:p>
-            <a:r>
-              <a:rPr lang="en-ZA" noProof="1"/>
-              <a:t>DESIGN</a:t>
-            </a:r>
-          </a:p>
-        </p:txBody>
-      </p:sp>
-      <p:sp>
-        <p:nvSpPr>
-          <p:cNvPr id="9" name="Text Placeholder 8">
-            <a:extLst>
-              <a:ext uri="{FF2B5EF4-FFF2-40B4-BE49-F238E27FC236}">
-                <a16:creationId xmlns:a16="http://schemas.microsoft.com/office/drawing/2014/main" id="{95CCE699-03D1-4642-B46A-B14EF17DA183}"/>
-              </a:ext>
-            </a:extLst>
-          </p:cNvPr>
-          <p:cNvSpPr>
-            <a:spLocks noGrp="1"/>
-          </p:cNvSpPr>
-          <p:nvPr>
-            <p:ph type="body" sz="quarter" idx="24"/>
-          </p:nvPr>
-        </p:nvSpPr>
-        <p:spPr>
-          <a:xfrm>
-            <a:off x="5921828" y="3898736"/>
-            <a:ext cx="5431971" cy="557950"/>
-          </a:xfrm>
-        </p:spPr>
-        <p:txBody>
-          <a:bodyPr>
-            <a:normAutofit/>
-          </a:bodyPr>
-          <a:lstStyle/>
-          <a:p>
-            <a:r>
-              <a:rPr lang="en-ZA" noProof="1"/>
-              <a:t>We believe people need more products specifically dedicated to this niche market</a:t>
-            </a:r>
-          </a:p>
-        </p:txBody>
-      </p:sp>
-      <p:sp>
-        <p:nvSpPr>
-          <p:cNvPr id="10" name="Text Placeholder 9">
-            <a:extLst>
-              <a:ext uri="{FF2B5EF4-FFF2-40B4-BE49-F238E27FC236}">
-                <a16:creationId xmlns:a16="http://schemas.microsoft.com/office/drawing/2014/main" id="{BC1DF189-6F2F-4C21-88CC-C82D3D0D147B}"/>
-              </a:ext>
-            </a:extLst>
-          </p:cNvPr>
-          <p:cNvSpPr>
-            <a:spLocks noGrp="1"/>
-          </p:cNvSpPr>
-          <p:nvPr>
-            <p:ph type="body" sz="quarter" idx="25"/>
-          </p:nvPr>
-        </p:nvSpPr>
-        <p:spPr>
-          <a:xfrm>
-            <a:off x="5922254" y="4669107"/>
-            <a:ext cx="5433204" cy="365125"/>
-          </a:xfrm>
-        </p:spPr>
-        <p:txBody>
-          <a:bodyPr vert="horz" lIns="91440" tIns="45720" rIns="91440" bIns="45720" rtlCol="0" anchor="t">
-            <a:normAutofit lnSpcReduction="10000"/>
-          </a:bodyPr>
-          <a:lstStyle/>
-          <a:p>
-            <a:r>
-              <a:rPr lang="en-ZA" noProof="1"/>
-              <a:t>RESEARCH</a:t>
-            </a:r>
-          </a:p>
-        </p:txBody>
-      </p:sp>
-      <p:sp>
-        <p:nvSpPr>
-          <p:cNvPr id="5" name="Text Placeholder 4">
-            <a:extLst>
-              <a:ext uri="{FF2B5EF4-FFF2-40B4-BE49-F238E27FC236}">
-                <a16:creationId xmlns:a16="http://schemas.microsoft.com/office/drawing/2014/main" id="{06E82690-B145-4D4F-B2D1-0B2A8C50FD71}"/>
-              </a:ext>
-            </a:extLst>
-          </p:cNvPr>
-          <p:cNvSpPr>
-            <a:spLocks noGrp="1"/>
-          </p:cNvSpPr>
-          <p:nvPr>
-            <p:ph type="body" sz="quarter" idx="26"/>
-          </p:nvPr>
-        </p:nvSpPr>
-        <p:spPr>
-          <a:xfrm>
-            <a:off x="5921828" y="4998532"/>
-            <a:ext cx="5431971" cy="557950"/>
-          </a:xfrm>
-        </p:spPr>
-        <p:txBody>
-          <a:bodyPr>
-            <a:normAutofit/>
-          </a:bodyPr>
-          <a:lstStyle/>
-          <a:p>
-            <a:r>
-              <a:rPr lang="en-ZA" noProof="1"/>
-              <a:t>Minimalist and easy to use </a:t>
-            </a:r>
-          </a:p>
-        </p:txBody>
-      </p:sp>
-      <p:sp>
-        <p:nvSpPr>
-          <p:cNvPr id="3" name="Footer Placeholder 2">
-            <a:extLst>
-              <a:ext uri="{FF2B5EF4-FFF2-40B4-BE49-F238E27FC236}">
-                <a16:creationId xmlns:a16="http://schemas.microsoft.com/office/drawing/2014/main" id="{005C44B1-BA82-483C-BD91-F89067442F9E}"/>
-              </a:ext>
-            </a:extLst>
-          </p:cNvPr>
-          <p:cNvSpPr>
-            <a:spLocks noGrp="1"/>
-          </p:cNvSpPr>
-          <p:nvPr>
-            <p:ph type="ftr" sz="quarter" idx="21"/>
-          </p:nvPr>
-        </p:nvSpPr>
-        <p:spPr>
-          <a:xfrm>
-            <a:off x="7161955" y="6356350"/>
-            <a:ext cx="3243942" cy="365125"/>
-          </a:xfrm>
-        </p:spPr>
-        <p:txBody>
-          <a:bodyPr/>
-          <a:lstStyle/>
-          <a:p>
-            <a:r>
-              <a:rPr lang="en-ZA" dirty="0"/>
-              <a:t>Pitch Deck</a:t>
-            </a:r>
-          </a:p>
-        </p:txBody>
-      </p:sp>
-      <p:sp>
-        <p:nvSpPr>
-          <p:cNvPr id="4" name="Slide Number Placeholder 3">
-            <a:extLst>
-              <a:ext uri="{FF2B5EF4-FFF2-40B4-BE49-F238E27FC236}">
-                <a16:creationId xmlns:a16="http://schemas.microsoft.com/office/drawing/2014/main" id="{79ED4A67-3A46-4F54-A12A-EAE1B53E6457}"/>
-              </a:ext>
-            </a:extLst>
-          </p:cNvPr>
-          <p:cNvSpPr>
-            <a:spLocks noGrp="1"/>
-          </p:cNvSpPr>
-          <p:nvPr>
-            <p:ph type="sldNum" sz="quarter" idx="22"/>
-          </p:nvPr>
-        </p:nvSpPr>
-        <p:spPr>
-          <a:xfrm>
-            <a:off x="10700656" y="6356350"/>
-            <a:ext cx="653143" cy="365125"/>
-          </a:xfrm>
-        </p:spPr>
-        <p:txBody>
-          <a:bodyPr/>
-          <a:lstStyle/>
-          <a:p>
-            <a:fld id="{19B51A1E-902D-48AF-9020-955120F399B6}" type="slidenum">
-              <a:rPr lang="en-ZA" smtClean="0"/>
-              <a:pPr/>
-              <a:t>8</a:t>
-            </a:fld>
-            <a:endParaRPr lang="en-ZA" dirty="0"/>
-          </a:p>
-        </p:txBody>
-      </p:sp>
-    </p:spTree>
-    <p:extLst>
-      <p:ext uri="{BB962C8B-B14F-4D97-AF65-F5344CB8AC3E}">
-        <p14:creationId xmlns:p14="http://schemas.microsoft.com/office/powerpoint/2010/main" val="2069393026"/>
-      </p:ext>
-    </p:extLst>
-  </p:cSld>
-  <p:clrMapOvr>
-    <a:masterClrMapping/>
-  </p:clrMapOvr>
-</p:sld>
-</file>
-
-<file path=ppt/slides/slide915.xml><?xml version="1.0" encoding="utf-8"?>
-<p:sld xmlns:a="http://schemas.openxmlformats.org/drawingml/2006/main" xmlns:r="http://schemas.openxmlformats.org/officeDocument/2006/relationships" xmlns:p="http://schemas.openxmlformats.org/presentationml/2006/main">
-  <p:cSld>
-    <p:spTree>
-      <p:nvGrpSpPr>
-        <p:cNvPr id="1" name=""/>
-        <p:cNvGrpSpPr/>
-        <p:nvPr/>
-      </p:nvGrpSpPr>
-      <p:grpSpPr>
-        <a:xfrm>
-          <a:off x="0" y="0"/>
-          <a:ext cx="0" cy="0"/>
-          <a:chOff x="0" y="0"/>
-          <a:chExt cx="0" cy="0"/>
-        </a:xfrm>
-      </p:grpSpPr>
-      <p:sp>
-        <p:nvSpPr>
-          <p:cNvPr id="2" name="Title 1">
-            <a:extLst>
-              <a:ext uri="{FF2B5EF4-FFF2-40B4-BE49-F238E27FC236}">
                 <a16:creationId xmlns:a16="http://schemas.microsoft.com/office/drawing/2014/main" id="{5CE54ABB-4929-4810-950B-2DAEA0A5BAB4}"/>
               </a:ext>
             </a:extLst>
@@ -29956,7 +29956,7 @@
 </p:sld>
 </file>
 
-<file path=ppt/theme/theme11.xml><?xml version="1.0" encoding="utf-8"?>
+<file path=ppt/theme/theme1.xml><?xml version="1.0" encoding="utf-8"?>
 <a:theme xmlns:a="http://schemas.openxmlformats.org/drawingml/2006/main" name="Monoline">
   <a:themeElements>
     <a:clrScheme name="Custom 167">
@@ -30157,7 +30157,7 @@
 </a:theme>
 </file>
 
-<file path=ppt/theme/theme22.xml><?xml version="1.0" encoding="utf-8"?>
+<file path=ppt/theme/theme2.xml><?xml version="1.0" encoding="utf-8"?>
 <a:theme xmlns:a="http://schemas.openxmlformats.org/drawingml/2006/main" name="Office Theme">
   <a:themeElements>
     <a:clrScheme name="Office">
@@ -30452,7 +30452,7 @@
 </a:theme>
 </file>
 
-<file path=ppt/theme/theme33.xml><?xml version="1.0" encoding="utf-8"?>
+<file path=ppt/theme/theme3.xml><?xml version="1.0" encoding="utf-8"?>
 <a:theme xmlns:a="http://schemas.openxmlformats.org/drawingml/2006/main" name="Office Theme">
   <a:themeElements>
     <a:clrScheme name="Office">
@@ -31023,16 +31023,7 @@
 </ct:contentTypeSchema>
 </file>
 
-<file path=customXml/item23.xml><?xml version="1.0" encoding="utf-8"?>
-<?mso-contentType ?>
-<FormTemplates xmlns="http://schemas.microsoft.com/sharepoint/v3/contenttype/forms">
-  <Display>DocumentLibraryForm</Display>
-  <Edit>DocumentLibraryForm</Edit>
-  <New>DocumentLibraryForm</New>
-</FormTemplates>
-</file>
-
-<file path=customXml/item32.xml><?xml version="1.0" encoding="utf-8"?>
+<file path=customXml/item2.xml><?xml version="1.0" encoding="utf-8"?>
 <p:properties xmlns:p="http://schemas.microsoft.com/office/2006/metadata/properties" xmlns:xsi="http://www.w3.org/2001/XMLSchema-instance" xmlns:pc="http://schemas.microsoft.com/office/infopath/2007/PartnerControls">
   <documentManagement>
     <_ip_UnifiedCompliancePolicyUIAction xmlns="http://schemas.microsoft.com/sharepoint/v3" xsi:nil="true"/>
@@ -31051,16 +31042,54 @@
 </p:properties>
 </file>
 
-<file path=customXml/itemProps11.xml><?xml version="1.0" encoding="utf-8"?>
-<ds:datastoreItem xmlns:ds="http://schemas.openxmlformats.org/officeDocument/2006/customXml" ds:itemID="{875DC67E-4FAC-4989-A1C6-9CCFAE7240BA}"/>
+<file path=customXml/item3.xml><?xml version="1.0" encoding="utf-8"?>
+<?mso-contentType ?>
+<FormTemplates xmlns="http://schemas.microsoft.com/sharepoint/v3/contenttype/forms">
+  <Display>DocumentLibraryForm</Display>
+  <Edit>DocumentLibraryForm</Edit>
+  <New>DocumentLibraryForm</New>
+</FormTemplates>
 </file>
 
-<file path=customXml/itemProps23.xml><?xml version="1.0" encoding="utf-8"?>
-<ds:datastoreItem xmlns:ds="http://schemas.openxmlformats.org/officeDocument/2006/customXml" ds:itemID="{BC4BA2C8-4C3C-4809-AD4F-FED9B4D74B8F}"/>
+<file path=customXml/itemProps1.xml><?xml version="1.0" encoding="utf-8"?>
+<ds:datastoreItem xmlns:ds="http://schemas.openxmlformats.org/officeDocument/2006/customXml" ds:itemID="{875DC67E-4FAC-4989-A1C6-9CCFAE7240BA}">
+  <ds:schemaRefs>
+    <ds:schemaRef ds:uri="http://schemas.microsoft.com/office/2006/metadata/contentType"/>
+    <ds:schemaRef ds:uri="http://schemas.microsoft.com/office/2006/metadata/properties/metaAttributes"/>
+    <ds:schemaRef ds:uri="http://www.w3.org/2001/XMLSchema"/>
+    <ds:schemaRef ds:uri="http://schemas.microsoft.com/office/2006/metadata/properties"/>
+    <ds:schemaRef ds:uri="http://schemas.microsoft.com/sharepoint/v3"/>
+    <ds:schemaRef ds:uri="71af3243-3dd4-4a8d-8c0d-dd76da1f02a5"/>
+    <ds:schemaRef ds:uri="16c05727-aa75-4e4a-9b5f-8a80a1165891"/>
+    <ds:schemaRef ds:uri="230e9df3-be65-4c73-a93b-d1236ebd677e"/>
+    <ds:schemaRef ds:uri="http://schemas.microsoft.com/office/2006/documentManagement/types"/>
+    <ds:schemaRef ds:uri="http://schemas.microsoft.com/office/infopath/2007/PartnerControls"/>
+    <ds:schemaRef ds:uri="http://schemas.openxmlformats.org/package/2006/metadata/core-properties"/>
+    <ds:schemaRef ds:uri="http://purl.org/dc/elements/1.1/"/>
+    <ds:schemaRef ds:uri="http://purl.org/dc/terms/"/>
+    <ds:schemaRef ds:uri="http://schemas.microsoft.com/internal/obd"/>
+  </ds:schemaRefs>
+</ds:datastoreItem>
 </file>
 
-<file path=customXml/itemProps32.xml><?xml version="1.0" encoding="utf-8"?>
-<ds:datastoreItem xmlns:ds="http://schemas.openxmlformats.org/officeDocument/2006/customXml" ds:itemID="{0C14FED0-9A95-4A83-8CAA-A3BB5938F805}"/>
+<file path=customXml/itemProps2.xml><?xml version="1.0" encoding="utf-8"?>
+<ds:datastoreItem xmlns:ds="http://schemas.openxmlformats.org/officeDocument/2006/customXml" ds:itemID="{0C14FED0-9A95-4A83-8CAA-A3BB5938F805}">
+  <ds:schemaRefs>
+    <ds:schemaRef ds:uri="http://schemas.microsoft.com/office/2006/metadata/properties"/>
+    <ds:schemaRef ds:uri="http://schemas.microsoft.com/office/infopath/2007/PartnerControls"/>
+    <ds:schemaRef ds:uri="http://schemas.microsoft.com/sharepoint/v3"/>
+    <ds:schemaRef ds:uri="71af3243-3dd4-4a8d-8c0d-dd76da1f02a5"/>
+    <ds:schemaRef ds:uri="230e9df3-be65-4c73-a93b-d1236ebd677e"/>
+  </ds:schemaRefs>
+</ds:datastoreItem>
+</file>
+
+<file path=customXml/itemProps3.xml><?xml version="1.0" encoding="utf-8"?>
+<ds:datastoreItem xmlns:ds="http://schemas.openxmlformats.org/officeDocument/2006/customXml" ds:itemID="{BC4BA2C8-4C3C-4809-AD4F-FED9B4D74B8F}">
+  <ds:schemaRefs>
+    <ds:schemaRef ds:uri="http://schemas.microsoft.com/sharepoint/v3/contenttype/forms"/>
+  </ds:schemaRefs>
+</ds:datastoreItem>
 </file>
 
 <file path=docMetadata/LabelInfo.xml><?xml version="1.0" encoding="utf-8"?>
